--- a/note.pptx
+++ b/note.pptx
@@ -8,6 +8,10 @@
     <p:sldId id="256" r:id="rId2"/>
     <p:sldId id="257" r:id="rId3"/>
     <p:sldId id="258" r:id="rId4"/>
+    <p:sldId id="259" r:id="rId5"/>
+    <p:sldId id="260" r:id="rId6"/>
+    <p:sldId id="261" r:id="rId7"/>
+    <p:sldId id="262" r:id="rId8"/>
   </p:sldIdLst>
   <p:sldSz cx="12192000" cy="6858000"/>
   <p:notesSz cx="6858000" cy="9144000"/>
@@ -106,6 +110,11 @@
       </a:defRPr>
     </a:lvl9pPr>
   </p:defaultTextStyle>
+  <p:extLst>
+    <p:ext uri="{EFAFB233-063F-42B5-8137-9DF3F51BA10A}">
+      <p15:sldGuideLst xmlns:p15="http://schemas.microsoft.com/office/powerpoint/2012/main"/>
+    </p:ext>
+  </p:extLst>
 </p:presentation>
 </file>
 
@@ -256,7 +265,7 @@
           <a:p>
             <a:fld id="{3EC996AB-4736-470D-8F5F-B2811E4F181C}" type="datetimeFigureOut">
               <a:rPr lang="zh-TW" altLang="en-US" smtClean="0"/>
-              <a:t>2023/11/9</a:t>
+              <a:t>2023/11/11</a:t>
             </a:fld>
             <a:endParaRPr lang="zh-TW" altLang="en-US"/>
           </a:p>
@@ -454,7 +463,7 @@
           <a:p>
             <a:fld id="{3EC996AB-4736-470D-8F5F-B2811E4F181C}" type="datetimeFigureOut">
               <a:rPr lang="zh-TW" altLang="en-US" smtClean="0"/>
-              <a:t>2023/11/9</a:t>
+              <a:t>2023/11/11</a:t>
             </a:fld>
             <a:endParaRPr lang="zh-TW" altLang="en-US"/>
           </a:p>
@@ -662,7 +671,7 @@
           <a:p>
             <a:fld id="{3EC996AB-4736-470D-8F5F-B2811E4F181C}" type="datetimeFigureOut">
               <a:rPr lang="zh-TW" altLang="en-US" smtClean="0"/>
-              <a:t>2023/11/9</a:t>
+              <a:t>2023/11/11</a:t>
             </a:fld>
             <a:endParaRPr lang="zh-TW" altLang="en-US"/>
           </a:p>
@@ -860,7 +869,7 @@
           <a:p>
             <a:fld id="{3EC996AB-4736-470D-8F5F-B2811E4F181C}" type="datetimeFigureOut">
               <a:rPr lang="zh-TW" altLang="en-US" smtClean="0"/>
-              <a:t>2023/11/9</a:t>
+              <a:t>2023/11/11</a:t>
             </a:fld>
             <a:endParaRPr lang="zh-TW" altLang="en-US"/>
           </a:p>
@@ -1135,7 +1144,7 @@
           <a:p>
             <a:fld id="{3EC996AB-4736-470D-8F5F-B2811E4F181C}" type="datetimeFigureOut">
               <a:rPr lang="zh-TW" altLang="en-US" smtClean="0"/>
-              <a:t>2023/11/9</a:t>
+              <a:t>2023/11/11</a:t>
             </a:fld>
             <a:endParaRPr lang="zh-TW" altLang="en-US"/>
           </a:p>
@@ -1400,7 +1409,7 @@
           <a:p>
             <a:fld id="{3EC996AB-4736-470D-8F5F-B2811E4F181C}" type="datetimeFigureOut">
               <a:rPr lang="zh-TW" altLang="en-US" smtClean="0"/>
-              <a:t>2023/11/9</a:t>
+              <a:t>2023/11/11</a:t>
             </a:fld>
             <a:endParaRPr lang="zh-TW" altLang="en-US"/>
           </a:p>
@@ -1812,7 +1821,7 @@
           <a:p>
             <a:fld id="{3EC996AB-4736-470D-8F5F-B2811E4F181C}" type="datetimeFigureOut">
               <a:rPr lang="zh-TW" altLang="en-US" smtClean="0"/>
-              <a:t>2023/11/9</a:t>
+              <a:t>2023/11/11</a:t>
             </a:fld>
             <a:endParaRPr lang="zh-TW" altLang="en-US"/>
           </a:p>
@@ -1953,7 +1962,7 @@
           <a:p>
             <a:fld id="{3EC996AB-4736-470D-8F5F-B2811E4F181C}" type="datetimeFigureOut">
               <a:rPr lang="zh-TW" altLang="en-US" smtClean="0"/>
-              <a:t>2023/11/9</a:t>
+              <a:t>2023/11/11</a:t>
             </a:fld>
             <a:endParaRPr lang="zh-TW" altLang="en-US"/>
           </a:p>
@@ -2066,7 +2075,7 @@
           <a:p>
             <a:fld id="{3EC996AB-4736-470D-8F5F-B2811E4F181C}" type="datetimeFigureOut">
               <a:rPr lang="zh-TW" altLang="en-US" smtClean="0"/>
-              <a:t>2023/11/9</a:t>
+              <a:t>2023/11/11</a:t>
             </a:fld>
             <a:endParaRPr lang="zh-TW" altLang="en-US"/>
           </a:p>
@@ -2377,7 +2386,7 @@
           <a:p>
             <a:fld id="{3EC996AB-4736-470D-8F5F-B2811E4F181C}" type="datetimeFigureOut">
               <a:rPr lang="zh-TW" altLang="en-US" smtClean="0"/>
-              <a:t>2023/11/9</a:t>
+              <a:t>2023/11/11</a:t>
             </a:fld>
             <a:endParaRPr lang="zh-TW" altLang="en-US"/>
           </a:p>
@@ -2665,7 +2674,7 @@
           <a:p>
             <a:fld id="{3EC996AB-4736-470D-8F5F-B2811E4F181C}" type="datetimeFigureOut">
               <a:rPr lang="zh-TW" altLang="en-US" smtClean="0"/>
-              <a:t>2023/11/9</a:t>
+              <a:t>2023/11/11</a:t>
             </a:fld>
             <a:endParaRPr lang="zh-TW" altLang="en-US"/>
           </a:p>
@@ -2906,7 +2915,7 @@
           <a:p>
             <a:fld id="{3EC996AB-4736-470D-8F5F-B2811E4F181C}" type="datetimeFigureOut">
               <a:rPr lang="zh-TW" altLang="en-US" smtClean="0"/>
-              <a:t>2023/11/9</a:t>
+              <a:t>2023/11/11</a:t>
             </a:fld>
             <a:endParaRPr lang="zh-TW" altLang="en-US"/>
           </a:p>
@@ -3390,10 +3399,10 @@
       </p:grpSpPr>
       <p:sp>
         <p:nvSpPr>
-          <p:cNvPr id="4" name="文字方塊 3">
-            <a:extLst>
-              <a:ext uri="{FF2B5EF4-FFF2-40B4-BE49-F238E27FC236}">
-                <a16:creationId xmlns:a16="http://schemas.microsoft.com/office/drawing/2014/main" id="{37B07AD7-EE4D-4274-803F-CF640AA2E2B6}"/>
+          <p:cNvPr id="9" name="文字方塊 8">
+            <a:extLst>
+              <a:ext uri="{FF2B5EF4-FFF2-40B4-BE49-F238E27FC236}">
+                <a16:creationId xmlns:a16="http://schemas.microsoft.com/office/drawing/2014/main" id="{00954A48-3784-4D9E-B48F-36219568CAB0}"/>
               </a:ext>
             </a:extLst>
           </p:cNvPr>
@@ -3402,28 +3411,86 @@
         </p:nvSpPr>
         <p:spPr>
           <a:xfrm>
-            <a:off x="4791456" y="1054608"/>
-            <a:ext cx="1609344" cy="369332"/>
+            <a:off x="5079076" y="519978"/>
+            <a:ext cx="1113906" cy="369332"/>
           </a:xfrm>
           <a:prstGeom prst="rect">
             <a:avLst/>
           </a:prstGeom>
           <a:noFill/>
+        </p:spPr>
+        <p:txBody>
+          <a:bodyPr wrap="square" rtlCol="0">
+            <a:spAutoFit/>
+          </a:bodyPr>
+          <a:lstStyle/>
+          <a:p>
+            <a:r>
+              <a:rPr lang="en-US" altLang="zh-TW" dirty="0"/>
+              <a:t>Grafcet0</a:t>
+            </a:r>
+          </a:p>
+        </p:txBody>
+      </p:sp>
+      <p:sp>
+        <p:nvSpPr>
+          <p:cNvPr id="11" name="框架 10">
+            <a:extLst>
+              <a:ext uri="{FF2B5EF4-FFF2-40B4-BE49-F238E27FC236}">
+                <a16:creationId xmlns:a16="http://schemas.microsoft.com/office/drawing/2014/main" id="{9D4FAF60-66A0-4B86-9C0F-F9BB6F4C98F0}"/>
+              </a:ext>
+            </a:extLst>
+          </p:cNvPr>
+          <p:cNvSpPr/>
+          <p:nvPr/>
+        </p:nvSpPr>
+        <p:spPr>
+          <a:xfrm>
+            <a:off x="5263646" y="1423940"/>
+            <a:ext cx="563671" cy="563671"/>
+          </a:xfrm>
+          <a:prstGeom prst="frame">
+            <a:avLst/>
+          </a:prstGeom>
+          <a:solidFill>
+            <a:schemeClr val="accent1">
+              <a:lumMod val="20000"/>
+              <a:lumOff val="80000"/>
+            </a:schemeClr>
+          </a:solidFill>
           <a:ln>
             <a:solidFill>
               <a:schemeClr val="tx1"/>
             </a:solidFill>
           </a:ln>
         </p:spPr>
-        <p:txBody>
-          <a:bodyPr wrap="square" rtlCol="0">
-            <a:spAutoFit/>
-          </a:bodyPr>
+        <p:style>
+          <a:lnRef idx="2">
+            <a:schemeClr val="accent1">
+              <a:shade val="50000"/>
+            </a:schemeClr>
+          </a:lnRef>
+          <a:fillRef idx="1">
+            <a:schemeClr val="accent1"/>
+          </a:fillRef>
+          <a:effectRef idx="0">
+            <a:schemeClr val="accent1"/>
+          </a:effectRef>
+          <a:fontRef idx="minor">
+            <a:schemeClr val="lt1"/>
+          </a:fontRef>
+        </p:style>
+        <p:txBody>
+          <a:bodyPr rtlCol="0" anchor="ctr"/>
           <a:lstStyle/>
           <a:p>
             <a:pPr algn="ctr"/>
             <a:r>
-              <a:rPr lang="en-US" altLang="zh-TW" dirty="0"/>
+              <a:rPr lang="en-US" altLang="zh-TW" dirty="0">
+                <a:solidFill>
+                  <a:schemeClr val="tx1"/>
+                </a:solidFill>
+              </a:rPr>
               <a:t>0</a:t>
             </a:r>
           </a:p>
@@ -3431,92 +3498,610 @@
       </p:sp>
       <p:sp>
         <p:nvSpPr>
-          <p:cNvPr id="5" name="文字方塊 4">
-            <a:extLst>
-              <a:ext uri="{FF2B5EF4-FFF2-40B4-BE49-F238E27FC236}">
-                <a16:creationId xmlns:a16="http://schemas.microsoft.com/office/drawing/2014/main" id="{4F16B48B-65CB-4C22-AF9F-97985391C8EC}"/>
-              </a:ext>
-            </a:extLst>
-          </p:cNvPr>
-          <p:cNvSpPr txBox="1"/>
-          <p:nvPr/>
-        </p:nvSpPr>
-        <p:spPr>
-          <a:xfrm>
-            <a:off x="4791456" y="1926336"/>
-            <a:ext cx="1609344" cy="369332"/>
+          <p:cNvPr id="12" name="矩形 11">
+            <a:extLst>
+              <a:ext uri="{FF2B5EF4-FFF2-40B4-BE49-F238E27FC236}">
+                <a16:creationId xmlns:a16="http://schemas.microsoft.com/office/drawing/2014/main" id="{8FA560A6-BA01-41F8-B5C2-2545B427BA8B}"/>
+              </a:ext>
+            </a:extLst>
+          </p:cNvPr>
+          <p:cNvSpPr/>
+          <p:nvPr/>
+        </p:nvSpPr>
+        <p:spPr>
+          <a:xfrm>
+            <a:off x="5263646" y="3783511"/>
+            <a:ext cx="563670" cy="563670"/>
           </a:xfrm>
           <a:prstGeom prst="rect">
             <a:avLst/>
           </a:prstGeom>
-          <a:noFill/>
+          <a:solidFill>
+            <a:schemeClr val="accent1">
+              <a:lumMod val="20000"/>
+              <a:lumOff val="80000"/>
+            </a:schemeClr>
+          </a:solidFill>
           <a:ln>
             <a:solidFill>
               <a:schemeClr val="tx1"/>
             </a:solidFill>
           </a:ln>
         </p:spPr>
-        <p:txBody>
-          <a:bodyPr wrap="square" rtlCol="0">
-            <a:spAutoFit/>
-          </a:bodyPr>
+        <p:style>
+          <a:lnRef idx="2">
+            <a:schemeClr val="accent1">
+              <a:shade val="50000"/>
+            </a:schemeClr>
+          </a:lnRef>
+          <a:fillRef idx="1">
+            <a:schemeClr val="accent1"/>
+          </a:fillRef>
+          <a:effectRef idx="0">
+            <a:schemeClr val="accent1"/>
+          </a:effectRef>
+          <a:fontRef idx="minor">
+            <a:schemeClr val="lt1"/>
+          </a:fontRef>
+        </p:style>
+        <p:txBody>
+          <a:bodyPr rtlCol="0" anchor="ctr"/>
           <a:lstStyle/>
           <a:p>
             <a:pPr algn="ctr"/>
             <a:r>
-              <a:rPr lang="en-US" altLang="zh-TW" dirty="0"/>
-              <a:t>1</a:t>
-            </a:r>
-          </a:p>
-        </p:txBody>
-      </p:sp>
-      <p:sp>
-        <p:nvSpPr>
-          <p:cNvPr id="6" name="文字方塊 5">
-            <a:extLst>
-              <a:ext uri="{FF2B5EF4-FFF2-40B4-BE49-F238E27FC236}">
-                <a16:creationId xmlns:a16="http://schemas.microsoft.com/office/drawing/2014/main" id="{41FCC037-E55F-4841-8F11-D30E8115B4DC}"/>
-              </a:ext>
-            </a:extLst>
-          </p:cNvPr>
-          <p:cNvSpPr txBox="1"/>
-          <p:nvPr/>
-        </p:nvSpPr>
-        <p:spPr>
-          <a:xfrm>
-            <a:off x="4791456" y="2798064"/>
-            <a:ext cx="1609344" cy="369332"/>
+              <a:rPr lang="en-US" altLang="zh-TW" dirty="0">
+                <a:solidFill>
+                  <a:schemeClr val="tx1"/>
+                </a:solidFill>
+              </a:rPr>
+              <a:t>2</a:t>
+            </a:r>
+          </a:p>
+        </p:txBody>
+      </p:sp>
+      <p:sp>
+        <p:nvSpPr>
+          <p:cNvPr id="13" name="矩形 12">
+            <a:extLst>
+              <a:ext uri="{FF2B5EF4-FFF2-40B4-BE49-F238E27FC236}">
+                <a16:creationId xmlns:a16="http://schemas.microsoft.com/office/drawing/2014/main" id="{626A0FDD-D4C6-437E-8711-966A782FAEAD}"/>
+              </a:ext>
+            </a:extLst>
+          </p:cNvPr>
+          <p:cNvSpPr/>
+          <p:nvPr/>
+        </p:nvSpPr>
+        <p:spPr>
+          <a:xfrm>
+            <a:off x="5263647" y="2603726"/>
+            <a:ext cx="563670" cy="563670"/>
           </a:xfrm>
           <a:prstGeom prst="rect">
             <a:avLst/>
           </a:prstGeom>
-          <a:noFill/>
+          <a:solidFill>
+            <a:schemeClr val="accent1">
+              <a:lumMod val="20000"/>
+              <a:lumOff val="80000"/>
+            </a:schemeClr>
+          </a:solidFill>
           <a:ln>
             <a:solidFill>
               <a:schemeClr val="tx1"/>
             </a:solidFill>
           </a:ln>
         </p:spPr>
+        <p:style>
+          <a:lnRef idx="2">
+            <a:schemeClr val="accent1">
+              <a:shade val="50000"/>
+            </a:schemeClr>
+          </a:lnRef>
+          <a:fillRef idx="1">
+            <a:schemeClr val="accent1"/>
+          </a:fillRef>
+          <a:effectRef idx="0">
+            <a:schemeClr val="accent1"/>
+          </a:effectRef>
+          <a:fontRef idx="minor">
+            <a:schemeClr val="lt1"/>
+          </a:fontRef>
+        </p:style>
+        <p:txBody>
+          <a:bodyPr rtlCol="0" anchor="ctr"/>
+          <a:lstStyle/>
+          <a:p>
+            <a:pPr algn="ctr"/>
+            <a:r>
+              <a:rPr lang="en-US" altLang="zh-TW" dirty="0">
+                <a:solidFill>
+                  <a:schemeClr val="tx1"/>
+                </a:solidFill>
+              </a:rPr>
+              <a:t>1</a:t>
+            </a:r>
+          </a:p>
+        </p:txBody>
+      </p:sp>
+      <p:grpSp>
+        <p:nvGrpSpPr>
+          <p:cNvPr id="16" name="群組 15">
+            <a:extLst>
+              <a:ext uri="{FF2B5EF4-FFF2-40B4-BE49-F238E27FC236}">
+                <a16:creationId xmlns:a16="http://schemas.microsoft.com/office/drawing/2014/main" id="{B515CEA7-84F2-4E65-8784-3BAA2ABDC65A}"/>
+              </a:ext>
+            </a:extLst>
+          </p:cNvPr>
+          <p:cNvGrpSpPr/>
+          <p:nvPr/>
+        </p:nvGrpSpPr>
+        <p:grpSpPr>
+          <a:xfrm>
+            <a:off x="6710929" y="2603726"/>
+            <a:ext cx="1924316" cy="563671"/>
+            <a:chOff x="6862677" y="2603725"/>
+            <a:chExt cx="1924316" cy="563671"/>
+          </a:xfrm>
+        </p:grpSpPr>
+        <p:sp>
+          <p:nvSpPr>
+            <p:cNvPr id="15" name="矩形 14">
+              <a:extLst>
+                <a:ext uri="{FF2B5EF4-FFF2-40B4-BE49-F238E27FC236}">
+                  <a16:creationId xmlns:a16="http://schemas.microsoft.com/office/drawing/2014/main" id="{36A8C0BB-8ED2-481E-879D-3895AFF8BF6A}"/>
+                </a:ext>
+              </a:extLst>
+            </p:cNvPr>
+            <p:cNvSpPr/>
+            <p:nvPr/>
+          </p:nvSpPr>
+          <p:spPr>
+            <a:xfrm>
+              <a:off x="6862677" y="2603726"/>
+              <a:ext cx="1924316" cy="563670"/>
+            </a:xfrm>
+            <a:prstGeom prst="rect">
+              <a:avLst/>
+            </a:prstGeom>
+            <a:solidFill>
+              <a:schemeClr val="accent1">
+                <a:lumMod val="20000"/>
+                <a:lumOff val="80000"/>
+              </a:schemeClr>
+            </a:solidFill>
+            <a:ln>
+              <a:solidFill>
+                <a:schemeClr val="tx1"/>
+              </a:solidFill>
+            </a:ln>
+          </p:spPr>
+          <p:style>
+            <a:lnRef idx="2">
+              <a:schemeClr val="accent1">
+                <a:shade val="50000"/>
+              </a:schemeClr>
+            </a:lnRef>
+            <a:fillRef idx="1">
+              <a:schemeClr val="accent1"/>
+            </a:fillRef>
+            <a:effectRef idx="0">
+              <a:schemeClr val="accent1"/>
+            </a:effectRef>
+            <a:fontRef idx="minor">
+              <a:schemeClr val="lt1"/>
+            </a:fontRef>
+          </p:style>
+          <p:txBody>
+            <a:bodyPr rtlCol="0" anchor="ctr"/>
+            <a:lstStyle/>
+            <a:p>
+              <a:pPr algn="ctr"/>
+              <a:r>
+                <a:rPr lang="zh-TW" altLang="en-US" dirty="0">
+                  <a:solidFill>
+                    <a:schemeClr val="tx1"/>
+                  </a:solidFill>
+                </a:rPr>
+                <a:t>感知機訓練</a:t>
+              </a:r>
+              <a:endParaRPr lang="en-US" altLang="zh-TW" dirty="0">
+                <a:solidFill>
+                  <a:schemeClr val="tx1"/>
+                </a:solidFill>
+              </a:endParaRPr>
+            </a:p>
+          </p:txBody>
+        </p:sp>
+        <p:sp>
+          <p:nvSpPr>
+            <p:cNvPr id="10" name="文字方塊 9">
+              <a:extLst>
+                <a:ext uri="{FF2B5EF4-FFF2-40B4-BE49-F238E27FC236}">
+                  <a16:creationId xmlns:a16="http://schemas.microsoft.com/office/drawing/2014/main" id="{8EC8A78C-927F-4875-A662-754BF19D59BF}"/>
+                </a:ext>
+              </a:extLst>
+            </p:cNvPr>
+            <p:cNvSpPr txBox="1"/>
+            <p:nvPr/>
+          </p:nvSpPr>
+          <p:spPr>
+            <a:xfrm>
+              <a:off x="7090755" y="2603725"/>
+              <a:ext cx="1477047" cy="563669"/>
+            </a:xfrm>
+            <a:prstGeom prst="rect">
+              <a:avLst/>
+            </a:prstGeom>
+            <a:noFill/>
+            <a:ln>
+              <a:solidFill>
+                <a:schemeClr val="tx1"/>
+              </a:solidFill>
+            </a:ln>
+          </p:spPr>
+          <p:txBody>
+            <a:bodyPr wrap="square" rtlCol="0">
+              <a:spAutoFit/>
+            </a:bodyPr>
+            <a:lstStyle/>
+            <a:p>
+              <a:pPr algn="ctr"/>
+              <a:endParaRPr lang="en-US" altLang="zh-TW" dirty="0"/>
+            </a:p>
+          </p:txBody>
+        </p:sp>
+      </p:grpSp>
+      <p:cxnSp>
+        <p:nvCxnSpPr>
+          <p:cNvPr id="18" name="直線接點 17">
+            <a:extLst>
+              <a:ext uri="{FF2B5EF4-FFF2-40B4-BE49-F238E27FC236}">
+                <a16:creationId xmlns:a16="http://schemas.microsoft.com/office/drawing/2014/main" id="{69C72838-ACE5-4011-AE99-EC6901DA706C}"/>
+              </a:ext>
+            </a:extLst>
+          </p:cNvPr>
+          <p:cNvCxnSpPr>
+            <a:stCxn id="11" idx="2"/>
+            <a:endCxn id="13" idx="0"/>
+          </p:cNvCxnSpPr>
+          <p:nvPr/>
+        </p:nvCxnSpPr>
+        <p:spPr>
+          <a:xfrm>
+            <a:off x="5545482" y="1987611"/>
+            <a:ext cx="0" cy="616115"/>
+          </a:xfrm>
+          <a:prstGeom prst="line">
+            <a:avLst/>
+          </a:prstGeom>
+        </p:spPr>
+        <p:style>
+          <a:lnRef idx="1">
+            <a:schemeClr val="dk1"/>
+          </a:lnRef>
+          <a:fillRef idx="0">
+            <a:schemeClr val="dk1"/>
+          </a:fillRef>
+          <a:effectRef idx="0">
+            <a:schemeClr val="dk1"/>
+          </a:effectRef>
+          <a:fontRef idx="minor">
+            <a:schemeClr val="tx1"/>
+          </a:fontRef>
+        </p:style>
+      </p:cxnSp>
+      <p:cxnSp>
+        <p:nvCxnSpPr>
+          <p:cNvPr id="21" name="直線接點 20">
+            <a:extLst>
+              <a:ext uri="{FF2B5EF4-FFF2-40B4-BE49-F238E27FC236}">
+                <a16:creationId xmlns:a16="http://schemas.microsoft.com/office/drawing/2014/main" id="{F892F7BF-0424-492F-B82E-76867A65752D}"/>
+              </a:ext>
+            </a:extLst>
+          </p:cNvPr>
+          <p:cNvCxnSpPr>
+            <a:stCxn id="13" idx="2"/>
+            <a:endCxn id="12" idx="0"/>
+          </p:cNvCxnSpPr>
+          <p:nvPr/>
+        </p:nvCxnSpPr>
+        <p:spPr>
+          <a:xfrm flipH="1">
+            <a:off x="5545481" y="3167396"/>
+            <a:ext cx="1" cy="616115"/>
+          </a:xfrm>
+          <a:prstGeom prst="line">
+            <a:avLst/>
+          </a:prstGeom>
+        </p:spPr>
+        <p:style>
+          <a:lnRef idx="1">
+            <a:schemeClr val="dk1"/>
+          </a:lnRef>
+          <a:fillRef idx="0">
+            <a:schemeClr val="dk1"/>
+          </a:fillRef>
+          <a:effectRef idx="0">
+            <a:schemeClr val="dk1"/>
+          </a:effectRef>
+          <a:fontRef idx="minor">
+            <a:schemeClr val="tx1"/>
+          </a:fontRef>
+        </p:style>
+      </p:cxnSp>
+      <p:cxnSp>
+        <p:nvCxnSpPr>
+          <p:cNvPr id="31" name="接點: 肘形 30">
+            <a:extLst>
+              <a:ext uri="{FF2B5EF4-FFF2-40B4-BE49-F238E27FC236}">
+                <a16:creationId xmlns:a16="http://schemas.microsoft.com/office/drawing/2014/main" id="{C2FEC139-E886-4707-95A1-AFC406E3A7A9}"/>
+              </a:ext>
+            </a:extLst>
+          </p:cNvPr>
+          <p:cNvCxnSpPr>
+            <a:stCxn id="11" idx="0"/>
+            <a:endCxn id="12" idx="2"/>
+          </p:cNvCxnSpPr>
+          <p:nvPr/>
+        </p:nvCxnSpPr>
+        <p:spPr>
+          <a:xfrm rot="16200000" flipH="1" flipV="1">
+            <a:off x="4083861" y="2885559"/>
+            <a:ext cx="2923241" cy="1"/>
+          </a:xfrm>
+          <a:prstGeom prst="bentConnector5">
+            <a:avLst>
+              <a:gd name="adj1" fmla="val -7820"/>
+              <a:gd name="adj2" fmla="val 51043600000"/>
+              <a:gd name="adj3" fmla="val 138058"/>
+            </a:avLst>
+          </a:prstGeom>
+        </p:spPr>
+        <p:style>
+          <a:lnRef idx="1">
+            <a:schemeClr val="dk1"/>
+          </a:lnRef>
+          <a:fillRef idx="0">
+            <a:schemeClr val="dk1"/>
+          </a:fillRef>
+          <a:effectRef idx="0">
+            <a:schemeClr val="dk1"/>
+          </a:effectRef>
+          <a:fontRef idx="minor">
+            <a:schemeClr val="tx1"/>
+          </a:fontRef>
+        </p:style>
+      </p:cxnSp>
+      <p:cxnSp>
+        <p:nvCxnSpPr>
+          <p:cNvPr id="35" name="直線接點 34">
+            <a:extLst>
+              <a:ext uri="{FF2B5EF4-FFF2-40B4-BE49-F238E27FC236}">
+                <a16:creationId xmlns:a16="http://schemas.microsoft.com/office/drawing/2014/main" id="{6EA1ADBF-B1D0-403E-8382-89F55635133D}"/>
+              </a:ext>
+            </a:extLst>
+          </p:cNvPr>
+          <p:cNvCxnSpPr>
+            <a:cxnSpLocks/>
+            <a:stCxn id="13" idx="3"/>
+            <a:endCxn id="15" idx="1"/>
+          </p:cNvCxnSpPr>
+          <p:nvPr/>
+        </p:nvCxnSpPr>
+        <p:spPr>
+          <a:xfrm>
+            <a:off x="5827317" y="2885561"/>
+            <a:ext cx="883612" cy="1"/>
+          </a:xfrm>
+          <a:prstGeom prst="line">
+            <a:avLst/>
+          </a:prstGeom>
+        </p:spPr>
+        <p:style>
+          <a:lnRef idx="1">
+            <a:schemeClr val="dk1"/>
+          </a:lnRef>
+          <a:fillRef idx="0">
+            <a:schemeClr val="dk1"/>
+          </a:fillRef>
+          <a:effectRef idx="0">
+            <a:schemeClr val="dk1"/>
+          </a:effectRef>
+          <a:fontRef idx="minor">
+            <a:schemeClr val="tx1"/>
+          </a:fontRef>
+        </p:style>
+      </p:cxnSp>
+      <p:cxnSp>
+        <p:nvCxnSpPr>
+          <p:cNvPr id="38" name="直線接點 37">
+            <a:extLst>
+              <a:ext uri="{FF2B5EF4-FFF2-40B4-BE49-F238E27FC236}">
+                <a16:creationId xmlns:a16="http://schemas.microsoft.com/office/drawing/2014/main" id="{DFF4BB25-222A-4AB7-8784-1878014702AB}"/>
+              </a:ext>
+            </a:extLst>
+          </p:cNvPr>
+          <p:cNvCxnSpPr>
+            <a:cxnSpLocks/>
+            <a:stCxn id="12" idx="3"/>
+          </p:cNvCxnSpPr>
+          <p:nvPr/>
+        </p:nvCxnSpPr>
+        <p:spPr>
+          <a:xfrm>
+            <a:off x="5827316" y="4065346"/>
+            <a:ext cx="883613" cy="0"/>
+          </a:xfrm>
+          <a:prstGeom prst="line">
+            <a:avLst/>
+          </a:prstGeom>
+        </p:spPr>
+        <p:style>
+          <a:lnRef idx="1">
+            <a:schemeClr val="dk1"/>
+          </a:lnRef>
+          <a:fillRef idx="0">
+            <a:schemeClr val="dk1"/>
+          </a:fillRef>
+          <a:effectRef idx="0">
+            <a:schemeClr val="dk1"/>
+          </a:effectRef>
+          <a:fontRef idx="minor">
+            <a:schemeClr val="tx1"/>
+          </a:fontRef>
+        </p:style>
+      </p:cxnSp>
+      <p:cxnSp>
+        <p:nvCxnSpPr>
+          <p:cNvPr id="40" name="直線接點 39">
+            <a:extLst>
+              <a:ext uri="{FF2B5EF4-FFF2-40B4-BE49-F238E27FC236}">
+                <a16:creationId xmlns:a16="http://schemas.microsoft.com/office/drawing/2014/main" id="{99282130-F63D-420C-ABCB-959F278581D5}"/>
+              </a:ext>
+            </a:extLst>
+          </p:cNvPr>
+          <p:cNvCxnSpPr/>
+          <p:nvPr/>
+        </p:nvCxnSpPr>
+        <p:spPr>
+          <a:xfrm>
+            <a:off x="5382921" y="2336308"/>
+            <a:ext cx="325120" cy="0"/>
+          </a:xfrm>
+          <a:prstGeom prst="line">
+            <a:avLst/>
+          </a:prstGeom>
+        </p:spPr>
+        <p:style>
+          <a:lnRef idx="1">
+            <a:schemeClr val="dk1"/>
+          </a:lnRef>
+          <a:fillRef idx="0">
+            <a:schemeClr val="dk1"/>
+          </a:fillRef>
+          <a:effectRef idx="0">
+            <a:schemeClr val="dk1"/>
+          </a:effectRef>
+          <a:fontRef idx="minor">
+            <a:schemeClr val="tx1"/>
+          </a:fontRef>
+        </p:style>
+      </p:cxnSp>
+      <p:cxnSp>
+        <p:nvCxnSpPr>
+          <p:cNvPr id="41" name="直線接點 40">
+            <a:extLst>
+              <a:ext uri="{FF2B5EF4-FFF2-40B4-BE49-F238E27FC236}">
+                <a16:creationId xmlns:a16="http://schemas.microsoft.com/office/drawing/2014/main" id="{8634ACC5-5CB0-4A93-A116-9FE0A3CE4152}"/>
+              </a:ext>
+            </a:extLst>
+          </p:cNvPr>
+          <p:cNvCxnSpPr/>
+          <p:nvPr/>
+        </p:nvCxnSpPr>
+        <p:spPr>
+          <a:xfrm>
+            <a:off x="5382921" y="3475453"/>
+            <a:ext cx="325120" cy="0"/>
+          </a:xfrm>
+          <a:prstGeom prst="line">
+            <a:avLst/>
+          </a:prstGeom>
+        </p:spPr>
+        <p:style>
+          <a:lnRef idx="1">
+            <a:schemeClr val="dk1"/>
+          </a:lnRef>
+          <a:fillRef idx="0">
+            <a:schemeClr val="dk1"/>
+          </a:fillRef>
+          <a:effectRef idx="0">
+            <a:schemeClr val="dk1"/>
+          </a:effectRef>
+          <a:fontRef idx="minor">
+            <a:schemeClr val="tx1"/>
+          </a:fontRef>
+        </p:style>
+      </p:cxnSp>
+      <p:cxnSp>
+        <p:nvCxnSpPr>
+          <p:cNvPr id="42" name="直線接點 41">
+            <a:extLst>
+              <a:ext uri="{FF2B5EF4-FFF2-40B4-BE49-F238E27FC236}">
+                <a16:creationId xmlns:a16="http://schemas.microsoft.com/office/drawing/2014/main" id="{C5F40CED-D1E0-41FF-A0E4-B554A8E4B0D0}"/>
+              </a:ext>
+            </a:extLst>
+          </p:cNvPr>
+          <p:cNvCxnSpPr/>
+          <p:nvPr/>
+        </p:nvCxnSpPr>
+        <p:spPr>
+          <a:xfrm>
+            <a:off x="5382921" y="4747090"/>
+            <a:ext cx="325120" cy="0"/>
+          </a:xfrm>
+          <a:prstGeom prst="line">
+            <a:avLst/>
+          </a:prstGeom>
+        </p:spPr>
+        <p:style>
+          <a:lnRef idx="1">
+            <a:schemeClr val="dk1"/>
+          </a:lnRef>
+          <a:fillRef idx="0">
+            <a:schemeClr val="dk1"/>
+          </a:fillRef>
+          <a:effectRef idx="0">
+            <a:schemeClr val="dk1"/>
+          </a:effectRef>
+          <a:fontRef idx="minor">
+            <a:schemeClr val="tx1"/>
+          </a:fontRef>
+        </p:style>
+      </p:cxnSp>
+      <p:sp>
+        <p:nvSpPr>
+          <p:cNvPr id="44" name="文字方塊 43">
+            <a:extLst>
+              <a:ext uri="{FF2B5EF4-FFF2-40B4-BE49-F238E27FC236}">
+                <a16:creationId xmlns:a16="http://schemas.microsoft.com/office/drawing/2014/main" id="{68B9EC85-4254-4DC3-BA20-C07538607D66}"/>
+              </a:ext>
+            </a:extLst>
+          </p:cNvPr>
+          <p:cNvSpPr txBox="1"/>
+          <p:nvPr/>
+        </p:nvSpPr>
+        <p:spPr>
+          <a:xfrm>
+            <a:off x="5985997" y="2167422"/>
+            <a:ext cx="995928" cy="338554"/>
+          </a:xfrm>
+          <a:prstGeom prst="rect">
+            <a:avLst/>
+          </a:prstGeom>
+          <a:noFill/>
+        </p:spPr>
         <p:txBody>
           <a:bodyPr wrap="square" rtlCol="0">
             <a:spAutoFit/>
           </a:bodyPr>
           <a:lstStyle/>
           <a:p>
-            <a:pPr algn="ctr"/>
-            <a:r>
-              <a:rPr lang="en-US" altLang="zh-TW" dirty="0"/>
-              <a:t>2</a:t>
-            </a:r>
-          </a:p>
-        </p:txBody>
-      </p:sp>
-      <p:sp>
-        <p:nvSpPr>
-          <p:cNvPr id="7" name="文字方塊 6">
-            <a:extLst>
-              <a:ext uri="{FF2B5EF4-FFF2-40B4-BE49-F238E27FC236}">
-                <a16:creationId xmlns:a16="http://schemas.microsoft.com/office/drawing/2014/main" id="{155BC1AA-9DBB-427D-B5A8-94AF2B44DC98}"/>
+            <a:r>
+              <a:rPr lang="en-US" altLang="zh-TW" sz="1600" dirty="0"/>
+              <a:t>=1</a:t>
+            </a:r>
+            <a:endParaRPr lang="zh-TW" altLang="en-US" sz="1600" dirty="0"/>
+          </a:p>
+        </p:txBody>
+      </p:sp>
+      <p:sp>
+        <p:nvSpPr>
+          <p:cNvPr id="45" name="文字方塊 44">
+            <a:extLst>
+              <a:ext uri="{FF2B5EF4-FFF2-40B4-BE49-F238E27FC236}">
+                <a16:creationId xmlns:a16="http://schemas.microsoft.com/office/drawing/2014/main" id="{20A55D1C-0EFC-4DF9-B9F0-C0B16EFF0757}"/>
               </a:ext>
             </a:extLst>
           </p:cNvPr>
@@ -3525,18 +4110,13 @@
         </p:nvSpPr>
         <p:spPr>
           <a:xfrm>
-            <a:off x="6979920" y="1926336"/>
-            <a:ext cx="1609344" cy="369332"/>
+            <a:off x="5989875" y="3306175"/>
+            <a:ext cx="995928" cy="338554"/>
           </a:xfrm>
           <a:prstGeom prst="rect">
             <a:avLst/>
           </a:prstGeom>
           <a:noFill/>
-          <a:ln>
-            <a:solidFill>
-              <a:schemeClr val="tx1"/>
-            </a:solidFill>
-          </a:ln>
         </p:spPr>
         <p:txBody>
           <a:bodyPr wrap="square" rtlCol="0">
@@ -3544,21 +4124,20 @@
           </a:bodyPr>
           <a:lstStyle/>
           <a:p>
-            <a:pPr algn="ctr"/>
-            <a:r>
-              <a:rPr lang="zh-TW" altLang="en-US" dirty="0"/>
-              <a:t>感知機訓練</a:t>
-            </a:r>
-            <a:endParaRPr lang="en-US" altLang="zh-TW" dirty="0"/>
-          </a:p>
-        </p:txBody>
-      </p:sp>
-      <p:sp>
-        <p:nvSpPr>
-          <p:cNvPr id="8" name="文字方塊 7">
-            <a:extLst>
-              <a:ext uri="{FF2B5EF4-FFF2-40B4-BE49-F238E27FC236}">
-                <a16:creationId xmlns:a16="http://schemas.microsoft.com/office/drawing/2014/main" id="{06D91A76-37A9-4634-9CD7-A7F745D62B7F}"/>
+            <a:r>
+              <a:rPr lang="en-US" altLang="zh-TW" sz="1600" dirty="0"/>
+              <a:t>x13 == 1</a:t>
+            </a:r>
+            <a:endParaRPr lang="zh-TW" altLang="en-US" sz="1600" dirty="0"/>
+          </a:p>
+        </p:txBody>
+      </p:sp>
+      <p:sp>
+        <p:nvSpPr>
+          <p:cNvPr id="46" name="文字方塊 45">
+            <a:extLst>
+              <a:ext uri="{FF2B5EF4-FFF2-40B4-BE49-F238E27FC236}">
+                <a16:creationId xmlns:a16="http://schemas.microsoft.com/office/drawing/2014/main" id="{7DB79807-2B0B-4936-8F20-0858AB39E789}"/>
               </a:ext>
             </a:extLst>
           </p:cNvPr>
@@ -3567,18 +4146,13 @@
         </p:nvSpPr>
         <p:spPr>
           <a:xfrm>
-            <a:off x="6979920" y="2798064"/>
-            <a:ext cx="1609344" cy="369332"/>
+            <a:off x="5995884" y="4542679"/>
+            <a:ext cx="1527324" cy="830997"/>
           </a:xfrm>
           <a:prstGeom prst="rect">
             <a:avLst/>
           </a:prstGeom>
           <a:noFill/>
-          <a:ln>
-            <a:solidFill>
-              <a:schemeClr val="tx1"/>
-            </a:solidFill>
-          </a:ln>
         </p:spPr>
         <p:txBody>
           <a:bodyPr wrap="square" rtlCol="0">
@@ -3586,89 +4160,162 @@
           </a:bodyPr>
           <a:lstStyle/>
           <a:p>
-            <a:pPr algn="ctr"/>
-            <a:r>
-              <a:rPr lang="zh-TW" altLang="en-US" dirty="0"/>
-              <a:t>紀錄數值變化</a:t>
-            </a:r>
-            <a:endParaRPr lang="en-US" altLang="zh-TW" dirty="0"/>
-          </a:p>
-        </p:txBody>
-      </p:sp>
-      <p:sp>
-        <p:nvSpPr>
-          <p:cNvPr id="9" name="文字方塊 8">
-            <a:extLst>
-              <a:ext uri="{FF2B5EF4-FFF2-40B4-BE49-F238E27FC236}">
-                <a16:creationId xmlns:a16="http://schemas.microsoft.com/office/drawing/2014/main" id="{00954A48-3784-4D9E-B48F-36219568CAB0}"/>
-              </a:ext>
-            </a:extLst>
-          </p:cNvPr>
-          <p:cNvSpPr txBox="1"/>
-          <p:nvPr/>
-        </p:nvSpPr>
-        <p:spPr>
-          <a:xfrm>
-            <a:off x="7730836" y="1054608"/>
-            <a:ext cx="1113906" cy="369332"/>
-          </a:xfrm>
-          <a:prstGeom prst="rect">
-            <a:avLst/>
-          </a:prstGeom>
-          <a:noFill/>
-        </p:spPr>
-        <p:txBody>
-          <a:bodyPr wrap="square" rtlCol="0">
-            <a:spAutoFit/>
-          </a:bodyPr>
-          <a:lstStyle/>
-          <a:p>
-            <a:r>
-              <a:rPr lang="en-US" altLang="zh-TW" dirty="0"/>
-              <a:t>Start = 1</a:t>
-            </a:r>
-            <a:endParaRPr lang="zh-TW" altLang="en-US" dirty="0"/>
-          </a:p>
-        </p:txBody>
-      </p:sp>
-      <p:sp>
-        <p:nvSpPr>
-          <p:cNvPr id="10" name="文字方塊 9">
-            <a:extLst>
-              <a:ext uri="{FF2B5EF4-FFF2-40B4-BE49-F238E27FC236}">
-                <a16:creationId xmlns:a16="http://schemas.microsoft.com/office/drawing/2014/main" id="{8EC8A78C-927F-4875-A662-754BF19D59BF}"/>
-              </a:ext>
-            </a:extLst>
-          </p:cNvPr>
-          <p:cNvSpPr txBox="1"/>
-          <p:nvPr/>
-        </p:nvSpPr>
-        <p:spPr>
-          <a:xfrm>
-            <a:off x="7144512" y="1926336"/>
-            <a:ext cx="1280160" cy="369332"/>
-          </a:xfrm>
-          <a:prstGeom prst="rect">
-            <a:avLst/>
-          </a:prstGeom>
-          <a:noFill/>
-          <a:ln>
+            <a:r>
+              <a:rPr lang="en-US" altLang="zh-TW" sz="1600" dirty="0"/>
+              <a:t>x23 == 1</a:t>
+            </a:r>
+          </a:p>
+          <a:p>
+            <a:r>
+              <a:rPr lang="en-US" altLang="zh-TW" sz="1600" dirty="0"/>
+              <a:t>&amp;&amp;</a:t>
+            </a:r>
+          </a:p>
+          <a:p>
+            <a:r>
+              <a:rPr lang="en-US" altLang="zh-TW" sz="1600" dirty="0"/>
+              <a:t>times &lt;=</a:t>
+            </a:r>
+            <a:r>
+              <a:rPr lang="zh-TW" altLang="en-US" sz="1600" dirty="0"/>
+              <a:t> </a:t>
+            </a:r>
+            <a:r>
+              <a:rPr lang="en-US" altLang="zh-TW" sz="1600" dirty="0"/>
+              <a:t>EPOCH</a:t>
+            </a:r>
+            <a:endParaRPr lang="zh-TW" altLang="en-US" sz="1600" dirty="0"/>
+          </a:p>
+        </p:txBody>
+      </p:sp>
+      <p:grpSp>
+        <p:nvGrpSpPr>
+          <p:cNvPr id="47" name="群組 46">
+            <a:extLst>
+              <a:ext uri="{FF2B5EF4-FFF2-40B4-BE49-F238E27FC236}">
+                <a16:creationId xmlns:a16="http://schemas.microsoft.com/office/drawing/2014/main" id="{FC75849B-1C9C-428E-80E5-30B32AA64ABD}"/>
+              </a:ext>
+            </a:extLst>
+          </p:cNvPr>
+          <p:cNvGrpSpPr/>
+          <p:nvPr/>
+        </p:nvGrpSpPr>
+        <p:grpSpPr>
+          <a:xfrm>
+            <a:off x="6749658" y="3744797"/>
+            <a:ext cx="1924316" cy="563671"/>
+            <a:chOff x="6862677" y="2603725"/>
+            <a:chExt cx="1924316" cy="563671"/>
+          </a:xfrm>
+        </p:grpSpPr>
+        <p:sp>
+          <p:nvSpPr>
+            <p:cNvPr id="48" name="矩形 47">
+              <a:extLst>
+                <a:ext uri="{FF2B5EF4-FFF2-40B4-BE49-F238E27FC236}">
+                  <a16:creationId xmlns:a16="http://schemas.microsoft.com/office/drawing/2014/main" id="{6C889BDC-6E64-4EAF-83F0-1BC137ED6D6B}"/>
+                </a:ext>
+              </a:extLst>
+            </p:cNvPr>
+            <p:cNvSpPr/>
+            <p:nvPr/>
+          </p:nvSpPr>
+          <p:spPr>
+            <a:xfrm>
+              <a:off x="6862677" y="2603726"/>
+              <a:ext cx="1924316" cy="563670"/>
+            </a:xfrm>
+            <a:prstGeom prst="rect">
+              <a:avLst/>
+            </a:prstGeom>
             <a:solidFill>
-              <a:schemeClr val="tx1"/>
+              <a:schemeClr val="accent1">
+                <a:lumMod val="20000"/>
+                <a:lumOff val="80000"/>
+              </a:schemeClr>
             </a:solidFill>
-          </a:ln>
-        </p:spPr>
-        <p:txBody>
-          <a:bodyPr wrap="square" rtlCol="0">
-            <a:spAutoFit/>
-          </a:bodyPr>
-          <a:lstStyle/>
-          <a:p>
-            <a:pPr algn="ctr"/>
-            <a:endParaRPr lang="en-US" altLang="zh-TW" dirty="0"/>
-          </a:p>
-        </p:txBody>
-      </p:sp>
+            <a:ln>
+              <a:solidFill>
+                <a:schemeClr val="tx1"/>
+              </a:solidFill>
+            </a:ln>
+          </p:spPr>
+          <p:style>
+            <a:lnRef idx="2">
+              <a:schemeClr val="accent1">
+                <a:shade val="50000"/>
+              </a:schemeClr>
+            </a:lnRef>
+            <a:fillRef idx="1">
+              <a:schemeClr val="accent1"/>
+            </a:fillRef>
+            <a:effectRef idx="0">
+              <a:schemeClr val="accent1"/>
+            </a:effectRef>
+            <a:fontRef idx="minor">
+              <a:schemeClr val="lt1"/>
+            </a:fontRef>
+          </p:style>
+          <p:txBody>
+            <a:bodyPr rtlCol="0" anchor="ctr"/>
+            <a:lstStyle/>
+            <a:p>
+              <a:pPr algn="ctr"/>
+              <a:r>
+                <a:rPr lang="zh-TW" altLang="en-US" dirty="0">
+                  <a:solidFill>
+                    <a:schemeClr val="tx1"/>
+                  </a:solidFill>
+                </a:rPr>
+                <a:t>記錄數值</a:t>
+              </a:r>
+              <a:endParaRPr lang="en-US" altLang="zh-TW" dirty="0">
+                <a:solidFill>
+                  <a:schemeClr val="tx1"/>
+                </a:solidFill>
+              </a:endParaRPr>
+            </a:p>
+          </p:txBody>
+        </p:sp>
+        <p:sp>
+          <p:nvSpPr>
+            <p:cNvPr id="49" name="文字方塊 48">
+              <a:extLst>
+                <a:ext uri="{FF2B5EF4-FFF2-40B4-BE49-F238E27FC236}">
+                  <a16:creationId xmlns:a16="http://schemas.microsoft.com/office/drawing/2014/main" id="{64D2E756-73E2-4B65-9182-DE9AD86CA4E7}"/>
+                </a:ext>
+              </a:extLst>
+            </p:cNvPr>
+            <p:cNvSpPr txBox="1"/>
+            <p:nvPr/>
+          </p:nvSpPr>
+          <p:spPr>
+            <a:xfrm>
+              <a:off x="7090755" y="2603725"/>
+              <a:ext cx="1477047" cy="563669"/>
+            </a:xfrm>
+            <a:prstGeom prst="rect">
+              <a:avLst/>
+            </a:prstGeom>
+            <a:noFill/>
+            <a:ln>
+              <a:solidFill>
+                <a:schemeClr val="tx1"/>
+              </a:solidFill>
+            </a:ln>
+          </p:spPr>
+          <p:txBody>
+            <a:bodyPr wrap="square" rtlCol="0">
+              <a:spAutoFit/>
+            </a:bodyPr>
+            <a:lstStyle/>
+            <a:p>
+              <a:pPr algn="ctr"/>
+              <a:endParaRPr lang="en-US" altLang="zh-TW" dirty="0"/>
+            </a:p>
+          </p:txBody>
+        </p:sp>
+      </p:grpSp>
     </p:spTree>
     <p:extLst>
       <p:ext uri="{BB962C8B-B14F-4D97-AF65-F5344CB8AC3E}">
@@ -3701,10 +4348,10 @@
       </p:grpSpPr>
       <p:sp>
         <p:nvSpPr>
-          <p:cNvPr id="2" name="文字方塊 1">
-            <a:extLst>
-              <a:ext uri="{FF2B5EF4-FFF2-40B4-BE49-F238E27FC236}">
-                <a16:creationId xmlns:a16="http://schemas.microsoft.com/office/drawing/2014/main" id="{25F2F11B-59B3-40AD-BD4E-B0B8B7DEE3DD}"/>
+          <p:cNvPr id="11" name="文字方塊 10">
+            <a:extLst>
+              <a:ext uri="{FF2B5EF4-FFF2-40B4-BE49-F238E27FC236}">
+                <a16:creationId xmlns:a16="http://schemas.microsoft.com/office/drawing/2014/main" id="{8087D2A9-463A-4706-B06E-4EFA79823682}"/>
               </a:ext>
             </a:extLst>
           </p:cNvPr>
@@ -3713,110 +4360,214 @@
         </p:nvSpPr>
         <p:spPr>
           <a:xfrm>
-            <a:off x="4791456" y="182880"/>
-            <a:ext cx="1609344" cy="369332"/>
+            <a:off x="4376346" y="517642"/>
+            <a:ext cx="1113906" cy="369332"/>
           </a:xfrm>
           <a:prstGeom prst="rect">
             <a:avLst/>
           </a:prstGeom>
           <a:noFill/>
+        </p:spPr>
+        <p:txBody>
+          <a:bodyPr wrap="square" rtlCol="0">
+            <a:spAutoFit/>
+          </a:bodyPr>
+          <a:lstStyle/>
+          <a:p>
+            <a:r>
+              <a:rPr lang="en-US" altLang="zh-TW" dirty="0"/>
+              <a:t>Grafcet1</a:t>
+            </a:r>
+          </a:p>
+        </p:txBody>
+      </p:sp>
+      <p:sp>
+        <p:nvSpPr>
+          <p:cNvPr id="14" name="框架 13">
+            <a:extLst>
+              <a:ext uri="{FF2B5EF4-FFF2-40B4-BE49-F238E27FC236}">
+                <a16:creationId xmlns:a16="http://schemas.microsoft.com/office/drawing/2014/main" id="{0AD4C442-35F0-4C59-B3A2-3A49480AC5F1}"/>
+              </a:ext>
+            </a:extLst>
+          </p:cNvPr>
+          <p:cNvSpPr/>
+          <p:nvPr/>
+        </p:nvSpPr>
+        <p:spPr>
+          <a:xfrm>
+            <a:off x="4750262" y="1515637"/>
+            <a:ext cx="563671" cy="563671"/>
+          </a:xfrm>
+          <a:prstGeom prst="frame">
+            <a:avLst/>
+          </a:prstGeom>
+          <a:solidFill>
+            <a:schemeClr val="accent1">
+              <a:lumMod val="20000"/>
+              <a:lumOff val="80000"/>
+            </a:schemeClr>
+          </a:solidFill>
           <a:ln>
             <a:solidFill>
               <a:schemeClr val="tx1"/>
             </a:solidFill>
           </a:ln>
         </p:spPr>
-        <p:txBody>
-          <a:bodyPr wrap="square" rtlCol="0">
-            <a:spAutoFit/>
-          </a:bodyPr>
+        <p:style>
+          <a:lnRef idx="2">
+            <a:schemeClr val="accent1">
+              <a:shade val="50000"/>
+            </a:schemeClr>
+          </a:lnRef>
+          <a:fillRef idx="1">
+            <a:schemeClr val="accent1"/>
+          </a:fillRef>
+          <a:effectRef idx="0">
+            <a:schemeClr val="accent1"/>
+          </a:effectRef>
+          <a:fontRef idx="minor">
+            <a:schemeClr val="lt1"/>
+          </a:fontRef>
+        </p:style>
+        <p:txBody>
+          <a:bodyPr rtlCol="0" anchor="ctr"/>
           <a:lstStyle/>
           <a:p>
             <a:pPr algn="ctr"/>
             <a:r>
-              <a:rPr lang="zh-TW" altLang="en-US" dirty="0"/>
-              <a:t>感知機訓練</a:t>
-            </a:r>
-          </a:p>
-        </p:txBody>
-      </p:sp>
-      <p:sp>
-        <p:nvSpPr>
-          <p:cNvPr id="4" name="文字方塊 3">
-            <a:extLst>
-              <a:ext uri="{FF2B5EF4-FFF2-40B4-BE49-F238E27FC236}">
-                <a16:creationId xmlns:a16="http://schemas.microsoft.com/office/drawing/2014/main" id="{37B07AD7-EE4D-4274-803F-CF640AA2E2B6}"/>
-              </a:ext>
-            </a:extLst>
-          </p:cNvPr>
-          <p:cNvSpPr txBox="1"/>
-          <p:nvPr/>
-        </p:nvSpPr>
-        <p:spPr>
-          <a:xfrm>
-            <a:off x="4791456" y="1054608"/>
-            <a:ext cx="1609344" cy="369332"/>
+              <a:rPr lang="en-US" altLang="zh-TW" dirty="0">
+                <a:solidFill>
+                  <a:schemeClr val="tx1"/>
+                </a:solidFill>
+              </a:rPr>
+              <a:t>10</a:t>
+            </a:r>
+          </a:p>
+        </p:txBody>
+      </p:sp>
+      <p:sp>
+        <p:nvSpPr>
+          <p:cNvPr id="15" name="矩形 14">
+            <a:extLst>
+              <a:ext uri="{FF2B5EF4-FFF2-40B4-BE49-F238E27FC236}">
+                <a16:creationId xmlns:a16="http://schemas.microsoft.com/office/drawing/2014/main" id="{C0F56EA5-EA2D-48F8-8202-FAF5BD12E46D}"/>
+              </a:ext>
+            </a:extLst>
+          </p:cNvPr>
+          <p:cNvSpPr/>
+          <p:nvPr/>
+        </p:nvSpPr>
+        <p:spPr>
+          <a:xfrm>
+            <a:off x="4750262" y="3875208"/>
+            <a:ext cx="563670" cy="563670"/>
           </a:xfrm>
           <a:prstGeom prst="rect">
             <a:avLst/>
           </a:prstGeom>
-          <a:noFill/>
+          <a:solidFill>
+            <a:schemeClr val="accent1">
+              <a:lumMod val="20000"/>
+              <a:lumOff val="80000"/>
+            </a:schemeClr>
+          </a:solidFill>
           <a:ln>
             <a:solidFill>
               <a:schemeClr val="tx1"/>
             </a:solidFill>
           </a:ln>
         </p:spPr>
-        <p:txBody>
-          <a:bodyPr wrap="square" rtlCol="0">
-            <a:spAutoFit/>
-          </a:bodyPr>
+        <p:style>
+          <a:lnRef idx="2">
+            <a:schemeClr val="accent1">
+              <a:shade val="50000"/>
+            </a:schemeClr>
+          </a:lnRef>
+          <a:fillRef idx="1">
+            <a:schemeClr val="accent1"/>
+          </a:fillRef>
+          <a:effectRef idx="0">
+            <a:schemeClr val="accent1"/>
+          </a:effectRef>
+          <a:fontRef idx="minor">
+            <a:schemeClr val="lt1"/>
+          </a:fontRef>
+        </p:style>
+        <p:txBody>
+          <a:bodyPr rtlCol="0" anchor="ctr"/>
           <a:lstStyle/>
           <a:p>
             <a:pPr algn="ctr"/>
             <a:r>
-              <a:rPr lang="en-US" altLang="zh-TW" dirty="0"/>
-              <a:t>10</a:t>
-            </a:r>
-          </a:p>
-        </p:txBody>
-      </p:sp>
-      <p:sp>
-        <p:nvSpPr>
-          <p:cNvPr id="5" name="文字方塊 4">
-            <a:extLst>
-              <a:ext uri="{FF2B5EF4-FFF2-40B4-BE49-F238E27FC236}">
-                <a16:creationId xmlns:a16="http://schemas.microsoft.com/office/drawing/2014/main" id="{4F16B48B-65CB-4C22-AF9F-97985391C8EC}"/>
-              </a:ext>
-            </a:extLst>
-          </p:cNvPr>
-          <p:cNvSpPr txBox="1"/>
-          <p:nvPr/>
-        </p:nvSpPr>
-        <p:spPr>
-          <a:xfrm>
-            <a:off x="4791456" y="1926336"/>
-            <a:ext cx="1609344" cy="369332"/>
+              <a:rPr lang="en-US" altLang="zh-TW" dirty="0">
+                <a:solidFill>
+                  <a:schemeClr val="tx1"/>
+                </a:solidFill>
+              </a:rPr>
+              <a:t>12</a:t>
+            </a:r>
+          </a:p>
+        </p:txBody>
+      </p:sp>
+      <p:sp>
+        <p:nvSpPr>
+          <p:cNvPr id="16" name="矩形 15">
+            <a:extLst>
+              <a:ext uri="{FF2B5EF4-FFF2-40B4-BE49-F238E27FC236}">
+                <a16:creationId xmlns:a16="http://schemas.microsoft.com/office/drawing/2014/main" id="{F99D3579-D8DF-40BE-BDEA-20F26DC0D9CE}"/>
+              </a:ext>
+            </a:extLst>
+          </p:cNvPr>
+          <p:cNvSpPr/>
+          <p:nvPr/>
+        </p:nvSpPr>
+        <p:spPr>
+          <a:xfrm>
+            <a:off x="4750263" y="2695423"/>
+            <a:ext cx="563670" cy="563670"/>
           </a:xfrm>
           <a:prstGeom prst="rect">
             <a:avLst/>
           </a:prstGeom>
-          <a:noFill/>
+          <a:solidFill>
+            <a:schemeClr val="accent1">
+              <a:lumMod val="20000"/>
+              <a:lumOff val="80000"/>
+            </a:schemeClr>
+          </a:solidFill>
           <a:ln>
             <a:solidFill>
               <a:schemeClr val="tx1"/>
             </a:solidFill>
           </a:ln>
         </p:spPr>
-        <p:txBody>
-          <a:bodyPr wrap="square" rtlCol="0">
-            <a:spAutoFit/>
-          </a:bodyPr>
+        <p:style>
+          <a:lnRef idx="2">
+            <a:schemeClr val="accent1">
+              <a:shade val="50000"/>
+            </a:schemeClr>
+          </a:lnRef>
+          <a:fillRef idx="1">
+            <a:schemeClr val="accent1"/>
+          </a:fillRef>
+          <a:effectRef idx="0">
+            <a:schemeClr val="accent1"/>
+          </a:effectRef>
+          <a:fontRef idx="minor">
+            <a:schemeClr val="lt1"/>
+          </a:fontRef>
+        </p:style>
+        <p:txBody>
+          <a:bodyPr rtlCol="0" anchor="ctr"/>
           <a:lstStyle/>
           <a:p>
             <a:pPr algn="ctr"/>
             <a:r>
-              <a:rPr lang="en-US" altLang="zh-TW" dirty="0"/>
+              <a:rPr lang="en-US" altLang="zh-TW" dirty="0">
+                <a:solidFill>
+                  <a:schemeClr val="tx1"/>
+                </a:solidFill>
+              </a:rPr>
               <a:t>11</a:t>
             </a:r>
           </a:p>
@@ -3824,51 +4575,381 @@
       </p:sp>
       <p:sp>
         <p:nvSpPr>
-          <p:cNvPr id="6" name="文字方塊 5">
-            <a:extLst>
-              <a:ext uri="{FF2B5EF4-FFF2-40B4-BE49-F238E27FC236}">
-                <a16:creationId xmlns:a16="http://schemas.microsoft.com/office/drawing/2014/main" id="{41FCC037-E55F-4841-8F11-D30E8115B4DC}"/>
-              </a:ext>
-            </a:extLst>
-          </p:cNvPr>
-          <p:cNvSpPr txBox="1"/>
-          <p:nvPr/>
-        </p:nvSpPr>
-        <p:spPr>
-          <a:xfrm>
-            <a:off x="4791456" y="2798064"/>
-            <a:ext cx="1609344" cy="369332"/>
+          <p:cNvPr id="17" name="矩形 16">
+            <a:extLst>
+              <a:ext uri="{FF2B5EF4-FFF2-40B4-BE49-F238E27FC236}">
+                <a16:creationId xmlns:a16="http://schemas.microsoft.com/office/drawing/2014/main" id="{22FB30A3-F2F7-47FB-B4FE-1995D038A30F}"/>
+              </a:ext>
+            </a:extLst>
+          </p:cNvPr>
+          <p:cNvSpPr/>
+          <p:nvPr/>
+        </p:nvSpPr>
+        <p:spPr>
+          <a:xfrm>
+            <a:off x="6134638" y="3869329"/>
+            <a:ext cx="2297075" cy="563670"/>
           </a:xfrm>
           <a:prstGeom prst="rect">
             <a:avLst/>
           </a:prstGeom>
-          <a:noFill/>
+          <a:solidFill>
+            <a:schemeClr val="accent1">
+              <a:lumMod val="20000"/>
+              <a:lumOff val="80000"/>
+            </a:schemeClr>
+          </a:solidFill>
           <a:ln>
             <a:solidFill>
               <a:schemeClr val="tx1"/>
             </a:solidFill>
           </a:ln>
         </p:spPr>
+        <p:style>
+          <a:lnRef idx="2">
+            <a:schemeClr val="accent1">
+              <a:shade val="50000"/>
+            </a:schemeClr>
+          </a:lnRef>
+          <a:fillRef idx="1">
+            <a:schemeClr val="accent1"/>
+          </a:fillRef>
+          <a:effectRef idx="0">
+            <a:schemeClr val="accent1"/>
+          </a:effectRef>
+          <a:fontRef idx="minor">
+            <a:schemeClr val="lt1"/>
+          </a:fontRef>
+        </p:style>
+        <p:txBody>
+          <a:bodyPr rtlCol="0" anchor="ctr"/>
+          <a:lstStyle/>
+          <a:p>
+            <a:pPr algn="ctr"/>
+            <a:r>
+              <a:rPr lang="zh-TW" altLang="en-US" dirty="0">
+                <a:solidFill>
+                  <a:schemeClr val="tx1"/>
+                </a:solidFill>
+              </a:rPr>
+              <a:t>感知機學習</a:t>
+            </a:r>
+            <a:endParaRPr lang="en-US" altLang="zh-TW" dirty="0">
+              <a:solidFill>
+                <a:schemeClr val="tx1"/>
+              </a:solidFill>
+            </a:endParaRPr>
+          </a:p>
+        </p:txBody>
+      </p:sp>
+      <p:cxnSp>
+        <p:nvCxnSpPr>
+          <p:cNvPr id="21" name="直線接點 20">
+            <a:extLst>
+              <a:ext uri="{FF2B5EF4-FFF2-40B4-BE49-F238E27FC236}">
+                <a16:creationId xmlns:a16="http://schemas.microsoft.com/office/drawing/2014/main" id="{60FC6CFD-1C41-4EAD-B244-C22C5406713F}"/>
+              </a:ext>
+            </a:extLst>
+          </p:cNvPr>
+          <p:cNvCxnSpPr>
+            <a:stCxn id="14" idx="2"/>
+            <a:endCxn id="16" idx="0"/>
+          </p:cNvCxnSpPr>
+          <p:nvPr/>
+        </p:nvCxnSpPr>
+        <p:spPr>
+          <a:xfrm>
+            <a:off x="5032098" y="2079308"/>
+            <a:ext cx="0" cy="616115"/>
+          </a:xfrm>
+          <a:prstGeom prst="line">
+            <a:avLst/>
+          </a:prstGeom>
+        </p:spPr>
+        <p:style>
+          <a:lnRef idx="1">
+            <a:schemeClr val="dk1"/>
+          </a:lnRef>
+          <a:fillRef idx="0">
+            <a:schemeClr val="dk1"/>
+          </a:fillRef>
+          <a:effectRef idx="0">
+            <a:schemeClr val="dk1"/>
+          </a:effectRef>
+          <a:fontRef idx="minor">
+            <a:schemeClr val="tx1"/>
+          </a:fontRef>
+        </p:style>
+      </p:cxnSp>
+      <p:cxnSp>
+        <p:nvCxnSpPr>
+          <p:cNvPr id="22" name="直線接點 21">
+            <a:extLst>
+              <a:ext uri="{FF2B5EF4-FFF2-40B4-BE49-F238E27FC236}">
+                <a16:creationId xmlns:a16="http://schemas.microsoft.com/office/drawing/2014/main" id="{1D39925B-94C0-4ECD-A4E7-FEB6C207A2C3}"/>
+              </a:ext>
+            </a:extLst>
+          </p:cNvPr>
+          <p:cNvCxnSpPr>
+            <a:stCxn id="16" idx="2"/>
+            <a:endCxn id="15" idx="0"/>
+          </p:cNvCxnSpPr>
+          <p:nvPr/>
+        </p:nvCxnSpPr>
+        <p:spPr>
+          <a:xfrm flipH="1">
+            <a:off x="5032097" y="3259093"/>
+            <a:ext cx="1" cy="616115"/>
+          </a:xfrm>
+          <a:prstGeom prst="line">
+            <a:avLst/>
+          </a:prstGeom>
+        </p:spPr>
+        <p:style>
+          <a:lnRef idx="1">
+            <a:schemeClr val="dk1"/>
+          </a:lnRef>
+          <a:fillRef idx="0">
+            <a:schemeClr val="dk1"/>
+          </a:fillRef>
+          <a:effectRef idx="0">
+            <a:schemeClr val="dk1"/>
+          </a:effectRef>
+          <a:fontRef idx="minor">
+            <a:schemeClr val="tx1"/>
+          </a:fontRef>
+        </p:style>
+      </p:cxnSp>
+      <p:cxnSp>
+        <p:nvCxnSpPr>
+          <p:cNvPr id="24" name="直線接點 23">
+            <a:extLst>
+              <a:ext uri="{FF2B5EF4-FFF2-40B4-BE49-F238E27FC236}">
+                <a16:creationId xmlns:a16="http://schemas.microsoft.com/office/drawing/2014/main" id="{F66727FF-FF19-435F-AEA7-E80105CEA83B}"/>
+              </a:ext>
+            </a:extLst>
+          </p:cNvPr>
+          <p:cNvCxnSpPr>
+            <a:cxnSpLocks/>
+            <a:stCxn id="16" idx="3"/>
+            <a:endCxn id="32" idx="1"/>
+          </p:cNvCxnSpPr>
+          <p:nvPr/>
+        </p:nvCxnSpPr>
+        <p:spPr>
+          <a:xfrm>
+            <a:off x="5313933" y="2977258"/>
+            <a:ext cx="820705" cy="0"/>
+          </a:xfrm>
+          <a:prstGeom prst="line">
+            <a:avLst/>
+          </a:prstGeom>
+        </p:spPr>
+        <p:style>
+          <a:lnRef idx="1">
+            <a:schemeClr val="dk1"/>
+          </a:lnRef>
+          <a:fillRef idx="0">
+            <a:schemeClr val="dk1"/>
+          </a:fillRef>
+          <a:effectRef idx="0">
+            <a:schemeClr val="dk1"/>
+          </a:effectRef>
+          <a:fontRef idx="minor">
+            <a:schemeClr val="tx1"/>
+          </a:fontRef>
+        </p:style>
+      </p:cxnSp>
+      <p:cxnSp>
+        <p:nvCxnSpPr>
+          <p:cNvPr id="25" name="直線接點 24">
+            <a:extLst>
+              <a:ext uri="{FF2B5EF4-FFF2-40B4-BE49-F238E27FC236}">
+                <a16:creationId xmlns:a16="http://schemas.microsoft.com/office/drawing/2014/main" id="{93688E3D-3519-4584-A605-DDD6166E0298}"/>
+              </a:ext>
+            </a:extLst>
+          </p:cNvPr>
+          <p:cNvCxnSpPr>
+            <a:cxnSpLocks/>
+            <a:stCxn id="15" idx="3"/>
+            <a:endCxn id="17" idx="1"/>
+          </p:cNvCxnSpPr>
+          <p:nvPr/>
+        </p:nvCxnSpPr>
+        <p:spPr>
+          <a:xfrm flipV="1">
+            <a:off x="5313932" y="4151164"/>
+            <a:ext cx="820706" cy="5879"/>
+          </a:xfrm>
+          <a:prstGeom prst="line">
+            <a:avLst/>
+          </a:prstGeom>
+        </p:spPr>
+        <p:style>
+          <a:lnRef idx="1">
+            <a:schemeClr val="dk1"/>
+          </a:lnRef>
+          <a:fillRef idx="0">
+            <a:schemeClr val="dk1"/>
+          </a:fillRef>
+          <a:effectRef idx="0">
+            <a:schemeClr val="dk1"/>
+          </a:effectRef>
+          <a:fontRef idx="minor">
+            <a:schemeClr val="tx1"/>
+          </a:fontRef>
+        </p:style>
+      </p:cxnSp>
+      <p:cxnSp>
+        <p:nvCxnSpPr>
+          <p:cNvPr id="26" name="直線接點 25">
+            <a:extLst>
+              <a:ext uri="{FF2B5EF4-FFF2-40B4-BE49-F238E27FC236}">
+                <a16:creationId xmlns:a16="http://schemas.microsoft.com/office/drawing/2014/main" id="{531E4548-736D-4972-B3E3-B203E7A206FF}"/>
+              </a:ext>
+            </a:extLst>
+          </p:cNvPr>
+          <p:cNvCxnSpPr/>
+          <p:nvPr/>
+        </p:nvCxnSpPr>
+        <p:spPr>
+          <a:xfrm>
+            <a:off x="4869537" y="2428005"/>
+            <a:ext cx="325120" cy="0"/>
+          </a:xfrm>
+          <a:prstGeom prst="line">
+            <a:avLst/>
+          </a:prstGeom>
+        </p:spPr>
+        <p:style>
+          <a:lnRef idx="1">
+            <a:schemeClr val="dk1"/>
+          </a:lnRef>
+          <a:fillRef idx="0">
+            <a:schemeClr val="dk1"/>
+          </a:fillRef>
+          <a:effectRef idx="0">
+            <a:schemeClr val="dk1"/>
+          </a:effectRef>
+          <a:fontRef idx="minor">
+            <a:schemeClr val="tx1"/>
+          </a:fontRef>
+        </p:style>
+      </p:cxnSp>
+      <p:cxnSp>
+        <p:nvCxnSpPr>
+          <p:cNvPr id="27" name="直線接點 26">
+            <a:extLst>
+              <a:ext uri="{FF2B5EF4-FFF2-40B4-BE49-F238E27FC236}">
+                <a16:creationId xmlns:a16="http://schemas.microsoft.com/office/drawing/2014/main" id="{B803BE83-3F1F-4085-85A7-A331702C207C}"/>
+              </a:ext>
+            </a:extLst>
+          </p:cNvPr>
+          <p:cNvCxnSpPr/>
+          <p:nvPr/>
+        </p:nvCxnSpPr>
+        <p:spPr>
+          <a:xfrm>
+            <a:off x="4869537" y="3567150"/>
+            <a:ext cx="325120" cy="0"/>
+          </a:xfrm>
+          <a:prstGeom prst="line">
+            <a:avLst/>
+          </a:prstGeom>
+        </p:spPr>
+        <p:style>
+          <a:lnRef idx="1">
+            <a:schemeClr val="dk1"/>
+          </a:lnRef>
+          <a:fillRef idx="0">
+            <a:schemeClr val="dk1"/>
+          </a:fillRef>
+          <a:effectRef idx="0">
+            <a:schemeClr val="dk1"/>
+          </a:effectRef>
+          <a:fontRef idx="minor">
+            <a:schemeClr val="tx1"/>
+          </a:fontRef>
+        </p:style>
+      </p:cxnSp>
+      <p:cxnSp>
+        <p:nvCxnSpPr>
+          <p:cNvPr id="28" name="直線接點 27">
+            <a:extLst>
+              <a:ext uri="{FF2B5EF4-FFF2-40B4-BE49-F238E27FC236}">
+                <a16:creationId xmlns:a16="http://schemas.microsoft.com/office/drawing/2014/main" id="{226C5DE7-839A-44FC-AF52-05B72138A883}"/>
+              </a:ext>
+            </a:extLst>
+          </p:cNvPr>
+          <p:cNvCxnSpPr/>
+          <p:nvPr/>
+        </p:nvCxnSpPr>
+        <p:spPr>
+          <a:xfrm>
+            <a:off x="4869538" y="4753846"/>
+            <a:ext cx="325120" cy="0"/>
+          </a:xfrm>
+          <a:prstGeom prst="line">
+            <a:avLst/>
+          </a:prstGeom>
+        </p:spPr>
+        <p:style>
+          <a:lnRef idx="1">
+            <a:schemeClr val="dk1"/>
+          </a:lnRef>
+          <a:fillRef idx="0">
+            <a:schemeClr val="dk1"/>
+          </a:fillRef>
+          <a:effectRef idx="0">
+            <a:schemeClr val="dk1"/>
+          </a:effectRef>
+          <a:fontRef idx="minor">
+            <a:schemeClr val="tx1"/>
+          </a:fontRef>
+        </p:style>
+      </p:cxnSp>
+      <p:sp>
+        <p:nvSpPr>
+          <p:cNvPr id="29" name="文字方塊 28">
+            <a:extLst>
+              <a:ext uri="{FF2B5EF4-FFF2-40B4-BE49-F238E27FC236}">
+                <a16:creationId xmlns:a16="http://schemas.microsoft.com/office/drawing/2014/main" id="{30316B85-B5BA-421E-8D8E-348A1001F09F}"/>
+              </a:ext>
+            </a:extLst>
+          </p:cNvPr>
+          <p:cNvSpPr txBox="1"/>
+          <p:nvPr/>
+        </p:nvSpPr>
+        <p:spPr>
+          <a:xfrm>
+            <a:off x="5472613" y="2259119"/>
+            <a:ext cx="995928" cy="338554"/>
+          </a:xfrm>
+          <a:prstGeom prst="rect">
+            <a:avLst/>
+          </a:prstGeom>
+          <a:noFill/>
+        </p:spPr>
         <p:txBody>
           <a:bodyPr wrap="square" rtlCol="0">
             <a:spAutoFit/>
           </a:bodyPr>
           <a:lstStyle/>
           <a:p>
-            <a:pPr algn="ctr"/>
-            <a:r>
-              <a:rPr lang="en-US" altLang="zh-TW" dirty="0"/>
-              <a:t>12</a:t>
-            </a:r>
-          </a:p>
-        </p:txBody>
-      </p:sp>
-      <p:sp>
-        <p:nvSpPr>
-          <p:cNvPr id="9" name="文字方塊 8">
-            <a:extLst>
-              <a:ext uri="{FF2B5EF4-FFF2-40B4-BE49-F238E27FC236}">
-                <a16:creationId xmlns:a16="http://schemas.microsoft.com/office/drawing/2014/main" id="{047C45C2-257C-4E7D-97E1-94BFC5E51D22}"/>
+            <a:r>
+              <a:rPr lang="en-US" altLang="zh-TW" sz="1600" dirty="0"/>
+              <a:t>=1</a:t>
+            </a:r>
+            <a:endParaRPr lang="zh-TW" altLang="en-US" sz="1600" dirty="0"/>
+          </a:p>
+        </p:txBody>
+      </p:sp>
+      <p:sp>
+        <p:nvSpPr>
+          <p:cNvPr id="30" name="文字方塊 29">
+            <a:extLst>
+              <a:ext uri="{FF2B5EF4-FFF2-40B4-BE49-F238E27FC236}">
+                <a16:creationId xmlns:a16="http://schemas.microsoft.com/office/drawing/2014/main" id="{D55F2C58-AD53-45BC-AFB1-24FEDF978E9E}"/>
               </a:ext>
             </a:extLst>
           </p:cNvPr>
@@ -3877,123 +4958,496 @@
         </p:nvSpPr>
         <p:spPr>
           <a:xfrm>
-            <a:off x="7078980" y="2798064"/>
-            <a:ext cx="2297084" cy="369332"/>
+            <a:off x="5476491" y="3397872"/>
+            <a:ext cx="995928" cy="338554"/>
           </a:xfrm>
           <a:prstGeom prst="rect">
             <a:avLst/>
           </a:prstGeom>
           <a:noFill/>
+        </p:spPr>
+        <p:txBody>
+          <a:bodyPr wrap="square" rtlCol="0">
+            <a:spAutoFit/>
+          </a:bodyPr>
+          <a:lstStyle/>
+          <a:p>
+            <a:r>
+              <a:rPr lang="en-US" altLang="zh-TW" sz="1600" dirty="0"/>
+              <a:t>=1</a:t>
+            </a:r>
+            <a:endParaRPr lang="zh-TW" altLang="en-US" sz="1600" dirty="0"/>
+          </a:p>
+        </p:txBody>
+      </p:sp>
+      <p:sp>
+        <p:nvSpPr>
+          <p:cNvPr id="31" name="文字方塊 30">
+            <a:extLst>
+              <a:ext uri="{FF2B5EF4-FFF2-40B4-BE49-F238E27FC236}">
+                <a16:creationId xmlns:a16="http://schemas.microsoft.com/office/drawing/2014/main" id="{FAE69FA2-8A42-40B6-B26E-D7C7C1BF0F2A}"/>
+              </a:ext>
+            </a:extLst>
+          </p:cNvPr>
+          <p:cNvSpPr txBox="1"/>
+          <p:nvPr/>
+        </p:nvSpPr>
+        <p:spPr>
+          <a:xfrm>
+            <a:off x="5472613" y="4584569"/>
+            <a:ext cx="1527324" cy="338554"/>
+          </a:xfrm>
+          <a:prstGeom prst="rect">
+            <a:avLst/>
+          </a:prstGeom>
+          <a:noFill/>
+        </p:spPr>
+        <p:txBody>
+          <a:bodyPr wrap="square" rtlCol="0">
+            <a:spAutoFit/>
+          </a:bodyPr>
+          <a:lstStyle/>
+          <a:p>
+            <a:r>
+              <a:rPr lang="en-US" altLang="zh-TW" sz="1600" dirty="0"/>
+              <a:t>=1</a:t>
+            </a:r>
+            <a:endParaRPr lang="zh-TW" altLang="en-US" sz="1600" dirty="0"/>
+          </a:p>
+        </p:txBody>
+      </p:sp>
+      <p:sp>
+        <p:nvSpPr>
+          <p:cNvPr id="32" name="矩形 31">
+            <a:extLst>
+              <a:ext uri="{FF2B5EF4-FFF2-40B4-BE49-F238E27FC236}">
+                <a16:creationId xmlns:a16="http://schemas.microsoft.com/office/drawing/2014/main" id="{08BAA807-DAE7-4382-98F9-CFC1E5E12C1C}"/>
+              </a:ext>
+            </a:extLst>
+          </p:cNvPr>
+          <p:cNvSpPr/>
+          <p:nvPr/>
+        </p:nvSpPr>
+        <p:spPr>
+          <a:xfrm>
+            <a:off x="6134638" y="2695423"/>
+            <a:ext cx="2297075" cy="563670"/>
+          </a:xfrm>
+          <a:prstGeom prst="rect">
+            <a:avLst/>
+          </a:prstGeom>
+          <a:solidFill>
+            <a:schemeClr val="accent1">
+              <a:lumMod val="20000"/>
+              <a:lumOff val="80000"/>
+            </a:schemeClr>
+          </a:solidFill>
           <a:ln>
             <a:solidFill>
               <a:schemeClr val="tx1"/>
             </a:solidFill>
           </a:ln>
         </p:spPr>
-        <p:txBody>
-          <a:bodyPr wrap="square" rtlCol="0">
-            <a:spAutoFit/>
-          </a:bodyPr>
+        <p:style>
+          <a:lnRef idx="2">
+            <a:schemeClr val="accent1">
+              <a:shade val="50000"/>
+            </a:schemeClr>
+          </a:lnRef>
+          <a:fillRef idx="1">
+            <a:schemeClr val="accent1"/>
+          </a:fillRef>
+          <a:effectRef idx="0">
+            <a:schemeClr val="accent1"/>
+          </a:effectRef>
+          <a:fontRef idx="minor">
+            <a:schemeClr val="lt1"/>
+          </a:fontRef>
+        </p:style>
+        <p:txBody>
+          <a:bodyPr rtlCol="0" anchor="ctr"/>
           <a:lstStyle/>
           <a:p>
             <a:pPr algn="ctr"/>
             <a:r>
-              <a:rPr lang="zh-TW" altLang="en-US" dirty="0"/>
-              <a:t>感知機學習</a:t>
-            </a:r>
-            <a:endParaRPr lang="en-US" altLang="zh-TW" dirty="0"/>
-          </a:p>
-        </p:txBody>
-      </p:sp>
-      <p:sp>
-        <p:nvSpPr>
-          <p:cNvPr id="10" name="文字方塊 9">
-            <a:extLst>
-              <a:ext uri="{FF2B5EF4-FFF2-40B4-BE49-F238E27FC236}">
-                <a16:creationId xmlns:a16="http://schemas.microsoft.com/office/drawing/2014/main" id="{CA68A77F-7CAC-4FD6-B828-ACCEFB1513CA}"/>
-              </a:ext>
-            </a:extLst>
-          </p:cNvPr>
-          <p:cNvSpPr txBox="1"/>
-          <p:nvPr/>
-        </p:nvSpPr>
-        <p:spPr>
-          <a:xfrm>
-            <a:off x="4791456" y="3669792"/>
-            <a:ext cx="1609344" cy="369332"/>
+              <a:rPr lang="zh-TW" altLang="en-US" dirty="0">
+                <a:solidFill>
+                  <a:schemeClr val="tx1"/>
+                </a:solidFill>
+              </a:rPr>
+              <a:t>設定訓練資料</a:t>
+            </a:r>
+            <a:endParaRPr lang="en-US" altLang="zh-TW" dirty="0">
+              <a:solidFill>
+                <a:schemeClr val="tx1"/>
+              </a:solidFill>
+            </a:endParaRPr>
+          </a:p>
+        </p:txBody>
+      </p:sp>
+      <p:sp>
+        <p:nvSpPr>
+          <p:cNvPr id="33" name="矩形 32">
+            <a:extLst>
+              <a:ext uri="{FF2B5EF4-FFF2-40B4-BE49-F238E27FC236}">
+                <a16:creationId xmlns:a16="http://schemas.microsoft.com/office/drawing/2014/main" id="{8EBA61ED-0FB0-461C-B756-570FEE8E4142}"/>
+              </a:ext>
+            </a:extLst>
+          </p:cNvPr>
+          <p:cNvSpPr/>
+          <p:nvPr/>
+        </p:nvSpPr>
+        <p:spPr>
+          <a:xfrm>
+            <a:off x="4750262" y="5054992"/>
+            <a:ext cx="563670" cy="563670"/>
           </a:xfrm>
           <a:prstGeom prst="rect">
             <a:avLst/>
           </a:prstGeom>
-          <a:noFill/>
+          <a:solidFill>
+            <a:schemeClr val="accent1">
+              <a:lumMod val="20000"/>
+              <a:lumOff val="80000"/>
+            </a:schemeClr>
+          </a:solidFill>
           <a:ln>
             <a:solidFill>
               <a:schemeClr val="tx1"/>
             </a:solidFill>
           </a:ln>
         </p:spPr>
-        <p:txBody>
-          <a:bodyPr wrap="square" rtlCol="0">
-            <a:spAutoFit/>
-          </a:bodyPr>
+        <p:style>
+          <a:lnRef idx="2">
+            <a:schemeClr val="accent1">
+              <a:shade val="50000"/>
+            </a:schemeClr>
+          </a:lnRef>
+          <a:fillRef idx="1">
+            <a:schemeClr val="accent1"/>
+          </a:fillRef>
+          <a:effectRef idx="0">
+            <a:schemeClr val="accent1"/>
+          </a:effectRef>
+          <a:fontRef idx="minor">
+            <a:schemeClr val="lt1"/>
+          </a:fontRef>
+        </p:style>
+        <p:txBody>
+          <a:bodyPr rtlCol="0" anchor="ctr"/>
           <a:lstStyle/>
           <a:p>
             <a:pPr algn="ctr"/>
             <a:r>
-              <a:rPr lang="en-US" altLang="zh-TW" dirty="0"/>
+              <a:rPr lang="en-US" altLang="zh-TW" dirty="0">
+                <a:solidFill>
+                  <a:schemeClr val="tx1"/>
+                </a:solidFill>
+              </a:rPr>
               <a:t>13</a:t>
             </a:r>
           </a:p>
         </p:txBody>
       </p:sp>
-      <p:sp>
-        <p:nvSpPr>
-          <p:cNvPr id="12" name="文字方塊 11">
-            <a:extLst>
-              <a:ext uri="{FF2B5EF4-FFF2-40B4-BE49-F238E27FC236}">
-                <a16:creationId xmlns:a16="http://schemas.microsoft.com/office/drawing/2014/main" id="{3C3C5A25-4618-4A15-8C45-BA1D297D6897}"/>
-              </a:ext>
-            </a:extLst>
-          </p:cNvPr>
-          <p:cNvSpPr txBox="1"/>
-          <p:nvPr/>
-        </p:nvSpPr>
-        <p:spPr>
-          <a:xfrm>
-            <a:off x="7078980" y="3669792"/>
-            <a:ext cx="2297084" cy="369332"/>
+      <p:cxnSp>
+        <p:nvCxnSpPr>
+          <p:cNvPr id="34" name="直線接點 33">
+            <a:extLst>
+              <a:ext uri="{FF2B5EF4-FFF2-40B4-BE49-F238E27FC236}">
+                <a16:creationId xmlns:a16="http://schemas.microsoft.com/office/drawing/2014/main" id="{B9A2DEC2-1F2D-4CFF-B7F9-1B1AEA9661CE}"/>
+              </a:ext>
+            </a:extLst>
+          </p:cNvPr>
+          <p:cNvCxnSpPr>
+            <a:endCxn id="33" idx="0"/>
+          </p:cNvCxnSpPr>
+          <p:nvPr/>
+        </p:nvCxnSpPr>
+        <p:spPr>
+          <a:xfrm flipH="1">
+            <a:off x="5032097" y="4438877"/>
+            <a:ext cx="1" cy="616115"/>
+          </a:xfrm>
+          <a:prstGeom prst="line">
+            <a:avLst/>
+          </a:prstGeom>
+        </p:spPr>
+        <p:style>
+          <a:lnRef idx="1">
+            <a:schemeClr val="dk1"/>
+          </a:lnRef>
+          <a:fillRef idx="0">
+            <a:schemeClr val="dk1"/>
+          </a:fillRef>
+          <a:effectRef idx="0">
+            <a:schemeClr val="dk1"/>
+          </a:effectRef>
+          <a:fontRef idx="minor">
+            <a:schemeClr val="tx1"/>
+          </a:fontRef>
+        </p:style>
+      </p:cxnSp>
+      <p:sp>
+        <p:nvSpPr>
+          <p:cNvPr id="37" name="矩形 36">
+            <a:extLst>
+              <a:ext uri="{FF2B5EF4-FFF2-40B4-BE49-F238E27FC236}">
+                <a16:creationId xmlns:a16="http://schemas.microsoft.com/office/drawing/2014/main" id="{0C56A18F-7DF2-40AE-A565-856DC5E60188}"/>
+              </a:ext>
+            </a:extLst>
+          </p:cNvPr>
+          <p:cNvSpPr/>
+          <p:nvPr/>
+        </p:nvSpPr>
+        <p:spPr>
+          <a:xfrm>
+            <a:off x="6134638" y="5049113"/>
+            <a:ext cx="2297075" cy="563670"/>
           </a:xfrm>
           <a:prstGeom prst="rect">
             <a:avLst/>
           </a:prstGeom>
-          <a:noFill/>
+          <a:solidFill>
+            <a:schemeClr val="accent1">
+              <a:lumMod val="20000"/>
+              <a:lumOff val="80000"/>
+            </a:schemeClr>
+          </a:solidFill>
           <a:ln>
             <a:solidFill>
               <a:schemeClr val="tx1"/>
             </a:solidFill>
           </a:ln>
         </p:spPr>
+        <p:style>
+          <a:lnRef idx="2">
+            <a:schemeClr val="accent1">
+              <a:shade val="50000"/>
+            </a:schemeClr>
+          </a:lnRef>
+          <a:fillRef idx="1">
+            <a:schemeClr val="accent1"/>
+          </a:fillRef>
+          <a:effectRef idx="0">
+            <a:schemeClr val="accent1"/>
+          </a:effectRef>
+          <a:fontRef idx="minor">
+            <a:schemeClr val="lt1"/>
+          </a:fontRef>
+        </p:style>
+        <p:txBody>
+          <a:bodyPr rtlCol="0" anchor="ctr"/>
+          <a:lstStyle/>
+          <a:p>
+            <a:pPr algn="ctr"/>
+            <a:r>
+              <a:rPr lang="zh-TW" altLang="en-US" dirty="0">
+                <a:solidFill>
+                  <a:schemeClr val="tx1"/>
+                </a:solidFill>
+              </a:rPr>
+              <a:t>感知機分類性能測試</a:t>
+            </a:r>
+            <a:endParaRPr lang="en-US" altLang="zh-TW" dirty="0">
+              <a:solidFill>
+                <a:schemeClr val="tx1"/>
+              </a:solidFill>
+            </a:endParaRPr>
+          </a:p>
+        </p:txBody>
+      </p:sp>
+      <p:cxnSp>
+        <p:nvCxnSpPr>
+          <p:cNvPr id="38" name="直線接點 37">
+            <a:extLst>
+              <a:ext uri="{FF2B5EF4-FFF2-40B4-BE49-F238E27FC236}">
+                <a16:creationId xmlns:a16="http://schemas.microsoft.com/office/drawing/2014/main" id="{FD8BBD9A-030A-4639-9FD7-382665B4B320}"/>
+              </a:ext>
+            </a:extLst>
+          </p:cNvPr>
+          <p:cNvCxnSpPr>
+            <a:cxnSpLocks/>
+            <a:stCxn id="33" idx="3"/>
+            <a:endCxn id="37" idx="1"/>
+          </p:cNvCxnSpPr>
+          <p:nvPr/>
+        </p:nvCxnSpPr>
+        <p:spPr>
+          <a:xfrm flipV="1">
+            <a:off x="5313932" y="5330948"/>
+            <a:ext cx="820706" cy="5879"/>
+          </a:xfrm>
+          <a:prstGeom prst="line">
+            <a:avLst/>
+          </a:prstGeom>
+        </p:spPr>
+        <p:style>
+          <a:lnRef idx="1">
+            <a:schemeClr val="dk1"/>
+          </a:lnRef>
+          <a:fillRef idx="0">
+            <a:schemeClr val="dk1"/>
+          </a:fillRef>
+          <a:effectRef idx="0">
+            <a:schemeClr val="dk1"/>
+          </a:effectRef>
+          <a:fontRef idx="minor">
+            <a:schemeClr val="tx1"/>
+          </a:fontRef>
+        </p:style>
+      </p:cxnSp>
+      <p:cxnSp>
+        <p:nvCxnSpPr>
+          <p:cNvPr id="44" name="接點: 肘形 43">
+            <a:extLst>
+              <a:ext uri="{FF2B5EF4-FFF2-40B4-BE49-F238E27FC236}">
+                <a16:creationId xmlns:a16="http://schemas.microsoft.com/office/drawing/2014/main" id="{800EB444-C37D-478E-8623-BB1A1E415E30}"/>
+              </a:ext>
+            </a:extLst>
+          </p:cNvPr>
+          <p:cNvCxnSpPr>
+            <a:cxnSpLocks/>
+            <a:stCxn id="14" idx="0"/>
+            <a:endCxn id="33" idx="2"/>
+          </p:cNvCxnSpPr>
+          <p:nvPr/>
+        </p:nvCxnSpPr>
+        <p:spPr>
+          <a:xfrm rot="16200000" flipH="1" flipV="1">
+            <a:off x="2980585" y="3567148"/>
+            <a:ext cx="4103025" cy="1"/>
+          </a:xfrm>
+          <a:prstGeom prst="bentConnector5">
+            <a:avLst>
+              <a:gd name="adj1" fmla="val -5571"/>
+              <a:gd name="adj2" fmla="val 51043600000"/>
+              <a:gd name="adj3" fmla="val 114733"/>
+            </a:avLst>
+          </a:prstGeom>
+        </p:spPr>
+        <p:style>
+          <a:lnRef idx="1">
+            <a:schemeClr val="dk1"/>
+          </a:lnRef>
+          <a:fillRef idx="0">
+            <a:schemeClr val="dk1"/>
+          </a:fillRef>
+          <a:effectRef idx="0">
+            <a:schemeClr val="dk1"/>
+          </a:effectRef>
+          <a:fontRef idx="minor">
+            <a:schemeClr val="tx1"/>
+          </a:fontRef>
+        </p:style>
+      </p:cxnSp>
+      <p:cxnSp>
+        <p:nvCxnSpPr>
+          <p:cNvPr id="46" name="直線接點 45">
+            <a:extLst>
+              <a:ext uri="{FF2B5EF4-FFF2-40B4-BE49-F238E27FC236}">
+                <a16:creationId xmlns:a16="http://schemas.microsoft.com/office/drawing/2014/main" id="{4363008E-9848-4681-A451-814093B38622}"/>
+              </a:ext>
+            </a:extLst>
+          </p:cNvPr>
+          <p:cNvCxnSpPr/>
+          <p:nvPr/>
+        </p:nvCxnSpPr>
+        <p:spPr>
+          <a:xfrm>
+            <a:off x="4887177" y="5908050"/>
+            <a:ext cx="325120" cy="0"/>
+          </a:xfrm>
+          <a:prstGeom prst="line">
+            <a:avLst/>
+          </a:prstGeom>
+        </p:spPr>
+        <p:style>
+          <a:lnRef idx="1">
+            <a:schemeClr val="dk1"/>
+          </a:lnRef>
+          <a:fillRef idx="0">
+            <a:schemeClr val="dk1"/>
+          </a:fillRef>
+          <a:effectRef idx="0">
+            <a:schemeClr val="dk1"/>
+          </a:effectRef>
+          <a:fontRef idx="minor">
+            <a:schemeClr val="tx1"/>
+          </a:fontRef>
+        </p:style>
+      </p:cxnSp>
+      <p:sp>
+        <p:nvSpPr>
+          <p:cNvPr id="47" name="文字方塊 46">
+            <a:extLst>
+              <a:ext uri="{FF2B5EF4-FFF2-40B4-BE49-F238E27FC236}">
+                <a16:creationId xmlns:a16="http://schemas.microsoft.com/office/drawing/2014/main" id="{F049C646-680C-4E99-821D-D98269A5C556}"/>
+              </a:ext>
+            </a:extLst>
+          </p:cNvPr>
+          <p:cNvSpPr txBox="1"/>
+          <p:nvPr/>
+        </p:nvSpPr>
+        <p:spPr>
+          <a:xfrm>
+            <a:off x="5490252" y="5738773"/>
+            <a:ext cx="1527324" cy="338554"/>
+          </a:xfrm>
+          <a:prstGeom prst="rect">
+            <a:avLst/>
+          </a:prstGeom>
+          <a:noFill/>
+        </p:spPr>
         <p:txBody>
           <a:bodyPr wrap="square" rtlCol="0">
             <a:spAutoFit/>
           </a:bodyPr>
           <a:lstStyle/>
           <a:p>
-            <a:pPr algn="ctr"/>
-            <a:r>
-              <a:rPr lang="zh-TW" altLang="en-US" dirty="0"/>
-              <a:t>感知機分類性能測試</a:t>
-            </a:r>
-            <a:endParaRPr lang="en-US" altLang="zh-TW" dirty="0"/>
-          </a:p>
-        </p:txBody>
-      </p:sp>
-      <p:sp>
-        <p:nvSpPr>
-          <p:cNvPr id="13" name="文字方塊 12">
-            <a:extLst>
-              <a:ext uri="{FF2B5EF4-FFF2-40B4-BE49-F238E27FC236}">
-                <a16:creationId xmlns:a16="http://schemas.microsoft.com/office/drawing/2014/main" id="{11F0AF56-6538-41F5-868F-2683BE9CA79E}"/>
+            <a:r>
+              <a:rPr lang="en-US" altLang="zh-TW" sz="1600" dirty="0"/>
+              <a:t>=1</a:t>
+            </a:r>
+            <a:endParaRPr lang="zh-TW" altLang="en-US" sz="1600" dirty="0"/>
+          </a:p>
+        </p:txBody>
+      </p:sp>
+    </p:spTree>
+    <p:extLst>
+      <p:ext uri="{BB962C8B-B14F-4D97-AF65-F5344CB8AC3E}">
+        <p14:creationId xmlns:p14="http://schemas.microsoft.com/office/powerpoint/2010/main" val="3356304348"/>
+      </p:ext>
+    </p:extLst>
+  </p:cSld>
+  <p:clrMapOvr>
+    <a:masterClrMapping/>
+  </p:clrMapOvr>
+</p:sld>
+</file>
+
+<file path=ppt/slides/slide4.xml><?xml version="1.0" encoding="utf-8"?>
+<p:sld xmlns:a="http://schemas.openxmlformats.org/drawingml/2006/main" xmlns:r="http://schemas.openxmlformats.org/officeDocument/2006/relationships" xmlns:p="http://schemas.openxmlformats.org/presentationml/2006/main">
+  <p:cSld>
+    <p:spTree>
+      <p:nvGrpSpPr>
+        <p:cNvPr id="1" name=""/>
+        <p:cNvGrpSpPr/>
+        <p:nvPr/>
+      </p:nvGrpSpPr>
+      <p:grpSpPr>
+        <a:xfrm>
+          <a:off x="0" y="0"/>
+          <a:ext cx="0" cy="0"/>
+          <a:chOff x="0" y="0"/>
+          <a:chExt cx="0" cy="0"/>
+        </a:xfrm>
+      </p:grpSpPr>
+      <p:sp>
+        <p:nvSpPr>
+          <p:cNvPr id="2" name="文字方塊 1">
+            <a:extLst>
+              <a:ext uri="{FF2B5EF4-FFF2-40B4-BE49-F238E27FC236}">
+                <a16:creationId xmlns:a16="http://schemas.microsoft.com/office/drawing/2014/main" id="{34F234F4-832F-4885-8FE6-BC7DE5EAD5FA}"/>
               </a:ext>
             </a:extLst>
           </p:cNvPr>
@@ -4002,38 +5456,3888 @@
         </p:nvSpPr>
         <p:spPr>
           <a:xfrm>
-            <a:off x="7018020" y="1926336"/>
-            <a:ext cx="2297084" cy="369332"/>
+            <a:off x="4815808" y="1063874"/>
+            <a:ext cx="1113906" cy="369332"/>
           </a:xfrm>
           <a:prstGeom prst="rect">
             <a:avLst/>
           </a:prstGeom>
           <a:noFill/>
+        </p:spPr>
+        <p:txBody>
+          <a:bodyPr wrap="square" rtlCol="0">
+            <a:spAutoFit/>
+          </a:bodyPr>
+          <a:lstStyle/>
+          <a:p>
+            <a:r>
+              <a:rPr lang="en-US" altLang="zh-TW" dirty="0"/>
+              <a:t>Grafcet2</a:t>
+            </a:r>
+          </a:p>
+        </p:txBody>
+      </p:sp>
+      <p:sp>
+        <p:nvSpPr>
+          <p:cNvPr id="3" name="框架 2">
+            <a:extLst>
+              <a:ext uri="{FF2B5EF4-FFF2-40B4-BE49-F238E27FC236}">
+                <a16:creationId xmlns:a16="http://schemas.microsoft.com/office/drawing/2014/main" id="{7AC3CEF4-569A-43D6-B997-673F9450735D}"/>
+              </a:ext>
+            </a:extLst>
+          </p:cNvPr>
+          <p:cNvSpPr/>
+          <p:nvPr/>
+        </p:nvSpPr>
+        <p:spPr>
+          <a:xfrm>
+            <a:off x="5090926" y="1812791"/>
+            <a:ext cx="563671" cy="563671"/>
+          </a:xfrm>
+          <a:prstGeom prst="frame">
+            <a:avLst/>
+          </a:prstGeom>
+          <a:solidFill>
+            <a:schemeClr val="accent1">
+              <a:lumMod val="20000"/>
+              <a:lumOff val="80000"/>
+            </a:schemeClr>
+          </a:solidFill>
           <a:ln>
             <a:solidFill>
               <a:schemeClr val="tx1"/>
             </a:solidFill>
           </a:ln>
         </p:spPr>
+        <p:style>
+          <a:lnRef idx="2">
+            <a:schemeClr val="accent1">
+              <a:shade val="50000"/>
+            </a:schemeClr>
+          </a:lnRef>
+          <a:fillRef idx="1">
+            <a:schemeClr val="accent1"/>
+          </a:fillRef>
+          <a:effectRef idx="0">
+            <a:schemeClr val="accent1"/>
+          </a:effectRef>
+          <a:fontRef idx="minor">
+            <a:schemeClr val="lt1"/>
+          </a:fontRef>
+        </p:style>
+        <p:txBody>
+          <a:bodyPr rtlCol="0" anchor="ctr"/>
+          <a:lstStyle/>
+          <a:p>
+            <a:pPr algn="ctr"/>
+            <a:r>
+              <a:rPr lang="en-US" altLang="zh-TW" dirty="0">
+                <a:solidFill>
+                  <a:schemeClr val="tx1"/>
+                </a:solidFill>
+              </a:rPr>
+              <a:t>20</a:t>
+            </a:r>
+          </a:p>
+        </p:txBody>
+      </p:sp>
+      <p:sp>
+        <p:nvSpPr>
+          <p:cNvPr id="4" name="矩形 3">
+            <a:extLst>
+              <a:ext uri="{FF2B5EF4-FFF2-40B4-BE49-F238E27FC236}">
+                <a16:creationId xmlns:a16="http://schemas.microsoft.com/office/drawing/2014/main" id="{C1FE3795-66F2-47AE-96D9-8DDCABCF6E8A}"/>
+              </a:ext>
+            </a:extLst>
+          </p:cNvPr>
+          <p:cNvSpPr/>
+          <p:nvPr/>
+        </p:nvSpPr>
+        <p:spPr>
+          <a:xfrm>
+            <a:off x="2626822" y="4777125"/>
+            <a:ext cx="563670" cy="563670"/>
+          </a:xfrm>
+          <a:prstGeom prst="rect">
+            <a:avLst/>
+          </a:prstGeom>
+          <a:solidFill>
+            <a:schemeClr val="accent1">
+              <a:lumMod val="20000"/>
+              <a:lumOff val="80000"/>
+            </a:schemeClr>
+          </a:solidFill>
+          <a:ln>
+            <a:solidFill>
+              <a:schemeClr val="tx1"/>
+            </a:solidFill>
+          </a:ln>
+        </p:spPr>
+        <p:style>
+          <a:lnRef idx="2">
+            <a:schemeClr val="accent1">
+              <a:shade val="50000"/>
+            </a:schemeClr>
+          </a:lnRef>
+          <a:fillRef idx="1">
+            <a:schemeClr val="accent1"/>
+          </a:fillRef>
+          <a:effectRef idx="0">
+            <a:schemeClr val="accent1"/>
+          </a:effectRef>
+          <a:fontRef idx="minor">
+            <a:schemeClr val="lt1"/>
+          </a:fontRef>
+        </p:style>
+        <p:txBody>
+          <a:bodyPr rtlCol="0" anchor="ctr"/>
+          <a:lstStyle/>
+          <a:p>
+            <a:pPr algn="ctr"/>
+            <a:r>
+              <a:rPr lang="en-US" altLang="zh-TW" dirty="0">
+                <a:solidFill>
+                  <a:schemeClr val="tx1"/>
+                </a:solidFill>
+              </a:rPr>
+              <a:t>22</a:t>
+            </a:r>
+          </a:p>
+        </p:txBody>
+      </p:sp>
+      <p:sp>
+        <p:nvSpPr>
+          <p:cNvPr id="5" name="矩形 4">
+            <a:extLst>
+              <a:ext uri="{FF2B5EF4-FFF2-40B4-BE49-F238E27FC236}">
+                <a16:creationId xmlns:a16="http://schemas.microsoft.com/office/drawing/2014/main" id="{B7395A88-8BFD-454B-AF68-E0A721929332}"/>
+              </a:ext>
+            </a:extLst>
+          </p:cNvPr>
+          <p:cNvSpPr/>
+          <p:nvPr/>
+        </p:nvSpPr>
+        <p:spPr>
+          <a:xfrm>
+            <a:off x="5090927" y="2992577"/>
+            <a:ext cx="563670" cy="563670"/>
+          </a:xfrm>
+          <a:prstGeom prst="rect">
+            <a:avLst/>
+          </a:prstGeom>
+          <a:solidFill>
+            <a:schemeClr val="accent1">
+              <a:lumMod val="20000"/>
+              <a:lumOff val="80000"/>
+            </a:schemeClr>
+          </a:solidFill>
+          <a:ln>
+            <a:solidFill>
+              <a:schemeClr val="tx1"/>
+            </a:solidFill>
+          </a:ln>
+        </p:spPr>
+        <p:style>
+          <a:lnRef idx="2">
+            <a:schemeClr val="accent1">
+              <a:shade val="50000"/>
+            </a:schemeClr>
+          </a:lnRef>
+          <a:fillRef idx="1">
+            <a:schemeClr val="accent1"/>
+          </a:fillRef>
+          <a:effectRef idx="0">
+            <a:schemeClr val="accent1"/>
+          </a:effectRef>
+          <a:fontRef idx="minor">
+            <a:schemeClr val="lt1"/>
+          </a:fontRef>
+        </p:style>
+        <p:txBody>
+          <a:bodyPr rtlCol="0" anchor="ctr"/>
+          <a:lstStyle/>
+          <a:p>
+            <a:pPr algn="ctr"/>
+            <a:r>
+              <a:rPr lang="en-US" altLang="zh-TW" dirty="0">
+                <a:solidFill>
+                  <a:schemeClr val="tx1"/>
+                </a:solidFill>
+              </a:rPr>
+              <a:t>21</a:t>
+            </a:r>
+          </a:p>
+        </p:txBody>
+      </p:sp>
+      <p:sp>
+        <p:nvSpPr>
+          <p:cNvPr id="6" name="矩形 5">
+            <a:extLst>
+              <a:ext uri="{FF2B5EF4-FFF2-40B4-BE49-F238E27FC236}">
+                <a16:creationId xmlns:a16="http://schemas.microsoft.com/office/drawing/2014/main" id="{1685EC83-ED56-4F1E-A13E-457F5220D7AB}"/>
+              </a:ext>
+            </a:extLst>
+          </p:cNvPr>
+          <p:cNvSpPr/>
+          <p:nvPr/>
+        </p:nvSpPr>
+        <p:spPr>
+          <a:xfrm>
+            <a:off x="3651662" y="4777125"/>
+            <a:ext cx="2297075" cy="563670"/>
+          </a:xfrm>
+          <a:prstGeom prst="rect">
+            <a:avLst/>
+          </a:prstGeom>
+          <a:solidFill>
+            <a:schemeClr val="accent1">
+              <a:lumMod val="20000"/>
+              <a:lumOff val="80000"/>
+            </a:schemeClr>
+          </a:solidFill>
+          <a:ln>
+            <a:solidFill>
+              <a:schemeClr val="tx1"/>
+            </a:solidFill>
+          </a:ln>
+        </p:spPr>
+        <p:style>
+          <a:lnRef idx="2">
+            <a:schemeClr val="accent1">
+              <a:shade val="50000"/>
+            </a:schemeClr>
+          </a:lnRef>
+          <a:fillRef idx="1">
+            <a:schemeClr val="accent1"/>
+          </a:fillRef>
+          <a:effectRef idx="0">
+            <a:schemeClr val="accent1"/>
+          </a:effectRef>
+          <a:fontRef idx="minor">
+            <a:schemeClr val="lt1"/>
+          </a:fontRef>
+        </p:style>
+        <p:txBody>
+          <a:bodyPr rtlCol="0" anchor="ctr"/>
+          <a:lstStyle/>
+          <a:p>
+            <a:pPr algn="ctr"/>
+            <a:r>
+              <a:rPr lang="zh-TW" altLang="en-US" dirty="0">
+                <a:solidFill>
+                  <a:schemeClr val="tx1"/>
+                </a:solidFill>
+              </a:rPr>
+              <a:t>加本次誤差值</a:t>
+            </a:r>
+            <a:endParaRPr lang="en-US" altLang="zh-TW" dirty="0">
+              <a:solidFill>
+                <a:schemeClr val="tx1"/>
+              </a:solidFill>
+            </a:endParaRPr>
+          </a:p>
+        </p:txBody>
+      </p:sp>
+      <p:cxnSp>
+        <p:nvCxnSpPr>
+          <p:cNvPr id="7" name="直線接點 6">
+            <a:extLst>
+              <a:ext uri="{FF2B5EF4-FFF2-40B4-BE49-F238E27FC236}">
+                <a16:creationId xmlns:a16="http://schemas.microsoft.com/office/drawing/2014/main" id="{1FA7F310-C9F4-4CAA-A8D1-02EB057478F9}"/>
+              </a:ext>
+            </a:extLst>
+          </p:cNvPr>
+          <p:cNvCxnSpPr>
+            <a:stCxn id="3" idx="2"/>
+            <a:endCxn id="5" idx="0"/>
+          </p:cNvCxnSpPr>
+          <p:nvPr/>
+        </p:nvCxnSpPr>
+        <p:spPr>
+          <a:xfrm>
+            <a:off x="5372762" y="2376462"/>
+            <a:ext cx="0" cy="616115"/>
+          </a:xfrm>
+          <a:prstGeom prst="line">
+            <a:avLst/>
+          </a:prstGeom>
+        </p:spPr>
+        <p:style>
+          <a:lnRef idx="1">
+            <a:schemeClr val="dk1"/>
+          </a:lnRef>
+          <a:fillRef idx="0">
+            <a:schemeClr val="dk1"/>
+          </a:fillRef>
+          <a:effectRef idx="0">
+            <a:schemeClr val="dk1"/>
+          </a:effectRef>
+          <a:fontRef idx="minor">
+            <a:schemeClr val="tx1"/>
+          </a:fontRef>
+        </p:style>
+      </p:cxnSp>
+      <p:cxnSp>
+        <p:nvCxnSpPr>
+          <p:cNvPr id="10" name="直線接點 9">
+            <a:extLst>
+              <a:ext uri="{FF2B5EF4-FFF2-40B4-BE49-F238E27FC236}">
+                <a16:creationId xmlns:a16="http://schemas.microsoft.com/office/drawing/2014/main" id="{9B24754A-BA61-4ECA-875A-2388B9BCF68B}"/>
+              </a:ext>
+            </a:extLst>
+          </p:cNvPr>
+          <p:cNvCxnSpPr>
+            <a:cxnSpLocks/>
+            <a:stCxn id="4" idx="3"/>
+            <a:endCxn id="6" idx="1"/>
+          </p:cNvCxnSpPr>
+          <p:nvPr/>
+        </p:nvCxnSpPr>
+        <p:spPr>
+          <a:xfrm>
+            <a:off x="3190492" y="5058960"/>
+            <a:ext cx="461170" cy="0"/>
+          </a:xfrm>
+          <a:prstGeom prst="line">
+            <a:avLst/>
+          </a:prstGeom>
+        </p:spPr>
+        <p:style>
+          <a:lnRef idx="1">
+            <a:schemeClr val="dk1"/>
+          </a:lnRef>
+          <a:fillRef idx="0">
+            <a:schemeClr val="dk1"/>
+          </a:fillRef>
+          <a:effectRef idx="0">
+            <a:schemeClr val="dk1"/>
+          </a:effectRef>
+          <a:fontRef idx="minor">
+            <a:schemeClr val="tx1"/>
+          </a:fontRef>
+        </p:style>
+      </p:cxnSp>
+      <p:cxnSp>
+        <p:nvCxnSpPr>
+          <p:cNvPr id="11" name="直線接點 10">
+            <a:extLst>
+              <a:ext uri="{FF2B5EF4-FFF2-40B4-BE49-F238E27FC236}">
+                <a16:creationId xmlns:a16="http://schemas.microsoft.com/office/drawing/2014/main" id="{4D4E0269-1C2F-4B31-8EB1-1BED33B06A13}"/>
+              </a:ext>
+            </a:extLst>
+          </p:cNvPr>
+          <p:cNvCxnSpPr/>
+          <p:nvPr/>
+        </p:nvCxnSpPr>
+        <p:spPr>
+          <a:xfrm>
+            <a:off x="5210201" y="2725159"/>
+            <a:ext cx="325120" cy="0"/>
+          </a:xfrm>
+          <a:prstGeom prst="line">
+            <a:avLst/>
+          </a:prstGeom>
+        </p:spPr>
+        <p:style>
+          <a:lnRef idx="1">
+            <a:schemeClr val="dk1"/>
+          </a:lnRef>
+          <a:fillRef idx="0">
+            <a:schemeClr val="dk1"/>
+          </a:fillRef>
+          <a:effectRef idx="0">
+            <a:schemeClr val="dk1"/>
+          </a:effectRef>
+          <a:fontRef idx="minor">
+            <a:schemeClr val="tx1"/>
+          </a:fontRef>
+        </p:style>
+      </p:cxnSp>
+      <p:sp>
+        <p:nvSpPr>
+          <p:cNvPr id="14" name="文字方塊 13">
+            <a:extLst>
+              <a:ext uri="{FF2B5EF4-FFF2-40B4-BE49-F238E27FC236}">
+                <a16:creationId xmlns:a16="http://schemas.microsoft.com/office/drawing/2014/main" id="{7B9CFC2F-7918-4E82-9CEC-DE24224F555B}"/>
+              </a:ext>
+            </a:extLst>
+          </p:cNvPr>
+          <p:cNvSpPr txBox="1"/>
+          <p:nvPr/>
+        </p:nvSpPr>
+        <p:spPr>
+          <a:xfrm>
+            <a:off x="5813277" y="2556273"/>
+            <a:ext cx="995928" cy="338554"/>
+          </a:xfrm>
+          <a:prstGeom prst="rect">
+            <a:avLst/>
+          </a:prstGeom>
+          <a:noFill/>
+        </p:spPr>
         <p:txBody>
           <a:bodyPr wrap="square" rtlCol="0">
             <a:spAutoFit/>
           </a:bodyPr>
           <a:lstStyle/>
           <a:p>
+            <a:r>
+              <a:rPr lang="en-US" altLang="zh-TW" sz="1600" dirty="0"/>
+              <a:t>=1</a:t>
+            </a:r>
+            <a:endParaRPr lang="zh-TW" altLang="en-US" sz="1600" dirty="0"/>
+          </a:p>
+        </p:txBody>
+      </p:sp>
+      <p:sp>
+        <p:nvSpPr>
+          <p:cNvPr id="17" name="矩形 16">
+            <a:extLst>
+              <a:ext uri="{FF2B5EF4-FFF2-40B4-BE49-F238E27FC236}">
+                <a16:creationId xmlns:a16="http://schemas.microsoft.com/office/drawing/2014/main" id="{2367A34B-B0FB-47DE-A014-808CA6F6D572}"/>
+              </a:ext>
+            </a:extLst>
+          </p:cNvPr>
+          <p:cNvSpPr/>
+          <p:nvPr/>
+        </p:nvSpPr>
+        <p:spPr>
+          <a:xfrm>
+            <a:off x="6342604" y="2992577"/>
+            <a:ext cx="2297075" cy="563670"/>
+          </a:xfrm>
+          <a:prstGeom prst="rect">
+            <a:avLst/>
+          </a:prstGeom>
+          <a:solidFill>
+            <a:schemeClr val="accent1">
+              <a:lumMod val="20000"/>
+              <a:lumOff val="80000"/>
+            </a:schemeClr>
+          </a:solidFill>
+          <a:ln>
+            <a:solidFill>
+              <a:schemeClr val="tx1"/>
+            </a:solidFill>
+          </a:ln>
+        </p:spPr>
+        <p:style>
+          <a:lnRef idx="2">
+            <a:schemeClr val="accent1">
+              <a:shade val="50000"/>
+            </a:schemeClr>
+          </a:lnRef>
+          <a:fillRef idx="1">
+            <a:schemeClr val="accent1"/>
+          </a:fillRef>
+          <a:effectRef idx="0">
+            <a:schemeClr val="accent1"/>
+          </a:effectRef>
+          <a:fontRef idx="minor">
+            <a:schemeClr val="lt1"/>
+          </a:fontRef>
+        </p:style>
+        <p:txBody>
+          <a:bodyPr rtlCol="0" anchor="ctr"/>
+          <a:lstStyle/>
+          <a:p>
             <a:pPr algn="ctr"/>
             <a:r>
-              <a:rPr lang="zh-TW" altLang="en-US" dirty="0"/>
-              <a:t>設定輸入</a:t>
-            </a:r>
-            <a:endParaRPr lang="en-US" altLang="zh-TW" dirty="0"/>
-          </a:p>
-        </p:txBody>
-      </p:sp>
+              <a:rPr lang="zh-TW" altLang="en-US" dirty="0">
+                <a:solidFill>
+                  <a:schemeClr val="tx1"/>
+                </a:solidFill>
+              </a:rPr>
+              <a:t>記錄學習過程數值</a:t>
+            </a:r>
+            <a:endParaRPr lang="en-US" altLang="zh-TW" dirty="0">
+              <a:solidFill>
+                <a:schemeClr val="tx1"/>
+              </a:solidFill>
+            </a:endParaRPr>
+          </a:p>
+        </p:txBody>
+      </p:sp>
+      <p:sp>
+        <p:nvSpPr>
+          <p:cNvPr id="18" name="矩形 17">
+            <a:extLst>
+              <a:ext uri="{FF2B5EF4-FFF2-40B4-BE49-F238E27FC236}">
+                <a16:creationId xmlns:a16="http://schemas.microsoft.com/office/drawing/2014/main" id="{046A2532-F610-4BF6-BCA3-74FC5CB4CD7C}"/>
+              </a:ext>
+            </a:extLst>
+          </p:cNvPr>
+          <p:cNvSpPr/>
+          <p:nvPr/>
+        </p:nvSpPr>
+        <p:spPr>
+          <a:xfrm>
+            <a:off x="6409907" y="4777125"/>
+            <a:ext cx="563670" cy="563670"/>
+          </a:xfrm>
+          <a:prstGeom prst="rect">
+            <a:avLst/>
+          </a:prstGeom>
+          <a:solidFill>
+            <a:schemeClr val="accent1">
+              <a:lumMod val="20000"/>
+              <a:lumOff val="80000"/>
+            </a:schemeClr>
+          </a:solidFill>
+          <a:ln>
+            <a:solidFill>
+              <a:schemeClr val="tx1"/>
+            </a:solidFill>
+          </a:ln>
+        </p:spPr>
+        <p:style>
+          <a:lnRef idx="2">
+            <a:schemeClr val="accent1">
+              <a:shade val="50000"/>
+            </a:schemeClr>
+          </a:lnRef>
+          <a:fillRef idx="1">
+            <a:schemeClr val="accent1"/>
+          </a:fillRef>
+          <a:effectRef idx="0">
+            <a:schemeClr val="accent1"/>
+          </a:effectRef>
+          <a:fontRef idx="minor">
+            <a:schemeClr val="lt1"/>
+          </a:fontRef>
+        </p:style>
+        <p:txBody>
+          <a:bodyPr rtlCol="0" anchor="ctr"/>
+          <a:lstStyle/>
+          <a:p>
+            <a:pPr algn="ctr"/>
+            <a:r>
+              <a:rPr lang="en-US" altLang="zh-TW" dirty="0">
+                <a:solidFill>
+                  <a:schemeClr val="tx1"/>
+                </a:solidFill>
+              </a:rPr>
+              <a:t>23</a:t>
+            </a:r>
+          </a:p>
+        </p:txBody>
+      </p:sp>
+      <p:sp>
+        <p:nvSpPr>
+          <p:cNvPr id="20" name="矩形 19">
+            <a:extLst>
+              <a:ext uri="{FF2B5EF4-FFF2-40B4-BE49-F238E27FC236}">
+                <a16:creationId xmlns:a16="http://schemas.microsoft.com/office/drawing/2014/main" id="{80C3B7F8-E6F7-4497-880A-465E04F060C0}"/>
+              </a:ext>
+            </a:extLst>
+          </p:cNvPr>
+          <p:cNvSpPr/>
+          <p:nvPr/>
+        </p:nvSpPr>
+        <p:spPr>
+          <a:xfrm>
+            <a:off x="7434747" y="4777125"/>
+            <a:ext cx="2297075" cy="563670"/>
+          </a:xfrm>
+          <a:prstGeom prst="rect">
+            <a:avLst/>
+          </a:prstGeom>
+          <a:solidFill>
+            <a:schemeClr val="accent1">
+              <a:lumMod val="20000"/>
+              <a:lumOff val="80000"/>
+            </a:schemeClr>
+          </a:solidFill>
+          <a:ln>
+            <a:solidFill>
+              <a:schemeClr val="tx1"/>
+            </a:solidFill>
+          </a:ln>
+        </p:spPr>
+        <p:style>
+          <a:lnRef idx="2">
+            <a:schemeClr val="accent1">
+              <a:shade val="50000"/>
+            </a:schemeClr>
+          </a:lnRef>
+          <a:fillRef idx="1">
+            <a:schemeClr val="accent1"/>
+          </a:fillRef>
+          <a:effectRef idx="0">
+            <a:schemeClr val="accent1"/>
+          </a:effectRef>
+          <a:fontRef idx="minor">
+            <a:schemeClr val="lt1"/>
+          </a:fontRef>
+        </p:style>
+        <p:txBody>
+          <a:bodyPr rtlCol="0" anchor="ctr"/>
+          <a:lstStyle/>
+          <a:p>
+            <a:pPr algn="ctr"/>
+            <a:r>
+              <a:rPr lang="zh-TW" altLang="en-US" dirty="0">
+                <a:solidFill>
+                  <a:schemeClr val="tx1"/>
+                </a:solidFill>
+              </a:rPr>
+              <a:t>紀錄誤差總和平均</a:t>
+            </a:r>
+            <a:endParaRPr lang="en-US" altLang="zh-TW" dirty="0">
+              <a:solidFill>
+                <a:schemeClr val="tx1"/>
+              </a:solidFill>
+            </a:endParaRPr>
+          </a:p>
+        </p:txBody>
+      </p:sp>
+      <p:cxnSp>
+        <p:nvCxnSpPr>
+          <p:cNvPr id="21" name="直線接點 20">
+            <a:extLst>
+              <a:ext uri="{FF2B5EF4-FFF2-40B4-BE49-F238E27FC236}">
+                <a16:creationId xmlns:a16="http://schemas.microsoft.com/office/drawing/2014/main" id="{1FA01601-EDEF-497A-8A0E-632B8ADB28C0}"/>
+              </a:ext>
+            </a:extLst>
+          </p:cNvPr>
+          <p:cNvCxnSpPr>
+            <a:cxnSpLocks/>
+            <a:stCxn id="18" idx="3"/>
+            <a:endCxn id="20" idx="1"/>
+          </p:cNvCxnSpPr>
+          <p:nvPr/>
+        </p:nvCxnSpPr>
+        <p:spPr>
+          <a:xfrm>
+            <a:off x="6973577" y="5058960"/>
+            <a:ext cx="461170" cy="0"/>
+          </a:xfrm>
+          <a:prstGeom prst="line">
+            <a:avLst/>
+          </a:prstGeom>
+        </p:spPr>
+        <p:style>
+          <a:lnRef idx="1">
+            <a:schemeClr val="dk1"/>
+          </a:lnRef>
+          <a:fillRef idx="0">
+            <a:schemeClr val="dk1"/>
+          </a:fillRef>
+          <a:effectRef idx="0">
+            <a:schemeClr val="dk1"/>
+          </a:effectRef>
+          <a:fontRef idx="minor">
+            <a:schemeClr val="tx1"/>
+          </a:fontRef>
+        </p:style>
+      </p:cxnSp>
+      <p:cxnSp>
+        <p:nvCxnSpPr>
+          <p:cNvPr id="26" name="直線接點 25">
+            <a:extLst>
+              <a:ext uri="{FF2B5EF4-FFF2-40B4-BE49-F238E27FC236}">
+                <a16:creationId xmlns:a16="http://schemas.microsoft.com/office/drawing/2014/main" id="{D963E7B3-E6EB-495B-A910-54BA015E61EA}"/>
+              </a:ext>
+            </a:extLst>
+          </p:cNvPr>
+          <p:cNvCxnSpPr>
+            <a:cxnSpLocks/>
+          </p:cNvCxnSpPr>
+          <p:nvPr/>
+        </p:nvCxnSpPr>
+        <p:spPr>
+          <a:xfrm>
+            <a:off x="2626822" y="4070501"/>
+            <a:ext cx="5098652" cy="0"/>
+          </a:xfrm>
+          <a:prstGeom prst="line">
+            <a:avLst/>
+          </a:prstGeom>
+        </p:spPr>
+        <p:style>
+          <a:lnRef idx="1">
+            <a:schemeClr val="dk1"/>
+          </a:lnRef>
+          <a:fillRef idx="0">
+            <a:schemeClr val="dk1"/>
+          </a:fillRef>
+          <a:effectRef idx="0">
+            <a:schemeClr val="dk1"/>
+          </a:effectRef>
+          <a:fontRef idx="minor">
+            <a:schemeClr val="tx1"/>
+          </a:fontRef>
+        </p:style>
+      </p:cxnSp>
+      <p:cxnSp>
+        <p:nvCxnSpPr>
+          <p:cNvPr id="28" name="直線接點 27">
+            <a:extLst>
+              <a:ext uri="{FF2B5EF4-FFF2-40B4-BE49-F238E27FC236}">
+                <a16:creationId xmlns:a16="http://schemas.microsoft.com/office/drawing/2014/main" id="{D488E7F8-7850-4219-B608-75B223F6D45A}"/>
+              </a:ext>
+            </a:extLst>
+          </p:cNvPr>
+          <p:cNvCxnSpPr>
+            <a:stCxn id="5" idx="2"/>
+          </p:cNvCxnSpPr>
+          <p:nvPr/>
+        </p:nvCxnSpPr>
+        <p:spPr>
+          <a:xfrm>
+            <a:off x="5372762" y="3556247"/>
+            <a:ext cx="0" cy="514254"/>
+          </a:xfrm>
+          <a:prstGeom prst="line">
+            <a:avLst/>
+          </a:prstGeom>
+        </p:spPr>
+        <p:style>
+          <a:lnRef idx="1">
+            <a:schemeClr val="dk1"/>
+          </a:lnRef>
+          <a:fillRef idx="0">
+            <a:schemeClr val="dk1"/>
+          </a:fillRef>
+          <a:effectRef idx="0">
+            <a:schemeClr val="dk1"/>
+          </a:effectRef>
+          <a:fontRef idx="minor">
+            <a:schemeClr val="tx1"/>
+          </a:fontRef>
+        </p:style>
+      </p:cxnSp>
+      <p:cxnSp>
+        <p:nvCxnSpPr>
+          <p:cNvPr id="34" name="直線接點 33">
+            <a:extLst>
+              <a:ext uri="{FF2B5EF4-FFF2-40B4-BE49-F238E27FC236}">
+                <a16:creationId xmlns:a16="http://schemas.microsoft.com/office/drawing/2014/main" id="{FD0B8090-E9D2-462A-84A4-3849CA2977F3}"/>
+              </a:ext>
+            </a:extLst>
+          </p:cNvPr>
+          <p:cNvCxnSpPr>
+            <a:cxnSpLocks/>
+            <a:stCxn id="4" idx="0"/>
+          </p:cNvCxnSpPr>
+          <p:nvPr/>
+        </p:nvCxnSpPr>
+        <p:spPr>
+          <a:xfrm flipV="1">
+            <a:off x="2908657" y="4070501"/>
+            <a:ext cx="0" cy="706624"/>
+          </a:xfrm>
+          <a:prstGeom prst="line">
+            <a:avLst/>
+          </a:prstGeom>
+        </p:spPr>
+        <p:style>
+          <a:lnRef idx="1">
+            <a:schemeClr val="dk1"/>
+          </a:lnRef>
+          <a:fillRef idx="0">
+            <a:schemeClr val="dk1"/>
+          </a:fillRef>
+          <a:effectRef idx="0">
+            <a:schemeClr val="dk1"/>
+          </a:effectRef>
+          <a:fontRef idx="minor">
+            <a:schemeClr val="tx1"/>
+          </a:fontRef>
+        </p:style>
+      </p:cxnSp>
+      <p:cxnSp>
+        <p:nvCxnSpPr>
+          <p:cNvPr id="39" name="直線接點 38">
+            <a:extLst>
+              <a:ext uri="{FF2B5EF4-FFF2-40B4-BE49-F238E27FC236}">
+                <a16:creationId xmlns:a16="http://schemas.microsoft.com/office/drawing/2014/main" id="{B9EC2BAC-E6BE-42C0-AFB8-00C8DE25BAA0}"/>
+              </a:ext>
+            </a:extLst>
+          </p:cNvPr>
+          <p:cNvCxnSpPr>
+            <a:stCxn id="18" idx="0"/>
+          </p:cNvCxnSpPr>
+          <p:nvPr/>
+        </p:nvCxnSpPr>
+        <p:spPr>
+          <a:xfrm flipV="1">
+            <a:off x="6691742" y="4070501"/>
+            <a:ext cx="1666" cy="706624"/>
+          </a:xfrm>
+          <a:prstGeom prst="line">
+            <a:avLst/>
+          </a:prstGeom>
+        </p:spPr>
+        <p:style>
+          <a:lnRef idx="1">
+            <a:schemeClr val="dk1"/>
+          </a:lnRef>
+          <a:fillRef idx="0">
+            <a:schemeClr val="dk1"/>
+          </a:fillRef>
+          <a:effectRef idx="0">
+            <a:schemeClr val="dk1"/>
+          </a:effectRef>
+          <a:fontRef idx="minor">
+            <a:schemeClr val="tx1"/>
+          </a:fontRef>
+        </p:style>
+      </p:cxnSp>
+      <p:cxnSp>
+        <p:nvCxnSpPr>
+          <p:cNvPr id="40" name="直線接點 39">
+            <a:extLst>
+              <a:ext uri="{FF2B5EF4-FFF2-40B4-BE49-F238E27FC236}">
+                <a16:creationId xmlns:a16="http://schemas.microsoft.com/office/drawing/2014/main" id="{1B459D6E-72C5-4AB8-9722-2FFF2A71D866}"/>
+              </a:ext>
+            </a:extLst>
+          </p:cNvPr>
+          <p:cNvCxnSpPr/>
+          <p:nvPr/>
+        </p:nvCxnSpPr>
+        <p:spPr>
+          <a:xfrm>
+            <a:off x="6541161" y="4439939"/>
+            <a:ext cx="325120" cy="0"/>
+          </a:xfrm>
+          <a:prstGeom prst="line">
+            <a:avLst/>
+          </a:prstGeom>
+        </p:spPr>
+        <p:style>
+          <a:lnRef idx="1">
+            <a:schemeClr val="dk1"/>
+          </a:lnRef>
+          <a:fillRef idx="0">
+            <a:schemeClr val="dk1"/>
+          </a:fillRef>
+          <a:effectRef idx="0">
+            <a:schemeClr val="dk1"/>
+          </a:effectRef>
+          <a:fontRef idx="minor">
+            <a:schemeClr val="tx1"/>
+          </a:fontRef>
+        </p:style>
+      </p:cxnSp>
+      <p:sp>
+        <p:nvSpPr>
+          <p:cNvPr id="41" name="文字方塊 40">
+            <a:extLst>
+              <a:ext uri="{FF2B5EF4-FFF2-40B4-BE49-F238E27FC236}">
+                <a16:creationId xmlns:a16="http://schemas.microsoft.com/office/drawing/2014/main" id="{FC4548F9-FC85-40D3-9771-4B6AF55EF62C}"/>
+              </a:ext>
+            </a:extLst>
+          </p:cNvPr>
+          <p:cNvSpPr txBox="1"/>
+          <p:nvPr/>
+        </p:nvSpPr>
+        <p:spPr>
+          <a:xfrm>
+            <a:off x="7144237" y="4271053"/>
+            <a:ext cx="1543814" cy="338554"/>
+          </a:xfrm>
+          <a:prstGeom prst="rect">
+            <a:avLst/>
+          </a:prstGeom>
+          <a:noFill/>
+        </p:spPr>
+        <p:txBody>
+          <a:bodyPr wrap="square" rtlCol="0">
+            <a:spAutoFit/>
+          </a:bodyPr>
+          <a:lstStyle/>
+          <a:p>
+            <a:r>
+              <a:rPr lang="en-US" altLang="zh-TW" sz="1600" dirty="0"/>
+              <a:t>times % 4 == 0</a:t>
+            </a:r>
+            <a:endParaRPr lang="zh-TW" altLang="en-US" sz="1600" dirty="0"/>
+          </a:p>
+        </p:txBody>
+      </p:sp>
+      <p:cxnSp>
+        <p:nvCxnSpPr>
+          <p:cNvPr id="42" name="直線接點 41">
+            <a:extLst>
+              <a:ext uri="{FF2B5EF4-FFF2-40B4-BE49-F238E27FC236}">
+                <a16:creationId xmlns:a16="http://schemas.microsoft.com/office/drawing/2014/main" id="{F0FD08A3-0F37-4C73-9266-701C2542521C}"/>
+              </a:ext>
+            </a:extLst>
+          </p:cNvPr>
+          <p:cNvCxnSpPr/>
+          <p:nvPr/>
+        </p:nvCxnSpPr>
+        <p:spPr>
+          <a:xfrm>
+            <a:off x="2756411" y="4444510"/>
+            <a:ext cx="325120" cy="0"/>
+          </a:xfrm>
+          <a:prstGeom prst="line">
+            <a:avLst/>
+          </a:prstGeom>
+        </p:spPr>
+        <p:style>
+          <a:lnRef idx="1">
+            <a:schemeClr val="dk1"/>
+          </a:lnRef>
+          <a:fillRef idx="0">
+            <a:schemeClr val="dk1"/>
+          </a:fillRef>
+          <a:effectRef idx="0">
+            <a:schemeClr val="dk1"/>
+          </a:effectRef>
+          <a:fontRef idx="minor">
+            <a:schemeClr val="tx1"/>
+          </a:fontRef>
+        </p:style>
+      </p:cxnSp>
+      <p:sp>
+        <p:nvSpPr>
+          <p:cNvPr id="43" name="文字方塊 42">
+            <a:extLst>
+              <a:ext uri="{FF2B5EF4-FFF2-40B4-BE49-F238E27FC236}">
+                <a16:creationId xmlns:a16="http://schemas.microsoft.com/office/drawing/2014/main" id="{06916358-3E86-465F-AB63-DB7968AAB33B}"/>
+              </a:ext>
+            </a:extLst>
+          </p:cNvPr>
+          <p:cNvSpPr txBox="1"/>
+          <p:nvPr/>
+        </p:nvSpPr>
+        <p:spPr>
+          <a:xfrm>
+            <a:off x="3359486" y="4275624"/>
+            <a:ext cx="1507153" cy="338554"/>
+          </a:xfrm>
+          <a:prstGeom prst="rect">
+            <a:avLst/>
+          </a:prstGeom>
+          <a:noFill/>
+        </p:spPr>
+        <p:txBody>
+          <a:bodyPr wrap="square" rtlCol="0">
+            <a:spAutoFit/>
+          </a:bodyPr>
+          <a:lstStyle/>
+          <a:p>
+            <a:r>
+              <a:rPr lang="en-US" altLang="zh-TW" sz="1600" dirty="0"/>
+              <a:t>times % 4 != 0</a:t>
+            </a:r>
+            <a:endParaRPr lang="zh-TW" altLang="en-US" sz="1600" dirty="0"/>
+          </a:p>
+        </p:txBody>
+      </p:sp>
+      <p:cxnSp>
+        <p:nvCxnSpPr>
+          <p:cNvPr id="45" name="接點: 肘形 44">
+            <a:extLst>
+              <a:ext uri="{FF2B5EF4-FFF2-40B4-BE49-F238E27FC236}">
+                <a16:creationId xmlns:a16="http://schemas.microsoft.com/office/drawing/2014/main" id="{5048052D-5ADC-4300-96F2-9D6712252D73}"/>
+              </a:ext>
+            </a:extLst>
+          </p:cNvPr>
+          <p:cNvCxnSpPr>
+            <a:cxnSpLocks/>
+            <a:stCxn id="3" idx="0"/>
+            <a:endCxn id="4" idx="2"/>
+          </p:cNvCxnSpPr>
+          <p:nvPr/>
+        </p:nvCxnSpPr>
+        <p:spPr>
+          <a:xfrm rot="16200000" flipH="1" flipV="1">
+            <a:off x="2376708" y="2344740"/>
+            <a:ext cx="3528004" cy="2464105"/>
+          </a:xfrm>
+          <a:prstGeom prst="bentConnector5">
+            <a:avLst>
+              <a:gd name="adj1" fmla="val -6480"/>
+              <a:gd name="adj2" fmla="val 140710"/>
+              <a:gd name="adj3" fmla="val 121599"/>
+            </a:avLst>
+          </a:prstGeom>
+        </p:spPr>
+        <p:style>
+          <a:lnRef idx="1">
+            <a:schemeClr val="dk1"/>
+          </a:lnRef>
+          <a:fillRef idx="0">
+            <a:schemeClr val="dk1"/>
+          </a:fillRef>
+          <a:effectRef idx="0">
+            <a:schemeClr val="dk1"/>
+          </a:effectRef>
+          <a:fontRef idx="minor">
+            <a:schemeClr val="tx1"/>
+          </a:fontRef>
+        </p:style>
+      </p:cxnSp>
+      <p:cxnSp>
+        <p:nvCxnSpPr>
+          <p:cNvPr id="48" name="接點: 肘形 47">
+            <a:extLst>
+              <a:ext uri="{FF2B5EF4-FFF2-40B4-BE49-F238E27FC236}">
+                <a16:creationId xmlns:a16="http://schemas.microsoft.com/office/drawing/2014/main" id="{491D9349-3041-4AD9-B4A9-B75BCF53DD6F}"/>
+              </a:ext>
+            </a:extLst>
+          </p:cNvPr>
+          <p:cNvCxnSpPr>
+            <a:cxnSpLocks/>
+            <a:stCxn id="18" idx="2"/>
+            <a:endCxn id="3" idx="0"/>
+          </p:cNvCxnSpPr>
+          <p:nvPr/>
+        </p:nvCxnSpPr>
+        <p:spPr>
+          <a:xfrm rot="5400000" flipH="1">
+            <a:off x="4268250" y="2917303"/>
+            <a:ext cx="3528004" cy="1318980"/>
+          </a:xfrm>
+          <a:prstGeom prst="bentConnector5">
+            <a:avLst>
+              <a:gd name="adj1" fmla="val -22031"/>
+              <a:gd name="adj2" fmla="val -275834"/>
+              <a:gd name="adj3" fmla="val 106480"/>
+            </a:avLst>
+          </a:prstGeom>
+        </p:spPr>
+        <p:style>
+          <a:lnRef idx="1">
+            <a:schemeClr val="dk1"/>
+          </a:lnRef>
+          <a:fillRef idx="0">
+            <a:schemeClr val="dk1"/>
+          </a:fillRef>
+          <a:effectRef idx="0">
+            <a:schemeClr val="dk1"/>
+          </a:effectRef>
+          <a:fontRef idx="minor">
+            <a:schemeClr val="tx1"/>
+          </a:fontRef>
+        </p:style>
+      </p:cxnSp>
+      <p:cxnSp>
+        <p:nvCxnSpPr>
+          <p:cNvPr id="53" name="直線接點 52">
+            <a:extLst>
+              <a:ext uri="{FF2B5EF4-FFF2-40B4-BE49-F238E27FC236}">
+                <a16:creationId xmlns:a16="http://schemas.microsoft.com/office/drawing/2014/main" id="{85C160B6-1D88-4D10-82FB-1618B94EF029}"/>
+              </a:ext>
+            </a:extLst>
+          </p:cNvPr>
+          <p:cNvCxnSpPr/>
+          <p:nvPr/>
+        </p:nvCxnSpPr>
+        <p:spPr>
+          <a:xfrm>
+            <a:off x="6541161" y="5751105"/>
+            <a:ext cx="325120" cy="0"/>
+          </a:xfrm>
+          <a:prstGeom prst="line">
+            <a:avLst/>
+          </a:prstGeom>
+        </p:spPr>
+        <p:style>
+          <a:lnRef idx="1">
+            <a:schemeClr val="dk1"/>
+          </a:lnRef>
+          <a:fillRef idx="0">
+            <a:schemeClr val="dk1"/>
+          </a:fillRef>
+          <a:effectRef idx="0">
+            <a:schemeClr val="dk1"/>
+          </a:effectRef>
+          <a:fontRef idx="minor">
+            <a:schemeClr val="tx1"/>
+          </a:fontRef>
+        </p:style>
+      </p:cxnSp>
+      <p:sp>
+        <p:nvSpPr>
+          <p:cNvPr id="54" name="文字方塊 53">
+            <a:extLst>
+              <a:ext uri="{FF2B5EF4-FFF2-40B4-BE49-F238E27FC236}">
+                <a16:creationId xmlns:a16="http://schemas.microsoft.com/office/drawing/2014/main" id="{B2C896E0-B629-4B78-B2DD-73124332B0C2}"/>
+              </a:ext>
+            </a:extLst>
+          </p:cNvPr>
+          <p:cNvSpPr txBox="1"/>
+          <p:nvPr/>
+        </p:nvSpPr>
+        <p:spPr>
+          <a:xfrm>
+            <a:off x="7144237" y="5582219"/>
+            <a:ext cx="995928" cy="338554"/>
+          </a:xfrm>
+          <a:prstGeom prst="rect">
+            <a:avLst/>
+          </a:prstGeom>
+          <a:noFill/>
+        </p:spPr>
+        <p:txBody>
+          <a:bodyPr wrap="square" rtlCol="0">
+            <a:spAutoFit/>
+          </a:bodyPr>
+          <a:lstStyle/>
+          <a:p>
+            <a:r>
+              <a:rPr lang="en-US" altLang="zh-TW" sz="1600" dirty="0"/>
+              <a:t>=1</a:t>
+            </a:r>
+            <a:endParaRPr lang="zh-TW" altLang="en-US" sz="1600" dirty="0"/>
+          </a:p>
+        </p:txBody>
+      </p:sp>
+      <p:cxnSp>
+        <p:nvCxnSpPr>
+          <p:cNvPr id="55" name="直線接點 54">
+            <a:extLst>
+              <a:ext uri="{FF2B5EF4-FFF2-40B4-BE49-F238E27FC236}">
+                <a16:creationId xmlns:a16="http://schemas.microsoft.com/office/drawing/2014/main" id="{3FCD4056-4BB2-41CD-BCC0-81C1D1EB7159}"/>
+              </a:ext>
+            </a:extLst>
+          </p:cNvPr>
+          <p:cNvCxnSpPr/>
+          <p:nvPr/>
+        </p:nvCxnSpPr>
+        <p:spPr>
+          <a:xfrm>
+            <a:off x="2756410" y="5791516"/>
+            <a:ext cx="325120" cy="0"/>
+          </a:xfrm>
+          <a:prstGeom prst="line">
+            <a:avLst/>
+          </a:prstGeom>
+        </p:spPr>
+        <p:style>
+          <a:lnRef idx="1">
+            <a:schemeClr val="dk1"/>
+          </a:lnRef>
+          <a:fillRef idx="0">
+            <a:schemeClr val="dk1"/>
+          </a:fillRef>
+          <a:effectRef idx="0">
+            <a:schemeClr val="dk1"/>
+          </a:effectRef>
+          <a:fontRef idx="minor">
+            <a:schemeClr val="tx1"/>
+          </a:fontRef>
+        </p:style>
+      </p:cxnSp>
+      <p:sp>
+        <p:nvSpPr>
+          <p:cNvPr id="56" name="文字方塊 55">
+            <a:extLst>
+              <a:ext uri="{FF2B5EF4-FFF2-40B4-BE49-F238E27FC236}">
+                <a16:creationId xmlns:a16="http://schemas.microsoft.com/office/drawing/2014/main" id="{3FCBC643-70D1-45A7-BD91-3164C8605577}"/>
+              </a:ext>
+            </a:extLst>
+          </p:cNvPr>
+          <p:cNvSpPr txBox="1"/>
+          <p:nvPr/>
+        </p:nvSpPr>
+        <p:spPr>
+          <a:xfrm>
+            <a:off x="3359486" y="5622630"/>
+            <a:ext cx="995928" cy="338554"/>
+          </a:xfrm>
+          <a:prstGeom prst="rect">
+            <a:avLst/>
+          </a:prstGeom>
+          <a:noFill/>
+        </p:spPr>
+        <p:txBody>
+          <a:bodyPr wrap="square" rtlCol="0">
+            <a:spAutoFit/>
+          </a:bodyPr>
+          <a:lstStyle/>
+          <a:p>
+            <a:r>
+              <a:rPr lang="en-US" altLang="zh-TW" sz="1600" dirty="0"/>
+              <a:t>=1</a:t>
+            </a:r>
+            <a:endParaRPr lang="zh-TW" altLang="en-US" sz="1600" dirty="0"/>
+          </a:p>
+        </p:txBody>
+      </p:sp>
+      <p:cxnSp>
+        <p:nvCxnSpPr>
+          <p:cNvPr id="58" name="直線接點 57">
+            <a:extLst>
+              <a:ext uri="{FF2B5EF4-FFF2-40B4-BE49-F238E27FC236}">
+                <a16:creationId xmlns:a16="http://schemas.microsoft.com/office/drawing/2014/main" id="{96E9636D-EBD4-479E-BD2E-33C5AE970CA5}"/>
+              </a:ext>
+            </a:extLst>
+          </p:cNvPr>
+          <p:cNvCxnSpPr>
+            <a:stCxn id="17" idx="1"/>
+            <a:endCxn id="5" idx="3"/>
+          </p:cNvCxnSpPr>
+          <p:nvPr/>
+        </p:nvCxnSpPr>
+        <p:spPr>
+          <a:xfrm flipH="1">
+            <a:off x="5654597" y="3274412"/>
+            <a:ext cx="688007" cy="0"/>
+          </a:xfrm>
+          <a:prstGeom prst="line">
+            <a:avLst/>
+          </a:prstGeom>
+        </p:spPr>
+        <p:style>
+          <a:lnRef idx="1">
+            <a:schemeClr val="accent1"/>
+          </a:lnRef>
+          <a:fillRef idx="0">
+            <a:schemeClr val="accent1"/>
+          </a:fillRef>
+          <a:effectRef idx="0">
+            <a:schemeClr val="accent1"/>
+          </a:effectRef>
+          <a:fontRef idx="minor">
+            <a:schemeClr val="tx1"/>
+          </a:fontRef>
+        </p:style>
+      </p:cxnSp>
     </p:spTree>
     <p:extLst>
       <p:ext uri="{BB962C8B-B14F-4D97-AF65-F5344CB8AC3E}">
-        <p14:creationId xmlns:p14="http://schemas.microsoft.com/office/powerpoint/2010/main" val="3356304348"/>
+        <p14:creationId xmlns:p14="http://schemas.microsoft.com/office/powerpoint/2010/main" val="31590612"/>
+      </p:ext>
+    </p:extLst>
+  </p:cSld>
+  <p:clrMapOvr>
+    <a:masterClrMapping/>
+  </p:clrMapOvr>
+</p:sld>
+</file>
+
+<file path=ppt/slides/slide5.xml><?xml version="1.0" encoding="utf-8"?>
+<p:sld xmlns:a="http://schemas.openxmlformats.org/drawingml/2006/main" xmlns:r="http://schemas.openxmlformats.org/officeDocument/2006/relationships" xmlns:p="http://schemas.openxmlformats.org/presentationml/2006/main">
+  <p:cSld>
+    <p:spTree>
+      <p:nvGrpSpPr>
+        <p:cNvPr id="1" name=""/>
+        <p:cNvGrpSpPr/>
+        <p:nvPr/>
+      </p:nvGrpSpPr>
+      <p:grpSpPr>
+        <a:xfrm>
+          <a:off x="0" y="0"/>
+          <a:ext cx="0" cy="0"/>
+          <a:chOff x="0" y="0"/>
+          <a:chExt cx="0" cy="0"/>
+        </a:xfrm>
+      </p:grpSpPr>
+      <p:sp>
+        <p:nvSpPr>
+          <p:cNvPr id="3" name="平行四邊形 2">
+            <a:extLst>
+              <a:ext uri="{FF2B5EF4-FFF2-40B4-BE49-F238E27FC236}">
+                <a16:creationId xmlns:a16="http://schemas.microsoft.com/office/drawing/2014/main" id="{69AC2631-DE6C-47D0-98F4-94E3A537F128}"/>
+              </a:ext>
+            </a:extLst>
+          </p:cNvPr>
+          <p:cNvSpPr/>
+          <p:nvPr/>
+        </p:nvSpPr>
+        <p:spPr>
+          <a:xfrm>
+            <a:off x="3573780" y="3099845"/>
+            <a:ext cx="1874520" cy="868680"/>
+          </a:xfrm>
+          <a:prstGeom prst="parallelogram">
+            <a:avLst/>
+          </a:prstGeom>
+        </p:spPr>
+        <p:style>
+          <a:lnRef idx="2">
+            <a:schemeClr val="dk1"/>
+          </a:lnRef>
+          <a:fillRef idx="1">
+            <a:schemeClr val="lt1"/>
+          </a:fillRef>
+          <a:effectRef idx="0">
+            <a:schemeClr val="dk1"/>
+          </a:effectRef>
+          <a:fontRef idx="minor">
+            <a:schemeClr val="dk1"/>
+          </a:fontRef>
+        </p:style>
+        <p:txBody>
+          <a:bodyPr rtlCol="0" anchor="ctr"/>
+          <a:lstStyle/>
+          <a:p>
+            <a:pPr algn="ctr"/>
+            <a:r>
+              <a:rPr lang="zh-TW" altLang="en-US" dirty="0"/>
+              <a:t>感知機訓練</a:t>
+            </a:r>
+          </a:p>
+        </p:txBody>
+      </p:sp>
+      <p:sp>
+        <p:nvSpPr>
+          <p:cNvPr id="4" name="平行四邊形 3">
+            <a:extLst>
+              <a:ext uri="{FF2B5EF4-FFF2-40B4-BE49-F238E27FC236}">
+                <a16:creationId xmlns:a16="http://schemas.microsoft.com/office/drawing/2014/main" id="{B06B7567-7C8B-4E15-B694-7B0C839E15FC}"/>
+              </a:ext>
+            </a:extLst>
+          </p:cNvPr>
+          <p:cNvSpPr/>
+          <p:nvPr/>
+        </p:nvSpPr>
+        <p:spPr>
+          <a:xfrm>
+            <a:off x="4511040" y="381000"/>
+            <a:ext cx="3169920" cy="1630680"/>
+          </a:xfrm>
+          <a:prstGeom prst="parallelogram">
+            <a:avLst/>
+          </a:prstGeom>
+          <a:noFill/>
+        </p:spPr>
+        <p:style>
+          <a:lnRef idx="2">
+            <a:schemeClr val="dk1"/>
+          </a:lnRef>
+          <a:fillRef idx="1">
+            <a:schemeClr val="lt1"/>
+          </a:fillRef>
+          <a:effectRef idx="0">
+            <a:schemeClr val="dk1"/>
+          </a:effectRef>
+          <a:fontRef idx="minor">
+            <a:schemeClr val="dk1"/>
+          </a:fontRef>
+        </p:style>
+        <p:txBody>
+          <a:bodyPr rtlCol="0" anchor="ctr"/>
+          <a:lstStyle/>
+          <a:p>
+            <a:pPr algn="ctr"/>
+            <a:endParaRPr lang="zh-TW" altLang="en-US"/>
+          </a:p>
+        </p:txBody>
+      </p:sp>
+      <p:sp>
+        <p:nvSpPr>
+          <p:cNvPr id="5" name="平行四邊形 4">
+            <a:extLst>
+              <a:ext uri="{FF2B5EF4-FFF2-40B4-BE49-F238E27FC236}">
+                <a16:creationId xmlns:a16="http://schemas.microsoft.com/office/drawing/2014/main" id="{4BBA9114-8EB0-492B-8F08-A2310E9CC9FB}"/>
+              </a:ext>
+            </a:extLst>
+          </p:cNvPr>
+          <p:cNvSpPr/>
+          <p:nvPr/>
+        </p:nvSpPr>
+        <p:spPr>
+          <a:xfrm>
+            <a:off x="2487930" y="2644140"/>
+            <a:ext cx="7216140" cy="2865408"/>
+          </a:xfrm>
+          <a:prstGeom prst="parallelogram">
+            <a:avLst/>
+          </a:prstGeom>
+          <a:noFill/>
+        </p:spPr>
+        <p:style>
+          <a:lnRef idx="2">
+            <a:schemeClr val="dk1"/>
+          </a:lnRef>
+          <a:fillRef idx="1">
+            <a:schemeClr val="lt1"/>
+          </a:fillRef>
+          <a:effectRef idx="0">
+            <a:schemeClr val="dk1"/>
+          </a:effectRef>
+          <a:fontRef idx="minor">
+            <a:schemeClr val="dk1"/>
+          </a:fontRef>
+        </p:style>
+        <p:txBody>
+          <a:bodyPr rtlCol="0" anchor="ctr"/>
+          <a:lstStyle/>
+          <a:p>
+            <a:pPr algn="ctr"/>
+            <a:endParaRPr lang="zh-TW" altLang="en-US"/>
+          </a:p>
+        </p:txBody>
+      </p:sp>
+      <p:sp>
+        <p:nvSpPr>
+          <p:cNvPr id="6" name="平行四邊形 5">
+            <a:extLst>
+              <a:ext uri="{FF2B5EF4-FFF2-40B4-BE49-F238E27FC236}">
+                <a16:creationId xmlns:a16="http://schemas.microsoft.com/office/drawing/2014/main" id="{2B4A841F-1D79-4A0A-BD84-8DDFD0AC0F12}"/>
+              </a:ext>
+            </a:extLst>
+          </p:cNvPr>
+          <p:cNvSpPr/>
+          <p:nvPr/>
+        </p:nvSpPr>
+        <p:spPr>
+          <a:xfrm>
+            <a:off x="6743700" y="4263390"/>
+            <a:ext cx="1874520" cy="868680"/>
+          </a:xfrm>
+          <a:prstGeom prst="parallelogram">
+            <a:avLst/>
+          </a:prstGeom>
+        </p:spPr>
+        <p:style>
+          <a:lnRef idx="2">
+            <a:schemeClr val="dk1"/>
+          </a:lnRef>
+          <a:fillRef idx="1">
+            <a:schemeClr val="lt1"/>
+          </a:fillRef>
+          <a:effectRef idx="0">
+            <a:schemeClr val="dk1"/>
+          </a:effectRef>
+          <a:fontRef idx="minor">
+            <a:schemeClr val="dk1"/>
+          </a:fontRef>
+        </p:style>
+        <p:txBody>
+          <a:bodyPr rtlCol="0" anchor="ctr"/>
+          <a:lstStyle/>
+          <a:p>
+            <a:pPr algn="ctr"/>
+            <a:r>
+              <a:rPr lang="zh-TW" altLang="en-US" dirty="0"/>
+              <a:t>記錄數值</a:t>
+            </a:r>
+          </a:p>
+        </p:txBody>
+      </p:sp>
+      <p:sp>
+        <p:nvSpPr>
+          <p:cNvPr id="7" name="平行四邊形 6">
+            <a:extLst>
+              <a:ext uri="{FF2B5EF4-FFF2-40B4-BE49-F238E27FC236}">
+                <a16:creationId xmlns:a16="http://schemas.microsoft.com/office/drawing/2014/main" id="{5B9D6BB6-07B6-403E-BB5E-1DDD5433FC49}"/>
+              </a:ext>
+            </a:extLst>
+          </p:cNvPr>
+          <p:cNvSpPr/>
+          <p:nvPr/>
+        </p:nvSpPr>
+        <p:spPr>
+          <a:xfrm>
+            <a:off x="5158740" y="762000"/>
+            <a:ext cx="1874520" cy="868680"/>
+          </a:xfrm>
+          <a:prstGeom prst="parallelogram">
+            <a:avLst/>
+          </a:prstGeom>
+        </p:spPr>
+        <p:style>
+          <a:lnRef idx="2">
+            <a:schemeClr val="dk1"/>
+          </a:lnRef>
+          <a:fillRef idx="1">
+            <a:schemeClr val="lt1"/>
+          </a:fillRef>
+          <a:effectRef idx="0">
+            <a:schemeClr val="dk1"/>
+          </a:effectRef>
+          <a:fontRef idx="minor">
+            <a:schemeClr val="dk1"/>
+          </a:fontRef>
+        </p:style>
+        <p:txBody>
+          <a:bodyPr rtlCol="0" anchor="ctr"/>
+          <a:lstStyle/>
+          <a:p>
+            <a:pPr algn="ctr"/>
+            <a:r>
+              <a:rPr lang="zh-TW" altLang="en-US" dirty="0"/>
+              <a:t>感知機</a:t>
+            </a:r>
+          </a:p>
+        </p:txBody>
+      </p:sp>
+      <p:cxnSp>
+        <p:nvCxnSpPr>
+          <p:cNvPr id="9" name="直線單箭頭接點 8">
+            <a:extLst>
+              <a:ext uri="{FF2B5EF4-FFF2-40B4-BE49-F238E27FC236}">
+                <a16:creationId xmlns:a16="http://schemas.microsoft.com/office/drawing/2014/main" id="{FFCC8A8B-6688-4CC1-9862-B6B581D220FA}"/>
+              </a:ext>
+            </a:extLst>
+          </p:cNvPr>
+          <p:cNvCxnSpPr>
+            <a:cxnSpLocks/>
+            <a:endCxn id="3" idx="5"/>
+          </p:cNvCxnSpPr>
+          <p:nvPr/>
+        </p:nvCxnSpPr>
+        <p:spPr>
+          <a:xfrm>
+            <a:off x="1773434" y="3534185"/>
+            <a:ext cx="1908931" cy="0"/>
+          </a:xfrm>
+          <a:prstGeom prst="straightConnector1">
+            <a:avLst/>
+          </a:prstGeom>
+          <a:ln>
+            <a:tailEnd type="triangle"/>
+          </a:ln>
+        </p:spPr>
+        <p:style>
+          <a:lnRef idx="1">
+            <a:schemeClr val="dk1"/>
+          </a:lnRef>
+          <a:fillRef idx="0">
+            <a:schemeClr val="dk1"/>
+          </a:fillRef>
+          <a:effectRef idx="0">
+            <a:schemeClr val="dk1"/>
+          </a:effectRef>
+          <a:fontRef idx="minor">
+            <a:schemeClr val="tx1"/>
+          </a:fontRef>
+        </p:style>
+      </p:cxnSp>
+      <p:sp>
+        <p:nvSpPr>
+          <p:cNvPr id="11" name="文字方塊 10">
+            <a:extLst>
+              <a:ext uri="{FF2B5EF4-FFF2-40B4-BE49-F238E27FC236}">
+                <a16:creationId xmlns:a16="http://schemas.microsoft.com/office/drawing/2014/main" id="{90E01425-73EB-4D2B-A62B-2DD37AE21D9B}"/>
+              </a:ext>
+            </a:extLst>
+          </p:cNvPr>
+          <p:cNvSpPr txBox="1"/>
+          <p:nvPr/>
+        </p:nvSpPr>
+        <p:spPr>
+          <a:xfrm>
+            <a:off x="1807845" y="3132349"/>
+            <a:ext cx="1238491" cy="369332"/>
+          </a:xfrm>
+          <a:prstGeom prst="rect">
+            <a:avLst/>
+          </a:prstGeom>
+          <a:noFill/>
+        </p:spPr>
+        <p:txBody>
+          <a:bodyPr wrap="square" rtlCol="0">
+            <a:spAutoFit/>
+          </a:bodyPr>
+          <a:lstStyle/>
+          <a:p>
+            <a:r>
+              <a:rPr lang="zh-TW" altLang="en-US" dirty="0"/>
+              <a:t>訓練資料</a:t>
+            </a:r>
+          </a:p>
+        </p:txBody>
+      </p:sp>
+      <p:cxnSp>
+        <p:nvCxnSpPr>
+          <p:cNvPr id="16" name="接點: 肘形 15">
+            <a:extLst>
+              <a:ext uri="{FF2B5EF4-FFF2-40B4-BE49-F238E27FC236}">
+                <a16:creationId xmlns:a16="http://schemas.microsoft.com/office/drawing/2014/main" id="{75AAA03D-F87A-4D44-BB54-84B174619059}"/>
+              </a:ext>
+            </a:extLst>
+          </p:cNvPr>
+          <p:cNvCxnSpPr>
+            <a:stCxn id="3" idx="2"/>
+            <a:endCxn id="6" idx="5"/>
+          </p:cNvCxnSpPr>
+          <p:nvPr/>
+        </p:nvCxnSpPr>
+        <p:spPr>
+          <a:xfrm>
+            <a:off x="5339715" y="3534185"/>
+            <a:ext cx="1512570" cy="1163545"/>
+          </a:xfrm>
+          <a:prstGeom prst="bentConnector3">
+            <a:avLst/>
+          </a:prstGeom>
+          <a:ln>
+            <a:tailEnd type="triangle"/>
+          </a:ln>
+        </p:spPr>
+        <p:style>
+          <a:lnRef idx="1">
+            <a:schemeClr val="dk1"/>
+          </a:lnRef>
+          <a:fillRef idx="0">
+            <a:schemeClr val="dk1"/>
+          </a:fillRef>
+          <a:effectRef idx="0">
+            <a:schemeClr val="dk1"/>
+          </a:effectRef>
+          <a:fontRef idx="minor">
+            <a:schemeClr val="tx1"/>
+          </a:fontRef>
+        </p:style>
+      </p:cxnSp>
+      <p:sp>
+        <p:nvSpPr>
+          <p:cNvPr id="17" name="文字方塊 16">
+            <a:extLst>
+              <a:ext uri="{FF2B5EF4-FFF2-40B4-BE49-F238E27FC236}">
+                <a16:creationId xmlns:a16="http://schemas.microsoft.com/office/drawing/2014/main" id="{F155F9E7-F38E-4F71-93FD-7D6EB1852214}"/>
+              </a:ext>
+            </a:extLst>
+          </p:cNvPr>
+          <p:cNvSpPr txBox="1"/>
+          <p:nvPr/>
+        </p:nvSpPr>
+        <p:spPr>
+          <a:xfrm>
+            <a:off x="6162796" y="3422824"/>
+            <a:ext cx="1615391" cy="369332"/>
+          </a:xfrm>
+          <a:prstGeom prst="rect">
+            <a:avLst/>
+          </a:prstGeom>
+          <a:noFill/>
+        </p:spPr>
+        <p:txBody>
+          <a:bodyPr wrap="square" rtlCol="0">
+            <a:spAutoFit/>
+          </a:bodyPr>
+          <a:lstStyle/>
+          <a:p>
+            <a:r>
+              <a:rPr lang="zh-TW" altLang="en-US" dirty="0"/>
+              <a:t>訓練結果數值</a:t>
+            </a:r>
+          </a:p>
+        </p:txBody>
+      </p:sp>
+      <p:cxnSp>
+        <p:nvCxnSpPr>
+          <p:cNvPr id="21" name="直線接點 20">
+            <a:extLst>
+              <a:ext uri="{FF2B5EF4-FFF2-40B4-BE49-F238E27FC236}">
+                <a16:creationId xmlns:a16="http://schemas.microsoft.com/office/drawing/2014/main" id="{0B814480-ACE1-4724-B444-9257F69F5951}"/>
+              </a:ext>
+            </a:extLst>
+          </p:cNvPr>
+          <p:cNvCxnSpPr/>
+          <p:nvPr/>
+        </p:nvCxnSpPr>
+        <p:spPr>
+          <a:xfrm flipH="1">
+            <a:off x="2487930" y="1630680"/>
+            <a:ext cx="2670810" cy="3878868"/>
+          </a:xfrm>
+          <a:prstGeom prst="line">
+            <a:avLst/>
+          </a:prstGeom>
+          <a:ln>
+            <a:prstDash val="lgDashDotDot"/>
+          </a:ln>
+        </p:spPr>
+        <p:style>
+          <a:lnRef idx="1">
+            <a:schemeClr val="dk1"/>
+          </a:lnRef>
+          <a:fillRef idx="0">
+            <a:schemeClr val="dk1"/>
+          </a:fillRef>
+          <a:effectRef idx="0">
+            <a:schemeClr val="dk1"/>
+          </a:effectRef>
+          <a:fontRef idx="minor">
+            <a:schemeClr val="tx1"/>
+          </a:fontRef>
+        </p:style>
+      </p:cxnSp>
+      <p:cxnSp>
+        <p:nvCxnSpPr>
+          <p:cNvPr id="22" name="直線接點 21">
+            <a:extLst>
+              <a:ext uri="{FF2B5EF4-FFF2-40B4-BE49-F238E27FC236}">
+                <a16:creationId xmlns:a16="http://schemas.microsoft.com/office/drawing/2014/main" id="{7918BA02-1866-4CF4-80C5-384A221AD6FE}"/>
+              </a:ext>
+            </a:extLst>
+          </p:cNvPr>
+          <p:cNvCxnSpPr>
+            <a:cxnSpLocks/>
+          </p:cNvCxnSpPr>
+          <p:nvPr/>
+        </p:nvCxnSpPr>
+        <p:spPr>
+          <a:xfrm flipH="1">
+            <a:off x="3227311" y="762000"/>
+            <a:ext cx="2174317" cy="1882140"/>
+          </a:xfrm>
+          <a:prstGeom prst="line">
+            <a:avLst/>
+          </a:prstGeom>
+          <a:ln>
+            <a:prstDash val="lgDashDotDot"/>
+          </a:ln>
+        </p:spPr>
+        <p:style>
+          <a:lnRef idx="1">
+            <a:schemeClr val="dk1"/>
+          </a:lnRef>
+          <a:fillRef idx="0">
+            <a:schemeClr val="dk1"/>
+          </a:fillRef>
+          <a:effectRef idx="0">
+            <a:schemeClr val="dk1"/>
+          </a:effectRef>
+          <a:fontRef idx="minor">
+            <a:schemeClr val="tx1"/>
+          </a:fontRef>
+        </p:style>
+      </p:cxnSp>
+      <p:cxnSp>
+        <p:nvCxnSpPr>
+          <p:cNvPr id="25" name="直線接點 24">
+            <a:extLst>
+              <a:ext uri="{FF2B5EF4-FFF2-40B4-BE49-F238E27FC236}">
+                <a16:creationId xmlns:a16="http://schemas.microsoft.com/office/drawing/2014/main" id="{DB0DEC31-C41A-45E8-8D02-5B6DE6E9329E}"/>
+              </a:ext>
+            </a:extLst>
+          </p:cNvPr>
+          <p:cNvCxnSpPr>
+            <a:cxnSpLocks/>
+          </p:cNvCxnSpPr>
+          <p:nvPr/>
+        </p:nvCxnSpPr>
+        <p:spPr>
+          <a:xfrm>
+            <a:off x="6805614" y="1630680"/>
+            <a:ext cx="2159075" cy="3878868"/>
+          </a:xfrm>
+          <a:prstGeom prst="line">
+            <a:avLst/>
+          </a:prstGeom>
+          <a:ln>
+            <a:prstDash val="lgDashDotDot"/>
+          </a:ln>
+        </p:spPr>
+        <p:style>
+          <a:lnRef idx="1">
+            <a:schemeClr val="dk1"/>
+          </a:lnRef>
+          <a:fillRef idx="0">
+            <a:schemeClr val="dk1"/>
+          </a:fillRef>
+          <a:effectRef idx="0">
+            <a:schemeClr val="dk1"/>
+          </a:effectRef>
+          <a:fontRef idx="minor">
+            <a:schemeClr val="tx1"/>
+          </a:fontRef>
+        </p:style>
+      </p:cxnSp>
+      <p:cxnSp>
+        <p:nvCxnSpPr>
+          <p:cNvPr id="28" name="直線接點 27">
+            <a:extLst>
+              <a:ext uri="{FF2B5EF4-FFF2-40B4-BE49-F238E27FC236}">
+                <a16:creationId xmlns:a16="http://schemas.microsoft.com/office/drawing/2014/main" id="{C1F65EA3-FEE7-4F71-B22D-8720165D98D6}"/>
+              </a:ext>
+            </a:extLst>
+          </p:cNvPr>
+          <p:cNvCxnSpPr>
+            <a:cxnSpLocks/>
+          </p:cNvCxnSpPr>
+          <p:nvPr/>
+        </p:nvCxnSpPr>
+        <p:spPr>
+          <a:xfrm>
+            <a:off x="7048502" y="762000"/>
+            <a:ext cx="2670810" cy="1882140"/>
+          </a:xfrm>
+          <a:prstGeom prst="line">
+            <a:avLst/>
+          </a:prstGeom>
+          <a:ln>
+            <a:prstDash val="lgDashDotDot"/>
+          </a:ln>
+        </p:spPr>
+        <p:style>
+          <a:lnRef idx="1">
+            <a:schemeClr val="dk1"/>
+          </a:lnRef>
+          <a:fillRef idx="0">
+            <a:schemeClr val="dk1"/>
+          </a:fillRef>
+          <a:effectRef idx="0">
+            <a:schemeClr val="dk1"/>
+          </a:effectRef>
+          <a:fontRef idx="minor">
+            <a:schemeClr val="tx1"/>
+          </a:fontRef>
+        </p:style>
+      </p:cxnSp>
+      <p:cxnSp>
+        <p:nvCxnSpPr>
+          <p:cNvPr id="31" name="直線單箭頭接點 30">
+            <a:extLst>
+              <a:ext uri="{FF2B5EF4-FFF2-40B4-BE49-F238E27FC236}">
+                <a16:creationId xmlns:a16="http://schemas.microsoft.com/office/drawing/2014/main" id="{13BA3D16-37DD-4583-8CC1-C9483C67F4A8}"/>
+              </a:ext>
+            </a:extLst>
+          </p:cNvPr>
+          <p:cNvCxnSpPr>
+            <a:cxnSpLocks/>
+          </p:cNvCxnSpPr>
+          <p:nvPr/>
+        </p:nvCxnSpPr>
+        <p:spPr>
+          <a:xfrm>
+            <a:off x="3370741" y="1163836"/>
+            <a:ext cx="1908931" cy="0"/>
+          </a:xfrm>
+          <a:prstGeom prst="straightConnector1">
+            <a:avLst/>
+          </a:prstGeom>
+          <a:ln>
+            <a:tailEnd type="triangle"/>
+          </a:ln>
+        </p:spPr>
+        <p:style>
+          <a:lnRef idx="1">
+            <a:schemeClr val="dk1"/>
+          </a:lnRef>
+          <a:fillRef idx="0">
+            <a:schemeClr val="dk1"/>
+          </a:fillRef>
+          <a:effectRef idx="0">
+            <a:schemeClr val="dk1"/>
+          </a:effectRef>
+          <a:fontRef idx="minor">
+            <a:schemeClr val="tx1"/>
+          </a:fontRef>
+        </p:style>
+      </p:cxnSp>
+      <p:sp>
+        <p:nvSpPr>
+          <p:cNvPr id="32" name="文字方塊 31">
+            <a:extLst>
+              <a:ext uri="{FF2B5EF4-FFF2-40B4-BE49-F238E27FC236}">
+                <a16:creationId xmlns:a16="http://schemas.microsoft.com/office/drawing/2014/main" id="{EAFBBAF6-67D1-4D15-B2B1-452DC05707DB}"/>
+              </a:ext>
+            </a:extLst>
+          </p:cNvPr>
+          <p:cNvSpPr txBox="1"/>
+          <p:nvPr/>
+        </p:nvSpPr>
+        <p:spPr>
+          <a:xfrm>
+            <a:off x="3405152" y="762000"/>
+            <a:ext cx="1238491" cy="369332"/>
+          </a:xfrm>
+          <a:prstGeom prst="rect">
+            <a:avLst/>
+          </a:prstGeom>
+          <a:noFill/>
+        </p:spPr>
+        <p:txBody>
+          <a:bodyPr wrap="square" rtlCol="0">
+            <a:spAutoFit/>
+          </a:bodyPr>
+          <a:lstStyle/>
+          <a:p>
+            <a:r>
+              <a:rPr lang="zh-TW" altLang="en-US" dirty="0"/>
+              <a:t>訓練資料</a:t>
+            </a:r>
+          </a:p>
+        </p:txBody>
+      </p:sp>
+      <p:sp>
+        <p:nvSpPr>
+          <p:cNvPr id="33" name="文字方塊 32">
+            <a:extLst>
+              <a:ext uri="{FF2B5EF4-FFF2-40B4-BE49-F238E27FC236}">
+                <a16:creationId xmlns:a16="http://schemas.microsoft.com/office/drawing/2014/main" id="{A1F1A761-29B3-4762-BC08-A93C04CA9D77}"/>
+              </a:ext>
+            </a:extLst>
+          </p:cNvPr>
+          <p:cNvSpPr txBox="1"/>
+          <p:nvPr/>
+        </p:nvSpPr>
+        <p:spPr>
+          <a:xfrm>
+            <a:off x="6448353" y="1319343"/>
+            <a:ext cx="457297" cy="369332"/>
+          </a:xfrm>
+          <a:prstGeom prst="rect">
+            <a:avLst/>
+          </a:prstGeom>
+          <a:noFill/>
+        </p:spPr>
+        <p:txBody>
+          <a:bodyPr wrap="square" rtlCol="0">
+            <a:spAutoFit/>
+          </a:bodyPr>
+          <a:lstStyle/>
+          <a:p>
+            <a:r>
+              <a:rPr lang="en-US" altLang="zh-TW" dirty="0"/>
+              <a:t>A0</a:t>
+            </a:r>
+          </a:p>
+        </p:txBody>
+      </p:sp>
+      <p:sp>
+        <p:nvSpPr>
+          <p:cNvPr id="34" name="文字方塊 33">
+            <a:extLst>
+              <a:ext uri="{FF2B5EF4-FFF2-40B4-BE49-F238E27FC236}">
+                <a16:creationId xmlns:a16="http://schemas.microsoft.com/office/drawing/2014/main" id="{418FD7DA-84AD-455E-B845-92399372B4AC}"/>
+              </a:ext>
+            </a:extLst>
+          </p:cNvPr>
+          <p:cNvSpPr txBox="1"/>
+          <p:nvPr/>
+        </p:nvSpPr>
+        <p:spPr>
+          <a:xfrm>
+            <a:off x="4771024" y="3657600"/>
+            <a:ext cx="457297" cy="369332"/>
+          </a:xfrm>
+          <a:prstGeom prst="rect">
+            <a:avLst/>
+          </a:prstGeom>
+          <a:noFill/>
+        </p:spPr>
+        <p:txBody>
+          <a:bodyPr wrap="square" rtlCol="0">
+            <a:spAutoFit/>
+          </a:bodyPr>
+          <a:lstStyle/>
+          <a:p>
+            <a:r>
+              <a:rPr lang="en-US" altLang="zh-TW" dirty="0"/>
+              <a:t>A1</a:t>
+            </a:r>
+          </a:p>
+        </p:txBody>
+      </p:sp>
+      <p:sp>
+        <p:nvSpPr>
+          <p:cNvPr id="35" name="文字方塊 34">
+            <a:extLst>
+              <a:ext uri="{FF2B5EF4-FFF2-40B4-BE49-F238E27FC236}">
+                <a16:creationId xmlns:a16="http://schemas.microsoft.com/office/drawing/2014/main" id="{E25553D7-90E9-42F9-A28E-5E036C3AB5FA}"/>
+              </a:ext>
+            </a:extLst>
+          </p:cNvPr>
+          <p:cNvSpPr txBox="1"/>
+          <p:nvPr/>
+        </p:nvSpPr>
+        <p:spPr>
+          <a:xfrm>
+            <a:off x="8007010" y="4823263"/>
+            <a:ext cx="457297" cy="369332"/>
+          </a:xfrm>
+          <a:prstGeom prst="rect">
+            <a:avLst/>
+          </a:prstGeom>
+          <a:noFill/>
+        </p:spPr>
+        <p:txBody>
+          <a:bodyPr wrap="square" rtlCol="0">
+            <a:spAutoFit/>
+          </a:bodyPr>
+          <a:lstStyle/>
+          <a:p>
+            <a:r>
+              <a:rPr lang="en-US" altLang="zh-TW" dirty="0"/>
+              <a:t>A2</a:t>
+            </a:r>
+          </a:p>
+        </p:txBody>
+      </p:sp>
+    </p:spTree>
+    <p:extLst>
+      <p:ext uri="{BB962C8B-B14F-4D97-AF65-F5344CB8AC3E}">
+        <p14:creationId xmlns:p14="http://schemas.microsoft.com/office/powerpoint/2010/main" val="260090319"/>
+      </p:ext>
+    </p:extLst>
+  </p:cSld>
+  <p:clrMapOvr>
+    <a:masterClrMapping/>
+  </p:clrMapOvr>
+</p:sld>
+</file>
+
+<file path=ppt/slides/slide6.xml><?xml version="1.0" encoding="utf-8"?>
+<p:sld xmlns:a="http://schemas.openxmlformats.org/drawingml/2006/main" xmlns:r="http://schemas.openxmlformats.org/officeDocument/2006/relationships" xmlns:p="http://schemas.openxmlformats.org/presentationml/2006/main">
+  <p:cSld>
+    <p:spTree>
+      <p:nvGrpSpPr>
+        <p:cNvPr id="1" name=""/>
+        <p:cNvGrpSpPr/>
+        <p:nvPr/>
+      </p:nvGrpSpPr>
+      <p:grpSpPr>
+        <a:xfrm>
+          <a:off x="0" y="0"/>
+          <a:ext cx="0" cy="0"/>
+          <a:chOff x="0" y="0"/>
+          <a:chExt cx="0" cy="0"/>
+        </a:xfrm>
+      </p:grpSpPr>
+      <p:sp>
+        <p:nvSpPr>
+          <p:cNvPr id="3" name="平行四邊形 2">
+            <a:extLst>
+              <a:ext uri="{FF2B5EF4-FFF2-40B4-BE49-F238E27FC236}">
+                <a16:creationId xmlns:a16="http://schemas.microsoft.com/office/drawing/2014/main" id="{69AC2631-DE6C-47D0-98F4-94E3A537F128}"/>
+              </a:ext>
+            </a:extLst>
+          </p:cNvPr>
+          <p:cNvSpPr/>
+          <p:nvPr/>
+        </p:nvSpPr>
+        <p:spPr>
+          <a:xfrm>
+            <a:off x="2453588" y="3381199"/>
+            <a:ext cx="2220989" cy="868680"/>
+          </a:xfrm>
+          <a:prstGeom prst="parallelogram">
+            <a:avLst/>
+          </a:prstGeom>
+        </p:spPr>
+        <p:style>
+          <a:lnRef idx="2">
+            <a:schemeClr val="dk1"/>
+          </a:lnRef>
+          <a:fillRef idx="1">
+            <a:schemeClr val="lt1"/>
+          </a:fillRef>
+          <a:effectRef idx="0">
+            <a:schemeClr val="dk1"/>
+          </a:effectRef>
+          <a:fontRef idx="minor">
+            <a:schemeClr val="dk1"/>
+          </a:fontRef>
+        </p:style>
+        <p:txBody>
+          <a:bodyPr rtlCol="0" anchor="ctr"/>
+          <a:lstStyle/>
+          <a:p>
+            <a:pPr algn="ctr"/>
+            <a:r>
+              <a:rPr lang="zh-TW" altLang="en-US" dirty="0"/>
+              <a:t>設定訓練資料</a:t>
+            </a:r>
+          </a:p>
+        </p:txBody>
+      </p:sp>
+      <p:sp>
+        <p:nvSpPr>
+          <p:cNvPr id="4" name="平行四邊形 3">
+            <a:extLst>
+              <a:ext uri="{FF2B5EF4-FFF2-40B4-BE49-F238E27FC236}">
+                <a16:creationId xmlns:a16="http://schemas.microsoft.com/office/drawing/2014/main" id="{B06B7567-7C8B-4E15-B694-7B0C839E15FC}"/>
+              </a:ext>
+            </a:extLst>
+          </p:cNvPr>
+          <p:cNvSpPr/>
+          <p:nvPr/>
+        </p:nvSpPr>
+        <p:spPr>
+          <a:xfrm>
+            <a:off x="3737317" y="662354"/>
+            <a:ext cx="3169920" cy="1630680"/>
+          </a:xfrm>
+          <a:prstGeom prst="parallelogram">
+            <a:avLst/>
+          </a:prstGeom>
+          <a:noFill/>
+        </p:spPr>
+        <p:style>
+          <a:lnRef idx="2">
+            <a:schemeClr val="dk1"/>
+          </a:lnRef>
+          <a:fillRef idx="1">
+            <a:schemeClr val="lt1"/>
+          </a:fillRef>
+          <a:effectRef idx="0">
+            <a:schemeClr val="dk1"/>
+          </a:effectRef>
+          <a:fontRef idx="minor">
+            <a:schemeClr val="dk1"/>
+          </a:fontRef>
+        </p:style>
+        <p:txBody>
+          <a:bodyPr rtlCol="0" anchor="ctr"/>
+          <a:lstStyle/>
+          <a:p>
+            <a:pPr algn="ctr"/>
+            <a:endParaRPr lang="zh-TW" altLang="en-US"/>
+          </a:p>
+        </p:txBody>
+      </p:sp>
+      <p:sp>
+        <p:nvSpPr>
+          <p:cNvPr id="5" name="平行四邊形 4">
+            <a:extLst>
+              <a:ext uri="{FF2B5EF4-FFF2-40B4-BE49-F238E27FC236}">
+                <a16:creationId xmlns:a16="http://schemas.microsoft.com/office/drawing/2014/main" id="{4BBA9114-8EB0-492B-8F08-A2310E9CC9FB}"/>
+              </a:ext>
+            </a:extLst>
+          </p:cNvPr>
+          <p:cNvSpPr/>
+          <p:nvPr/>
+        </p:nvSpPr>
+        <p:spPr>
+          <a:xfrm>
+            <a:off x="1714206" y="2925494"/>
+            <a:ext cx="8438571" cy="2865408"/>
+          </a:xfrm>
+          <a:prstGeom prst="parallelogram">
+            <a:avLst/>
+          </a:prstGeom>
+          <a:noFill/>
+        </p:spPr>
+        <p:style>
+          <a:lnRef idx="2">
+            <a:schemeClr val="dk1"/>
+          </a:lnRef>
+          <a:fillRef idx="1">
+            <a:schemeClr val="lt1"/>
+          </a:fillRef>
+          <a:effectRef idx="0">
+            <a:schemeClr val="dk1"/>
+          </a:effectRef>
+          <a:fontRef idx="minor">
+            <a:schemeClr val="dk1"/>
+          </a:fontRef>
+        </p:style>
+        <p:txBody>
+          <a:bodyPr rtlCol="0" anchor="ctr"/>
+          <a:lstStyle/>
+          <a:p>
+            <a:pPr algn="ctr"/>
+            <a:endParaRPr lang="zh-TW" altLang="en-US"/>
+          </a:p>
+        </p:txBody>
+      </p:sp>
+      <p:sp>
+        <p:nvSpPr>
+          <p:cNvPr id="6" name="平行四邊形 5">
+            <a:extLst>
+              <a:ext uri="{FF2B5EF4-FFF2-40B4-BE49-F238E27FC236}">
+                <a16:creationId xmlns:a16="http://schemas.microsoft.com/office/drawing/2014/main" id="{2B4A841F-1D79-4A0A-BD84-8DDFD0AC0F12}"/>
+              </a:ext>
+            </a:extLst>
+          </p:cNvPr>
+          <p:cNvSpPr/>
+          <p:nvPr/>
+        </p:nvSpPr>
+        <p:spPr>
+          <a:xfrm>
+            <a:off x="5077391" y="4127526"/>
+            <a:ext cx="1874520" cy="868680"/>
+          </a:xfrm>
+          <a:prstGeom prst="parallelogram">
+            <a:avLst/>
+          </a:prstGeom>
+        </p:spPr>
+        <p:style>
+          <a:lnRef idx="2">
+            <a:schemeClr val="dk1"/>
+          </a:lnRef>
+          <a:fillRef idx="1">
+            <a:schemeClr val="lt1"/>
+          </a:fillRef>
+          <a:effectRef idx="0">
+            <a:schemeClr val="dk1"/>
+          </a:effectRef>
+          <a:fontRef idx="minor">
+            <a:schemeClr val="dk1"/>
+          </a:fontRef>
+        </p:style>
+        <p:txBody>
+          <a:bodyPr rtlCol="0" anchor="ctr"/>
+          <a:lstStyle/>
+          <a:p>
+            <a:pPr algn="ctr"/>
+            <a:r>
+              <a:rPr lang="zh-TW" altLang="en-US" dirty="0"/>
+              <a:t>感知機學習</a:t>
+            </a:r>
+          </a:p>
+        </p:txBody>
+      </p:sp>
+      <p:sp>
+        <p:nvSpPr>
+          <p:cNvPr id="7" name="平行四邊形 6">
+            <a:extLst>
+              <a:ext uri="{FF2B5EF4-FFF2-40B4-BE49-F238E27FC236}">
+                <a16:creationId xmlns:a16="http://schemas.microsoft.com/office/drawing/2014/main" id="{5B9D6BB6-07B6-403E-BB5E-1DDD5433FC49}"/>
+              </a:ext>
+            </a:extLst>
+          </p:cNvPr>
+          <p:cNvSpPr/>
+          <p:nvPr/>
+        </p:nvSpPr>
+        <p:spPr>
+          <a:xfrm>
+            <a:off x="4385017" y="1043354"/>
+            <a:ext cx="1874520" cy="868680"/>
+          </a:xfrm>
+          <a:prstGeom prst="parallelogram">
+            <a:avLst/>
+          </a:prstGeom>
+        </p:spPr>
+        <p:style>
+          <a:lnRef idx="2">
+            <a:schemeClr val="dk1"/>
+          </a:lnRef>
+          <a:fillRef idx="1">
+            <a:schemeClr val="lt1"/>
+          </a:fillRef>
+          <a:effectRef idx="0">
+            <a:schemeClr val="dk1"/>
+          </a:effectRef>
+          <a:fontRef idx="minor">
+            <a:schemeClr val="dk1"/>
+          </a:fontRef>
+        </p:style>
+        <p:txBody>
+          <a:bodyPr rtlCol="0" anchor="ctr"/>
+          <a:lstStyle/>
+          <a:p>
+            <a:pPr algn="ctr"/>
+            <a:r>
+              <a:rPr lang="zh-TW" altLang="en-US" dirty="0"/>
+              <a:t>感知機訓練</a:t>
+            </a:r>
+          </a:p>
+        </p:txBody>
+      </p:sp>
+      <p:cxnSp>
+        <p:nvCxnSpPr>
+          <p:cNvPr id="9" name="直線單箭頭接點 8">
+            <a:extLst>
+              <a:ext uri="{FF2B5EF4-FFF2-40B4-BE49-F238E27FC236}">
+                <a16:creationId xmlns:a16="http://schemas.microsoft.com/office/drawing/2014/main" id="{FFCC8A8B-6688-4CC1-9862-B6B581D220FA}"/>
+              </a:ext>
+            </a:extLst>
+          </p:cNvPr>
+          <p:cNvCxnSpPr>
+            <a:cxnSpLocks/>
+            <a:endCxn id="3" idx="5"/>
+          </p:cNvCxnSpPr>
+          <p:nvPr/>
+        </p:nvCxnSpPr>
+        <p:spPr>
+          <a:xfrm>
+            <a:off x="999711" y="3815539"/>
+            <a:ext cx="1562462" cy="0"/>
+          </a:xfrm>
+          <a:prstGeom prst="straightConnector1">
+            <a:avLst/>
+          </a:prstGeom>
+          <a:ln>
+            <a:tailEnd type="triangle"/>
+          </a:ln>
+        </p:spPr>
+        <p:style>
+          <a:lnRef idx="1">
+            <a:schemeClr val="dk1"/>
+          </a:lnRef>
+          <a:fillRef idx="0">
+            <a:schemeClr val="dk1"/>
+          </a:fillRef>
+          <a:effectRef idx="0">
+            <a:schemeClr val="dk1"/>
+          </a:effectRef>
+          <a:fontRef idx="minor">
+            <a:schemeClr val="tx1"/>
+          </a:fontRef>
+        </p:style>
+      </p:cxnSp>
+      <p:sp>
+        <p:nvSpPr>
+          <p:cNvPr id="11" name="文字方塊 10">
+            <a:extLst>
+              <a:ext uri="{FF2B5EF4-FFF2-40B4-BE49-F238E27FC236}">
+                <a16:creationId xmlns:a16="http://schemas.microsoft.com/office/drawing/2014/main" id="{90E01425-73EB-4D2B-A62B-2DD37AE21D9B}"/>
+              </a:ext>
+            </a:extLst>
+          </p:cNvPr>
+          <p:cNvSpPr txBox="1"/>
+          <p:nvPr/>
+        </p:nvSpPr>
+        <p:spPr>
+          <a:xfrm>
+            <a:off x="1034122" y="3413703"/>
+            <a:ext cx="1238491" cy="369332"/>
+          </a:xfrm>
+          <a:prstGeom prst="rect">
+            <a:avLst/>
+          </a:prstGeom>
+          <a:noFill/>
+        </p:spPr>
+        <p:txBody>
+          <a:bodyPr wrap="square" rtlCol="0">
+            <a:spAutoFit/>
+          </a:bodyPr>
+          <a:lstStyle/>
+          <a:p>
+            <a:r>
+              <a:rPr lang="zh-TW" altLang="en-US" dirty="0"/>
+              <a:t>訓練資料</a:t>
+            </a:r>
+          </a:p>
+        </p:txBody>
+      </p:sp>
+      <p:cxnSp>
+        <p:nvCxnSpPr>
+          <p:cNvPr id="16" name="接點: 肘形 15">
+            <a:extLst>
+              <a:ext uri="{FF2B5EF4-FFF2-40B4-BE49-F238E27FC236}">
+                <a16:creationId xmlns:a16="http://schemas.microsoft.com/office/drawing/2014/main" id="{75AAA03D-F87A-4D44-BB54-84B174619059}"/>
+              </a:ext>
+            </a:extLst>
+          </p:cNvPr>
+          <p:cNvCxnSpPr>
+            <a:cxnSpLocks/>
+            <a:stCxn id="3" idx="2"/>
+            <a:endCxn id="6" idx="5"/>
+          </p:cNvCxnSpPr>
+          <p:nvPr/>
+        </p:nvCxnSpPr>
+        <p:spPr>
+          <a:xfrm>
+            <a:off x="4565992" y="3815539"/>
+            <a:ext cx="619984" cy="746327"/>
+          </a:xfrm>
+          <a:prstGeom prst="bentConnector3">
+            <a:avLst/>
+          </a:prstGeom>
+          <a:ln>
+            <a:tailEnd type="triangle"/>
+          </a:ln>
+        </p:spPr>
+        <p:style>
+          <a:lnRef idx="1">
+            <a:schemeClr val="dk1"/>
+          </a:lnRef>
+          <a:fillRef idx="0">
+            <a:schemeClr val="dk1"/>
+          </a:fillRef>
+          <a:effectRef idx="0">
+            <a:schemeClr val="dk1"/>
+          </a:effectRef>
+          <a:fontRef idx="minor">
+            <a:schemeClr val="tx1"/>
+          </a:fontRef>
+        </p:style>
+      </p:cxnSp>
+      <p:sp>
+        <p:nvSpPr>
+          <p:cNvPr id="17" name="文字方塊 16">
+            <a:extLst>
+              <a:ext uri="{FF2B5EF4-FFF2-40B4-BE49-F238E27FC236}">
+                <a16:creationId xmlns:a16="http://schemas.microsoft.com/office/drawing/2014/main" id="{F155F9E7-F38E-4F71-93FD-7D6EB1852214}"/>
+              </a:ext>
+            </a:extLst>
+          </p:cNvPr>
+          <p:cNvSpPr txBox="1"/>
+          <p:nvPr/>
+        </p:nvSpPr>
+        <p:spPr>
+          <a:xfrm>
+            <a:off x="7036801" y="1067712"/>
+            <a:ext cx="1615391" cy="369332"/>
+          </a:xfrm>
+          <a:prstGeom prst="rect">
+            <a:avLst/>
+          </a:prstGeom>
+          <a:noFill/>
+        </p:spPr>
+        <p:txBody>
+          <a:bodyPr wrap="square" rtlCol="0">
+            <a:spAutoFit/>
+          </a:bodyPr>
+          <a:lstStyle/>
+          <a:p>
+            <a:r>
+              <a:rPr lang="zh-TW" altLang="en-US" dirty="0"/>
+              <a:t>訓練結果數值</a:t>
+            </a:r>
+          </a:p>
+        </p:txBody>
+      </p:sp>
+      <p:cxnSp>
+        <p:nvCxnSpPr>
+          <p:cNvPr id="21" name="直線接點 20">
+            <a:extLst>
+              <a:ext uri="{FF2B5EF4-FFF2-40B4-BE49-F238E27FC236}">
+                <a16:creationId xmlns:a16="http://schemas.microsoft.com/office/drawing/2014/main" id="{0B814480-ACE1-4724-B444-9257F69F5951}"/>
+              </a:ext>
+            </a:extLst>
+          </p:cNvPr>
+          <p:cNvCxnSpPr/>
+          <p:nvPr/>
+        </p:nvCxnSpPr>
+        <p:spPr>
+          <a:xfrm flipH="1">
+            <a:off x="1714207" y="1912034"/>
+            <a:ext cx="2670810" cy="3878868"/>
+          </a:xfrm>
+          <a:prstGeom prst="line">
+            <a:avLst/>
+          </a:prstGeom>
+          <a:ln>
+            <a:prstDash val="lgDashDotDot"/>
+          </a:ln>
+        </p:spPr>
+        <p:style>
+          <a:lnRef idx="1">
+            <a:schemeClr val="dk1"/>
+          </a:lnRef>
+          <a:fillRef idx="0">
+            <a:schemeClr val="dk1"/>
+          </a:fillRef>
+          <a:effectRef idx="0">
+            <a:schemeClr val="dk1"/>
+          </a:effectRef>
+          <a:fontRef idx="minor">
+            <a:schemeClr val="tx1"/>
+          </a:fontRef>
+        </p:style>
+      </p:cxnSp>
+      <p:cxnSp>
+        <p:nvCxnSpPr>
+          <p:cNvPr id="22" name="直線接點 21">
+            <a:extLst>
+              <a:ext uri="{FF2B5EF4-FFF2-40B4-BE49-F238E27FC236}">
+                <a16:creationId xmlns:a16="http://schemas.microsoft.com/office/drawing/2014/main" id="{7918BA02-1866-4CF4-80C5-384A221AD6FE}"/>
+              </a:ext>
+            </a:extLst>
+          </p:cNvPr>
+          <p:cNvCxnSpPr>
+            <a:cxnSpLocks/>
+          </p:cNvCxnSpPr>
+          <p:nvPr/>
+        </p:nvCxnSpPr>
+        <p:spPr>
+          <a:xfrm flipH="1">
+            <a:off x="2453588" y="1043354"/>
+            <a:ext cx="2174317" cy="1882140"/>
+          </a:xfrm>
+          <a:prstGeom prst="line">
+            <a:avLst/>
+          </a:prstGeom>
+          <a:ln>
+            <a:prstDash val="lgDashDotDot"/>
+          </a:ln>
+        </p:spPr>
+        <p:style>
+          <a:lnRef idx="1">
+            <a:schemeClr val="dk1"/>
+          </a:lnRef>
+          <a:fillRef idx="0">
+            <a:schemeClr val="dk1"/>
+          </a:fillRef>
+          <a:effectRef idx="0">
+            <a:schemeClr val="dk1"/>
+          </a:effectRef>
+          <a:fontRef idx="minor">
+            <a:schemeClr val="tx1"/>
+          </a:fontRef>
+        </p:style>
+      </p:cxnSp>
+      <p:cxnSp>
+        <p:nvCxnSpPr>
+          <p:cNvPr id="28" name="直線接點 27">
+            <a:extLst>
+              <a:ext uri="{FF2B5EF4-FFF2-40B4-BE49-F238E27FC236}">
+                <a16:creationId xmlns:a16="http://schemas.microsoft.com/office/drawing/2014/main" id="{C1F65EA3-FEE7-4F71-B22D-8720165D98D6}"/>
+              </a:ext>
+            </a:extLst>
+          </p:cNvPr>
+          <p:cNvCxnSpPr>
+            <a:cxnSpLocks/>
+          </p:cNvCxnSpPr>
+          <p:nvPr/>
+        </p:nvCxnSpPr>
+        <p:spPr>
+          <a:xfrm>
+            <a:off x="6274779" y="1043354"/>
+            <a:ext cx="3877998" cy="1882140"/>
+          </a:xfrm>
+          <a:prstGeom prst="line">
+            <a:avLst/>
+          </a:prstGeom>
+          <a:ln>
+            <a:prstDash val="lgDashDotDot"/>
+          </a:ln>
+        </p:spPr>
+        <p:style>
+          <a:lnRef idx="1">
+            <a:schemeClr val="dk1"/>
+          </a:lnRef>
+          <a:fillRef idx="0">
+            <a:schemeClr val="dk1"/>
+          </a:fillRef>
+          <a:effectRef idx="0">
+            <a:schemeClr val="dk1"/>
+          </a:effectRef>
+          <a:fontRef idx="minor">
+            <a:schemeClr val="tx1"/>
+          </a:fontRef>
+        </p:style>
+      </p:cxnSp>
+      <p:cxnSp>
+        <p:nvCxnSpPr>
+          <p:cNvPr id="31" name="直線單箭頭接點 30">
+            <a:extLst>
+              <a:ext uri="{FF2B5EF4-FFF2-40B4-BE49-F238E27FC236}">
+                <a16:creationId xmlns:a16="http://schemas.microsoft.com/office/drawing/2014/main" id="{13BA3D16-37DD-4583-8CC1-C9483C67F4A8}"/>
+              </a:ext>
+            </a:extLst>
+          </p:cNvPr>
+          <p:cNvCxnSpPr>
+            <a:cxnSpLocks/>
+          </p:cNvCxnSpPr>
+          <p:nvPr/>
+        </p:nvCxnSpPr>
+        <p:spPr>
+          <a:xfrm>
+            <a:off x="2597018" y="1445190"/>
+            <a:ext cx="1908931" cy="0"/>
+          </a:xfrm>
+          <a:prstGeom prst="straightConnector1">
+            <a:avLst/>
+          </a:prstGeom>
+          <a:ln>
+            <a:tailEnd type="triangle"/>
+          </a:ln>
+        </p:spPr>
+        <p:style>
+          <a:lnRef idx="1">
+            <a:schemeClr val="dk1"/>
+          </a:lnRef>
+          <a:fillRef idx="0">
+            <a:schemeClr val="dk1"/>
+          </a:fillRef>
+          <a:effectRef idx="0">
+            <a:schemeClr val="dk1"/>
+          </a:effectRef>
+          <a:fontRef idx="minor">
+            <a:schemeClr val="tx1"/>
+          </a:fontRef>
+        </p:style>
+      </p:cxnSp>
+      <p:sp>
+        <p:nvSpPr>
+          <p:cNvPr id="32" name="文字方塊 31">
+            <a:extLst>
+              <a:ext uri="{FF2B5EF4-FFF2-40B4-BE49-F238E27FC236}">
+                <a16:creationId xmlns:a16="http://schemas.microsoft.com/office/drawing/2014/main" id="{EAFBBAF6-67D1-4D15-B2B1-452DC05707DB}"/>
+              </a:ext>
+            </a:extLst>
+          </p:cNvPr>
+          <p:cNvSpPr txBox="1"/>
+          <p:nvPr/>
+        </p:nvSpPr>
+        <p:spPr>
+          <a:xfrm>
+            <a:off x="2631429" y="1043354"/>
+            <a:ext cx="1238491" cy="369332"/>
+          </a:xfrm>
+          <a:prstGeom prst="rect">
+            <a:avLst/>
+          </a:prstGeom>
+          <a:noFill/>
+        </p:spPr>
+        <p:txBody>
+          <a:bodyPr wrap="square" rtlCol="0">
+            <a:spAutoFit/>
+          </a:bodyPr>
+          <a:lstStyle/>
+          <a:p>
+            <a:r>
+              <a:rPr lang="zh-TW" altLang="en-US" dirty="0"/>
+              <a:t>訓練資料</a:t>
+            </a:r>
+          </a:p>
+        </p:txBody>
+      </p:sp>
+      <p:sp>
+        <p:nvSpPr>
+          <p:cNvPr id="33" name="文字方塊 32">
+            <a:extLst>
+              <a:ext uri="{FF2B5EF4-FFF2-40B4-BE49-F238E27FC236}">
+                <a16:creationId xmlns:a16="http://schemas.microsoft.com/office/drawing/2014/main" id="{A1F1A761-29B3-4762-BC08-A93C04CA9D77}"/>
+              </a:ext>
+            </a:extLst>
+          </p:cNvPr>
+          <p:cNvSpPr txBox="1"/>
+          <p:nvPr/>
+        </p:nvSpPr>
+        <p:spPr>
+          <a:xfrm>
+            <a:off x="5674630" y="1600697"/>
+            <a:ext cx="457297" cy="369332"/>
+          </a:xfrm>
+          <a:prstGeom prst="rect">
+            <a:avLst/>
+          </a:prstGeom>
+          <a:noFill/>
+        </p:spPr>
+        <p:txBody>
+          <a:bodyPr wrap="square" rtlCol="0">
+            <a:spAutoFit/>
+          </a:bodyPr>
+          <a:lstStyle/>
+          <a:p>
+            <a:r>
+              <a:rPr lang="en-US" altLang="zh-TW" dirty="0"/>
+              <a:t>A1</a:t>
+            </a:r>
+          </a:p>
+        </p:txBody>
+      </p:sp>
+      <p:sp>
+        <p:nvSpPr>
+          <p:cNvPr id="34" name="文字方塊 33">
+            <a:extLst>
+              <a:ext uri="{FF2B5EF4-FFF2-40B4-BE49-F238E27FC236}">
+                <a16:creationId xmlns:a16="http://schemas.microsoft.com/office/drawing/2014/main" id="{418FD7DA-84AD-455E-B845-92399372B4AC}"/>
+              </a:ext>
+            </a:extLst>
+          </p:cNvPr>
+          <p:cNvSpPr txBox="1"/>
+          <p:nvPr/>
+        </p:nvSpPr>
+        <p:spPr>
+          <a:xfrm>
+            <a:off x="3869921" y="3938954"/>
+            <a:ext cx="584678" cy="369332"/>
+          </a:xfrm>
+          <a:prstGeom prst="rect">
+            <a:avLst/>
+          </a:prstGeom>
+          <a:noFill/>
+        </p:spPr>
+        <p:txBody>
+          <a:bodyPr wrap="square" rtlCol="0">
+            <a:spAutoFit/>
+          </a:bodyPr>
+          <a:lstStyle/>
+          <a:p>
+            <a:r>
+              <a:rPr lang="en-US" altLang="zh-TW" dirty="0"/>
+              <a:t>A11</a:t>
+            </a:r>
+          </a:p>
+        </p:txBody>
+      </p:sp>
+      <p:sp>
+        <p:nvSpPr>
+          <p:cNvPr id="35" name="文字方塊 34">
+            <a:extLst>
+              <a:ext uri="{FF2B5EF4-FFF2-40B4-BE49-F238E27FC236}">
+                <a16:creationId xmlns:a16="http://schemas.microsoft.com/office/drawing/2014/main" id="{E25553D7-90E9-42F9-A28E-5E036C3AB5FA}"/>
+              </a:ext>
+            </a:extLst>
+          </p:cNvPr>
+          <p:cNvSpPr txBox="1"/>
+          <p:nvPr/>
+        </p:nvSpPr>
+        <p:spPr>
+          <a:xfrm>
+            <a:off x="6199022" y="4684219"/>
+            <a:ext cx="561687" cy="369332"/>
+          </a:xfrm>
+          <a:prstGeom prst="rect">
+            <a:avLst/>
+          </a:prstGeom>
+          <a:noFill/>
+        </p:spPr>
+        <p:txBody>
+          <a:bodyPr wrap="square" rtlCol="0">
+            <a:spAutoFit/>
+          </a:bodyPr>
+          <a:lstStyle/>
+          <a:p>
+            <a:r>
+              <a:rPr lang="en-US" altLang="zh-TW" dirty="0"/>
+              <a:t>A12</a:t>
+            </a:r>
+          </a:p>
+        </p:txBody>
+      </p:sp>
+      <p:cxnSp>
+        <p:nvCxnSpPr>
+          <p:cNvPr id="8" name="直線單箭頭接點 7">
+            <a:extLst>
+              <a:ext uri="{FF2B5EF4-FFF2-40B4-BE49-F238E27FC236}">
+                <a16:creationId xmlns:a16="http://schemas.microsoft.com/office/drawing/2014/main" id="{E59ECD3D-3179-4C68-8924-B184FE0270D7}"/>
+              </a:ext>
+            </a:extLst>
+          </p:cNvPr>
+          <p:cNvCxnSpPr>
+            <a:cxnSpLocks/>
+            <a:stCxn id="7" idx="2"/>
+          </p:cNvCxnSpPr>
+          <p:nvPr/>
+        </p:nvCxnSpPr>
+        <p:spPr>
+          <a:xfrm>
+            <a:off x="6150952" y="1477694"/>
+            <a:ext cx="2682312" cy="0"/>
+          </a:xfrm>
+          <a:prstGeom prst="straightConnector1">
+            <a:avLst/>
+          </a:prstGeom>
+          <a:ln>
+            <a:tailEnd type="triangle"/>
+          </a:ln>
+        </p:spPr>
+        <p:style>
+          <a:lnRef idx="1">
+            <a:schemeClr val="dk1"/>
+          </a:lnRef>
+          <a:fillRef idx="0">
+            <a:schemeClr val="dk1"/>
+          </a:fillRef>
+          <a:effectRef idx="0">
+            <a:schemeClr val="dk1"/>
+          </a:effectRef>
+          <a:fontRef idx="minor">
+            <a:schemeClr val="tx1"/>
+          </a:fontRef>
+        </p:style>
+      </p:cxnSp>
+      <p:sp>
+        <p:nvSpPr>
+          <p:cNvPr id="29" name="文字方塊 28">
+            <a:extLst>
+              <a:ext uri="{FF2B5EF4-FFF2-40B4-BE49-F238E27FC236}">
+                <a16:creationId xmlns:a16="http://schemas.microsoft.com/office/drawing/2014/main" id="{7D6712A8-49ED-4222-90D5-6588DA3029CF}"/>
+              </a:ext>
+            </a:extLst>
+          </p:cNvPr>
+          <p:cNvSpPr txBox="1"/>
+          <p:nvPr/>
+        </p:nvSpPr>
+        <p:spPr>
+          <a:xfrm>
+            <a:off x="4920445" y="3630873"/>
+            <a:ext cx="1238491" cy="369332"/>
+          </a:xfrm>
+          <a:prstGeom prst="rect">
+            <a:avLst/>
+          </a:prstGeom>
+          <a:noFill/>
+        </p:spPr>
+        <p:txBody>
+          <a:bodyPr wrap="square" rtlCol="0">
+            <a:spAutoFit/>
+          </a:bodyPr>
+          <a:lstStyle/>
+          <a:p>
+            <a:r>
+              <a:rPr lang="zh-TW" altLang="en-US" dirty="0"/>
+              <a:t>訓練數據</a:t>
+            </a:r>
+          </a:p>
+        </p:txBody>
+      </p:sp>
+      <p:sp>
+        <p:nvSpPr>
+          <p:cNvPr id="30" name="平行四邊形 29">
+            <a:extLst>
+              <a:ext uri="{FF2B5EF4-FFF2-40B4-BE49-F238E27FC236}">
+                <a16:creationId xmlns:a16="http://schemas.microsoft.com/office/drawing/2014/main" id="{51661C6A-6F7A-4A3F-B316-24DE629D8ECC}"/>
+              </a:ext>
+            </a:extLst>
+          </p:cNvPr>
+          <p:cNvSpPr/>
+          <p:nvPr/>
+        </p:nvSpPr>
+        <p:spPr>
+          <a:xfrm>
+            <a:off x="7297351" y="4807634"/>
+            <a:ext cx="1874520" cy="868680"/>
+          </a:xfrm>
+          <a:prstGeom prst="parallelogram">
+            <a:avLst/>
+          </a:prstGeom>
+        </p:spPr>
+        <p:style>
+          <a:lnRef idx="2">
+            <a:schemeClr val="dk1"/>
+          </a:lnRef>
+          <a:fillRef idx="1">
+            <a:schemeClr val="lt1"/>
+          </a:fillRef>
+          <a:effectRef idx="0">
+            <a:schemeClr val="dk1"/>
+          </a:effectRef>
+          <a:fontRef idx="minor">
+            <a:schemeClr val="dk1"/>
+          </a:fontRef>
+        </p:style>
+        <p:txBody>
+          <a:bodyPr rtlCol="0" anchor="ctr"/>
+          <a:lstStyle/>
+          <a:p>
+            <a:pPr algn="ctr"/>
+            <a:r>
+              <a:rPr lang="zh-TW" altLang="en-US" dirty="0"/>
+              <a:t>感知機分類性能測試</a:t>
+            </a:r>
+          </a:p>
+        </p:txBody>
+      </p:sp>
+      <p:cxnSp>
+        <p:nvCxnSpPr>
+          <p:cNvPr id="24" name="接點: 肘形 23">
+            <a:extLst>
+              <a:ext uri="{FF2B5EF4-FFF2-40B4-BE49-F238E27FC236}">
+                <a16:creationId xmlns:a16="http://schemas.microsoft.com/office/drawing/2014/main" id="{EA82906F-67FD-40DF-8401-77E5C691BA06}"/>
+              </a:ext>
+            </a:extLst>
+          </p:cNvPr>
+          <p:cNvCxnSpPr>
+            <a:stCxn id="6" idx="2"/>
+            <a:endCxn id="30" idx="5"/>
+          </p:cNvCxnSpPr>
+          <p:nvPr/>
+        </p:nvCxnSpPr>
+        <p:spPr>
+          <a:xfrm>
+            <a:off x="6843326" y="4561866"/>
+            <a:ext cx="562610" cy="680108"/>
+          </a:xfrm>
+          <a:prstGeom prst="bentConnector3">
+            <a:avLst/>
+          </a:prstGeom>
+          <a:ln>
+            <a:tailEnd type="triangle"/>
+          </a:ln>
+        </p:spPr>
+        <p:style>
+          <a:lnRef idx="1">
+            <a:schemeClr val="dk1"/>
+          </a:lnRef>
+          <a:fillRef idx="0">
+            <a:schemeClr val="dk1"/>
+          </a:fillRef>
+          <a:effectRef idx="0">
+            <a:schemeClr val="dk1"/>
+          </a:effectRef>
+          <a:fontRef idx="minor">
+            <a:schemeClr val="tx1"/>
+          </a:fontRef>
+        </p:style>
+      </p:cxnSp>
+      <p:sp>
+        <p:nvSpPr>
+          <p:cNvPr id="36" name="文字方塊 35">
+            <a:extLst>
+              <a:ext uri="{FF2B5EF4-FFF2-40B4-BE49-F238E27FC236}">
+                <a16:creationId xmlns:a16="http://schemas.microsoft.com/office/drawing/2014/main" id="{67959B90-4B2F-4353-A5C6-489E2C6E5E15}"/>
+              </a:ext>
+            </a:extLst>
+          </p:cNvPr>
+          <p:cNvSpPr txBox="1"/>
+          <p:nvPr/>
+        </p:nvSpPr>
+        <p:spPr>
+          <a:xfrm>
+            <a:off x="9776811" y="4208500"/>
+            <a:ext cx="2054451" cy="369332"/>
+          </a:xfrm>
+          <a:prstGeom prst="rect">
+            <a:avLst/>
+          </a:prstGeom>
+          <a:noFill/>
+        </p:spPr>
+        <p:txBody>
+          <a:bodyPr wrap="square" rtlCol="0">
+            <a:spAutoFit/>
+          </a:bodyPr>
+          <a:lstStyle/>
+          <a:p>
+            <a:r>
+              <a:rPr lang="zh-TW" altLang="en-US" dirty="0"/>
+              <a:t>學習後</a:t>
+            </a:r>
+            <a:r>
+              <a:rPr lang="en-US" altLang="zh-TW" dirty="0"/>
+              <a:t>Weight, Bias</a:t>
+            </a:r>
+            <a:endParaRPr lang="zh-TW" altLang="en-US" dirty="0"/>
+          </a:p>
+        </p:txBody>
+      </p:sp>
+      <p:cxnSp>
+        <p:nvCxnSpPr>
+          <p:cNvPr id="27" name="直線單箭頭接點 26">
+            <a:extLst>
+              <a:ext uri="{FF2B5EF4-FFF2-40B4-BE49-F238E27FC236}">
+                <a16:creationId xmlns:a16="http://schemas.microsoft.com/office/drawing/2014/main" id="{58E7BD23-122E-4D4B-B635-236D70C0F758}"/>
+              </a:ext>
+            </a:extLst>
+          </p:cNvPr>
+          <p:cNvCxnSpPr>
+            <a:cxnSpLocks/>
+            <a:stCxn id="30" idx="2"/>
+          </p:cNvCxnSpPr>
+          <p:nvPr/>
+        </p:nvCxnSpPr>
+        <p:spPr>
+          <a:xfrm>
+            <a:off x="9063286" y="5241974"/>
+            <a:ext cx="2326203" cy="0"/>
+          </a:xfrm>
+          <a:prstGeom prst="straightConnector1">
+            <a:avLst/>
+          </a:prstGeom>
+          <a:ln>
+            <a:tailEnd type="triangle"/>
+          </a:ln>
+        </p:spPr>
+        <p:style>
+          <a:lnRef idx="1">
+            <a:schemeClr val="dk1"/>
+          </a:lnRef>
+          <a:fillRef idx="0">
+            <a:schemeClr val="dk1"/>
+          </a:fillRef>
+          <a:effectRef idx="0">
+            <a:schemeClr val="dk1"/>
+          </a:effectRef>
+          <a:fontRef idx="minor">
+            <a:schemeClr val="tx1"/>
+          </a:fontRef>
+        </p:style>
+      </p:cxnSp>
+      <p:sp>
+        <p:nvSpPr>
+          <p:cNvPr id="38" name="文字方塊 37">
+            <a:extLst>
+              <a:ext uri="{FF2B5EF4-FFF2-40B4-BE49-F238E27FC236}">
+                <a16:creationId xmlns:a16="http://schemas.microsoft.com/office/drawing/2014/main" id="{4BF594F1-9785-4399-9106-0B8F80425CCE}"/>
+              </a:ext>
+            </a:extLst>
+          </p:cNvPr>
+          <p:cNvSpPr txBox="1"/>
+          <p:nvPr/>
+        </p:nvSpPr>
+        <p:spPr>
+          <a:xfrm>
+            <a:off x="9776811" y="4807634"/>
+            <a:ext cx="2054451" cy="369332"/>
+          </a:xfrm>
+          <a:prstGeom prst="rect">
+            <a:avLst/>
+          </a:prstGeom>
+          <a:noFill/>
+        </p:spPr>
+        <p:txBody>
+          <a:bodyPr wrap="square" rtlCol="0">
+            <a:spAutoFit/>
+          </a:bodyPr>
+          <a:lstStyle/>
+          <a:p>
+            <a:r>
+              <a:rPr lang="zh-TW" altLang="en-US" dirty="0"/>
+              <a:t>誤差值</a:t>
+            </a:r>
+          </a:p>
+        </p:txBody>
+      </p:sp>
+      <p:cxnSp>
+        <p:nvCxnSpPr>
+          <p:cNvPr id="42" name="直線單箭頭接點 41">
+            <a:extLst>
+              <a:ext uri="{FF2B5EF4-FFF2-40B4-BE49-F238E27FC236}">
+                <a16:creationId xmlns:a16="http://schemas.microsoft.com/office/drawing/2014/main" id="{2B2F09BC-72A5-4FB2-B031-C0EA8A50186C}"/>
+              </a:ext>
+            </a:extLst>
+          </p:cNvPr>
+          <p:cNvCxnSpPr>
+            <a:cxnSpLocks/>
+          </p:cNvCxnSpPr>
+          <p:nvPr/>
+        </p:nvCxnSpPr>
+        <p:spPr>
+          <a:xfrm>
+            <a:off x="7136894" y="4561866"/>
+            <a:ext cx="4264169" cy="0"/>
+          </a:xfrm>
+          <a:prstGeom prst="straightConnector1">
+            <a:avLst/>
+          </a:prstGeom>
+          <a:ln>
+            <a:tailEnd type="triangle"/>
+          </a:ln>
+        </p:spPr>
+        <p:style>
+          <a:lnRef idx="1">
+            <a:schemeClr val="dk1"/>
+          </a:lnRef>
+          <a:fillRef idx="0">
+            <a:schemeClr val="dk1"/>
+          </a:fillRef>
+          <a:effectRef idx="0">
+            <a:schemeClr val="dk1"/>
+          </a:effectRef>
+          <a:fontRef idx="minor">
+            <a:schemeClr val="tx1"/>
+          </a:fontRef>
+        </p:style>
+      </p:cxnSp>
+      <p:sp>
+        <p:nvSpPr>
+          <p:cNvPr id="43" name="文字方塊 42">
+            <a:extLst>
+              <a:ext uri="{FF2B5EF4-FFF2-40B4-BE49-F238E27FC236}">
+                <a16:creationId xmlns:a16="http://schemas.microsoft.com/office/drawing/2014/main" id="{33FABA39-435D-48A9-939B-94EB8FC64A9A}"/>
+              </a:ext>
+            </a:extLst>
+          </p:cNvPr>
+          <p:cNvSpPr txBox="1"/>
+          <p:nvPr/>
+        </p:nvSpPr>
+        <p:spPr>
+          <a:xfrm>
+            <a:off x="8452373" y="5392873"/>
+            <a:ext cx="561687" cy="369332"/>
+          </a:xfrm>
+          <a:prstGeom prst="rect">
+            <a:avLst/>
+          </a:prstGeom>
+          <a:noFill/>
+        </p:spPr>
+        <p:txBody>
+          <a:bodyPr wrap="square" rtlCol="0">
+            <a:spAutoFit/>
+          </a:bodyPr>
+          <a:lstStyle/>
+          <a:p>
+            <a:r>
+              <a:rPr lang="en-US" altLang="zh-TW" dirty="0"/>
+              <a:t>A13</a:t>
+            </a:r>
+          </a:p>
+        </p:txBody>
+      </p:sp>
+      <p:cxnSp>
+        <p:nvCxnSpPr>
+          <p:cNvPr id="25" name="直線接點 24">
+            <a:extLst>
+              <a:ext uri="{FF2B5EF4-FFF2-40B4-BE49-F238E27FC236}">
+                <a16:creationId xmlns:a16="http://schemas.microsoft.com/office/drawing/2014/main" id="{DB0DEC31-C41A-45E8-8D02-5B6DE6E9329E}"/>
+              </a:ext>
+            </a:extLst>
+          </p:cNvPr>
+          <p:cNvCxnSpPr>
+            <a:cxnSpLocks/>
+          </p:cNvCxnSpPr>
+          <p:nvPr/>
+        </p:nvCxnSpPr>
+        <p:spPr>
+          <a:xfrm>
+            <a:off x="6031891" y="1912034"/>
+            <a:ext cx="3414832" cy="3907977"/>
+          </a:xfrm>
+          <a:prstGeom prst="line">
+            <a:avLst/>
+          </a:prstGeom>
+          <a:ln>
+            <a:prstDash val="lgDashDotDot"/>
+          </a:ln>
+        </p:spPr>
+        <p:style>
+          <a:lnRef idx="1">
+            <a:schemeClr val="dk1"/>
+          </a:lnRef>
+          <a:fillRef idx="0">
+            <a:schemeClr val="dk1"/>
+          </a:fillRef>
+          <a:effectRef idx="0">
+            <a:schemeClr val="dk1"/>
+          </a:effectRef>
+          <a:fontRef idx="minor">
+            <a:schemeClr val="tx1"/>
+          </a:fontRef>
+        </p:style>
+      </p:cxnSp>
+    </p:spTree>
+    <p:extLst>
+      <p:ext uri="{BB962C8B-B14F-4D97-AF65-F5344CB8AC3E}">
+        <p14:creationId xmlns:p14="http://schemas.microsoft.com/office/powerpoint/2010/main" val="1514707813"/>
+      </p:ext>
+    </p:extLst>
+  </p:cSld>
+  <p:clrMapOvr>
+    <a:masterClrMapping/>
+  </p:clrMapOvr>
+</p:sld>
+</file>
+
+<file path=ppt/slides/slide7.xml><?xml version="1.0" encoding="utf-8"?>
+<p:sld xmlns:a="http://schemas.openxmlformats.org/drawingml/2006/main" xmlns:r="http://schemas.openxmlformats.org/officeDocument/2006/relationships" xmlns:p="http://schemas.openxmlformats.org/presentationml/2006/main">
+  <p:cSld>
+    <p:spTree>
+      <p:nvGrpSpPr>
+        <p:cNvPr id="1" name=""/>
+        <p:cNvGrpSpPr/>
+        <p:nvPr/>
+      </p:nvGrpSpPr>
+      <p:grpSpPr>
+        <a:xfrm>
+          <a:off x="0" y="0"/>
+          <a:ext cx="0" cy="0"/>
+          <a:chOff x="0" y="0"/>
+          <a:chExt cx="0" cy="0"/>
+        </a:xfrm>
+      </p:grpSpPr>
+      <p:sp>
+        <p:nvSpPr>
+          <p:cNvPr id="3" name="平行四邊形 2">
+            <a:extLst>
+              <a:ext uri="{FF2B5EF4-FFF2-40B4-BE49-F238E27FC236}">
+                <a16:creationId xmlns:a16="http://schemas.microsoft.com/office/drawing/2014/main" id="{69AC2631-DE6C-47D0-98F4-94E3A537F128}"/>
+              </a:ext>
+            </a:extLst>
+          </p:cNvPr>
+          <p:cNvSpPr/>
+          <p:nvPr/>
+        </p:nvSpPr>
+        <p:spPr>
+          <a:xfrm>
+            <a:off x="3227311" y="3208164"/>
+            <a:ext cx="2220989" cy="868680"/>
+          </a:xfrm>
+          <a:prstGeom prst="parallelogram">
+            <a:avLst/>
+          </a:prstGeom>
+        </p:spPr>
+        <p:style>
+          <a:lnRef idx="2">
+            <a:schemeClr val="dk1"/>
+          </a:lnRef>
+          <a:fillRef idx="1">
+            <a:schemeClr val="lt1"/>
+          </a:fillRef>
+          <a:effectRef idx="0">
+            <a:schemeClr val="dk1"/>
+          </a:effectRef>
+          <a:fontRef idx="minor">
+            <a:schemeClr val="dk1"/>
+          </a:fontRef>
+        </p:style>
+        <p:txBody>
+          <a:bodyPr rtlCol="0" anchor="ctr"/>
+          <a:lstStyle/>
+          <a:p>
+            <a:pPr algn="ctr"/>
+            <a:r>
+              <a:rPr lang="zh-TW" altLang="en-US" dirty="0"/>
+              <a:t>紀錄學習過程數值</a:t>
+            </a:r>
+          </a:p>
+        </p:txBody>
+      </p:sp>
+      <p:sp>
+        <p:nvSpPr>
+          <p:cNvPr id="4" name="平行四邊形 3">
+            <a:extLst>
+              <a:ext uri="{FF2B5EF4-FFF2-40B4-BE49-F238E27FC236}">
+                <a16:creationId xmlns:a16="http://schemas.microsoft.com/office/drawing/2014/main" id="{B06B7567-7C8B-4E15-B694-7B0C839E15FC}"/>
+              </a:ext>
+            </a:extLst>
+          </p:cNvPr>
+          <p:cNvSpPr/>
+          <p:nvPr/>
+        </p:nvSpPr>
+        <p:spPr>
+          <a:xfrm>
+            <a:off x="4511040" y="381000"/>
+            <a:ext cx="3169920" cy="1630680"/>
+          </a:xfrm>
+          <a:prstGeom prst="parallelogram">
+            <a:avLst/>
+          </a:prstGeom>
+          <a:noFill/>
+        </p:spPr>
+        <p:style>
+          <a:lnRef idx="2">
+            <a:schemeClr val="dk1"/>
+          </a:lnRef>
+          <a:fillRef idx="1">
+            <a:schemeClr val="lt1"/>
+          </a:fillRef>
+          <a:effectRef idx="0">
+            <a:schemeClr val="dk1"/>
+          </a:effectRef>
+          <a:fontRef idx="minor">
+            <a:schemeClr val="dk1"/>
+          </a:fontRef>
+        </p:style>
+        <p:txBody>
+          <a:bodyPr rtlCol="0" anchor="ctr"/>
+          <a:lstStyle/>
+          <a:p>
+            <a:pPr algn="ctr"/>
+            <a:endParaRPr lang="zh-TW" altLang="en-US"/>
+          </a:p>
+        </p:txBody>
+      </p:sp>
+      <p:sp>
+        <p:nvSpPr>
+          <p:cNvPr id="5" name="平行四邊形 4">
+            <a:extLst>
+              <a:ext uri="{FF2B5EF4-FFF2-40B4-BE49-F238E27FC236}">
+                <a16:creationId xmlns:a16="http://schemas.microsoft.com/office/drawing/2014/main" id="{4BBA9114-8EB0-492B-8F08-A2310E9CC9FB}"/>
+              </a:ext>
+            </a:extLst>
+          </p:cNvPr>
+          <p:cNvSpPr/>
+          <p:nvPr/>
+        </p:nvSpPr>
+        <p:spPr>
+          <a:xfrm>
+            <a:off x="2487929" y="2644140"/>
+            <a:ext cx="7216141" cy="2865408"/>
+          </a:xfrm>
+          <a:prstGeom prst="parallelogram">
+            <a:avLst/>
+          </a:prstGeom>
+          <a:noFill/>
+        </p:spPr>
+        <p:style>
+          <a:lnRef idx="2">
+            <a:schemeClr val="dk1"/>
+          </a:lnRef>
+          <a:fillRef idx="1">
+            <a:schemeClr val="lt1"/>
+          </a:fillRef>
+          <a:effectRef idx="0">
+            <a:schemeClr val="dk1"/>
+          </a:effectRef>
+          <a:fontRef idx="minor">
+            <a:schemeClr val="dk1"/>
+          </a:fontRef>
+        </p:style>
+        <p:txBody>
+          <a:bodyPr rtlCol="0" anchor="ctr"/>
+          <a:lstStyle/>
+          <a:p>
+            <a:pPr algn="ctr"/>
+            <a:endParaRPr lang="zh-TW" altLang="en-US"/>
+          </a:p>
+        </p:txBody>
+      </p:sp>
+      <p:sp>
+        <p:nvSpPr>
+          <p:cNvPr id="6" name="平行四邊形 5">
+            <a:extLst>
+              <a:ext uri="{FF2B5EF4-FFF2-40B4-BE49-F238E27FC236}">
+                <a16:creationId xmlns:a16="http://schemas.microsoft.com/office/drawing/2014/main" id="{2B4A841F-1D79-4A0A-BD84-8DDFD0AC0F12}"/>
+              </a:ext>
+            </a:extLst>
+          </p:cNvPr>
+          <p:cNvSpPr/>
+          <p:nvPr/>
+        </p:nvSpPr>
+        <p:spPr>
+          <a:xfrm>
+            <a:off x="6743700" y="4009517"/>
+            <a:ext cx="1874520" cy="868680"/>
+          </a:xfrm>
+          <a:prstGeom prst="parallelogram">
+            <a:avLst/>
+          </a:prstGeom>
+        </p:spPr>
+        <p:style>
+          <a:lnRef idx="2">
+            <a:schemeClr val="dk1"/>
+          </a:lnRef>
+          <a:fillRef idx="1">
+            <a:schemeClr val="lt1"/>
+          </a:fillRef>
+          <a:effectRef idx="0">
+            <a:schemeClr val="dk1"/>
+          </a:effectRef>
+          <a:fontRef idx="minor">
+            <a:schemeClr val="dk1"/>
+          </a:fontRef>
+        </p:style>
+        <p:txBody>
+          <a:bodyPr rtlCol="0" anchor="ctr"/>
+          <a:lstStyle/>
+          <a:p>
+            <a:pPr algn="ctr"/>
+            <a:r>
+              <a:rPr lang="zh-TW" altLang="en-US" dirty="0"/>
+              <a:t>紀錄誤差值</a:t>
+            </a:r>
+          </a:p>
+        </p:txBody>
+      </p:sp>
+      <p:sp>
+        <p:nvSpPr>
+          <p:cNvPr id="7" name="平行四邊形 6">
+            <a:extLst>
+              <a:ext uri="{FF2B5EF4-FFF2-40B4-BE49-F238E27FC236}">
+                <a16:creationId xmlns:a16="http://schemas.microsoft.com/office/drawing/2014/main" id="{5B9D6BB6-07B6-403E-BB5E-1DDD5433FC49}"/>
+              </a:ext>
+            </a:extLst>
+          </p:cNvPr>
+          <p:cNvSpPr/>
+          <p:nvPr/>
+        </p:nvSpPr>
+        <p:spPr>
+          <a:xfrm>
+            <a:off x="5158740" y="762000"/>
+            <a:ext cx="1874520" cy="868680"/>
+          </a:xfrm>
+          <a:prstGeom prst="parallelogram">
+            <a:avLst/>
+          </a:prstGeom>
+        </p:spPr>
+        <p:style>
+          <a:lnRef idx="2">
+            <a:schemeClr val="dk1"/>
+          </a:lnRef>
+          <a:fillRef idx="1">
+            <a:schemeClr val="lt1"/>
+          </a:fillRef>
+          <a:effectRef idx="0">
+            <a:schemeClr val="dk1"/>
+          </a:effectRef>
+          <a:fontRef idx="minor">
+            <a:schemeClr val="dk1"/>
+          </a:fontRef>
+        </p:style>
+        <p:txBody>
+          <a:bodyPr rtlCol="0" anchor="ctr"/>
+          <a:lstStyle/>
+          <a:p>
+            <a:pPr algn="ctr"/>
+            <a:r>
+              <a:rPr lang="zh-TW" altLang="en-US" dirty="0"/>
+              <a:t>記錄數值</a:t>
+            </a:r>
+          </a:p>
+        </p:txBody>
+      </p:sp>
+      <p:cxnSp>
+        <p:nvCxnSpPr>
+          <p:cNvPr id="9" name="直線單箭頭接點 8">
+            <a:extLst>
+              <a:ext uri="{FF2B5EF4-FFF2-40B4-BE49-F238E27FC236}">
+                <a16:creationId xmlns:a16="http://schemas.microsoft.com/office/drawing/2014/main" id="{FFCC8A8B-6688-4CC1-9862-B6B581D220FA}"/>
+              </a:ext>
+            </a:extLst>
+          </p:cNvPr>
+          <p:cNvCxnSpPr>
+            <a:cxnSpLocks/>
+            <a:endCxn id="3" idx="5"/>
+          </p:cNvCxnSpPr>
+          <p:nvPr/>
+        </p:nvCxnSpPr>
+        <p:spPr>
+          <a:xfrm>
+            <a:off x="1250066" y="3642504"/>
+            <a:ext cx="2085830" cy="0"/>
+          </a:xfrm>
+          <a:prstGeom prst="straightConnector1">
+            <a:avLst/>
+          </a:prstGeom>
+          <a:ln>
+            <a:tailEnd type="triangle"/>
+          </a:ln>
+        </p:spPr>
+        <p:style>
+          <a:lnRef idx="1">
+            <a:schemeClr val="dk1"/>
+          </a:lnRef>
+          <a:fillRef idx="0">
+            <a:schemeClr val="dk1"/>
+          </a:fillRef>
+          <a:effectRef idx="0">
+            <a:schemeClr val="dk1"/>
+          </a:effectRef>
+          <a:fontRef idx="minor">
+            <a:schemeClr val="tx1"/>
+          </a:fontRef>
+        </p:style>
+      </p:cxnSp>
+      <p:cxnSp>
+        <p:nvCxnSpPr>
+          <p:cNvPr id="16" name="接點: 肘形 15">
+            <a:extLst>
+              <a:ext uri="{FF2B5EF4-FFF2-40B4-BE49-F238E27FC236}">
+                <a16:creationId xmlns:a16="http://schemas.microsoft.com/office/drawing/2014/main" id="{75AAA03D-F87A-4D44-BB54-84B174619059}"/>
+              </a:ext>
+            </a:extLst>
+          </p:cNvPr>
+          <p:cNvCxnSpPr>
+            <a:cxnSpLocks/>
+            <a:stCxn id="3" idx="2"/>
+            <a:endCxn id="6" idx="5"/>
+          </p:cNvCxnSpPr>
+          <p:nvPr/>
+        </p:nvCxnSpPr>
+        <p:spPr>
+          <a:xfrm>
+            <a:off x="5339715" y="3642504"/>
+            <a:ext cx="1512570" cy="801353"/>
+          </a:xfrm>
+          <a:prstGeom prst="bentConnector3">
+            <a:avLst/>
+          </a:prstGeom>
+          <a:ln>
+            <a:tailEnd type="triangle"/>
+          </a:ln>
+        </p:spPr>
+        <p:style>
+          <a:lnRef idx="1">
+            <a:schemeClr val="dk1"/>
+          </a:lnRef>
+          <a:fillRef idx="0">
+            <a:schemeClr val="dk1"/>
+          </a:fillRef>
+          <a:effectRef idx="0">
+            <a:schemeClr val="dk1"/>
+          </a:effectRef>
+          <a:fontRef idx="minor">
+            <a:schemeClr val="tx1"/>
+          </a:fontRef>
+        </p:style>
+      </p:cxnSp>
+      <p:cxnSp>
+        <p:nvCxnSpPr>
+          <p:cNvPr id="21" name="直線接點 20">
+            <a:extLst>
+              <a:ext uri="{FF2B5EF4-FFF2-40B4-BE49-F238E27FC236}">
+                <a16:creationId xmlns:a16="http://schemas.microsoft.com/office/drawing/2014/main" id="{0B814480-ACE1-4724-B444-9257F69F5951}"/>
+              </a:ext>
+            </a:extLst>
+          </p:cNvPr>
+          <p:cNvCxnSpPr/>
+          <p:nvPr/>
+        </p:nvCxnSpPr>
+        <p:spPr>
+          <a:xfrm flipH="1">
+            <a:off x="2487930" y="1630680"/>
+            <a:ext cx="2670810" cy="3878868"/>
+          </a:xfrm>
+          <a:prstGeom prst="line">
+            <a:avLst/>
+          </a:prstGeom>
+          <a:ln>
+            <a:prstDash val="lgDashDotDot"/>
+          </a:ln>
+        </p:spPr>
+        <p:style>
+          <a:lnRef idx="1">
+            <a:schemeClr val="dk1"/>
+          </a:lnRef>
+          <a:fillRef idx="0">
+            <a:schemeClr val="dk1"/>
+          </a:fillRef>
+          <a:effectRef idx="0">
+            <a:schemeClr val="dk1"/>
+          </a:effectRef>
+          <a:fontRef idx="minor">
+            <a:schemeClr val="tx1"/>
+          </a:fontRef>
+        </p:style>
+      </p:cxnSp>
+      <p:cxnSp>
+        <p:nvCxnSpPr>
+          <p:cNvPr id="22" name="直線接點 21">
+            <a:extLst>
+              <a:ext uri="{FF2B5EF4-FFF2-40B4-BE49-F238E27FC236}">
+                <a16:creationId xmlns:a16="http://schemas.microsoft.com/office/drawing/2014/main" id="{7918BA02-1866-4CF4-80C5-384A221AD6FE}"/>
+              </a:ext>
+            </a:extLst>
+          </p:cNvPr>
+          <p:cNvCxnSpPr>
+            <a:cxnSpLocks/>
+          </p:cNvCxnSpPr>
+          <p:nvPr/>
+        </p:nvCxnSpPr>
+        <p:spPr>
+          <a:xfrm flipH="1">
+            <a:off x="3227311" y="762000"/>
+            <a:ext cx="2174317" cy="1882140"/>
+          </a:xfrm>
+          <a:prstGeom prst="line">
+            <a:avLst/>
+          </a:prstGeom>
+          <a:ln>
+            <a:prstDash val="lgDashDotDot"/>
+          </a:ln>
+        </p:spPr>
+        <p:style>
+          <a:lnRef idx="1">
+            <a:schemeClr val="dk1"/>
+          </a:lnRef>
+          <a:fillRef idx="0">
+            <a:schemeClr val="dk1"/>
+          </a:fillRef>
+          <a:effectRef idx="0">
+            <a:schemeClr val="dk1"/>
+          </a:effectRef>
+          <a:fontRef idx="minor">
+            <a:schemeClr val="tx1"/>
+          </a:fontRef>
+        </p:style>
+      </p:cxnSp>
+      <p:cxnSp>
+        <p:nvCxnSpPr>
+          <p:cNvPr id="25" name="直線接點 24">
+            <a:extLst>
+              <a:ext uri="{FF2B5EF4-FFF2-40B4-BE49-F238E27FC236}">
+                <a16:creationId xmlns:a16="http://schemas.microsoft.com/office/drawing/2014/main" id="{DB0DEC31-C41A-45E8-8D02-5B6DE6E9329E}"/>
+              </a:ext>
+            </a:extLst>
+          </p:cNvPr>
+          <p:cNvCxnSpPr>
+            <a:cxnSpLocks/>
+          </p:cNvCxnSpPr>
+          <p:nvPr/>
+        </p:nvCxnSpPr>
+        <p:spPr>
+          <a:xfrm>
+            <a:off x="6805614" y="1630680"/>
+            <a:ext cx="2159075" cy="3878868"/>
+          </a:xfrm>
+          <a:prstGeom prst="line">
+            <a:avLst/>
+          </a:prstGeom>
+          <a:ln>
+            <a:prstDash val="lgDashDotDot"/>
+          </a:ln>
+        </p:spPr>
+        <p:style>
+          <a:lnRef idx="1">
+            <a:schemeClr val="dk1"/>
+          </a:lnRef>
+          <a:fillRef idx="0">
+            <a:schemeClr val="dk1"/>
+          </a:fillRef>
+          <a:effectRef idx="0">
+            <a:schemeClr val="dk1"/>
+          </a:effectRef>
+          <a:fontRef idx="minor">
+            <a:schemeClr val="tx1"/>
+          </a:fontRef>
+        </p:style>
+      </p:cxnSp>
+      <p:cxnSp>
+        <p:nvCxnSpPr>
+          <p:cNvPr id="28" name="直線接點 27">
+            <a:extLst>
+              <a:ext uri="{FF2B5EF4-FFF2-40B4-BE49-F238E27FC236}">
+                <a16:creationId xmlns:a16="http://schemas.microsoft.com/office/drawing/2014/main" id="{C1F65EA3-FEE7-4F71-B22D-8720165D98D6}"/>
+              </a:ext>
+            </a:extLst>
+          </p:cNvPr>
+          <p:cNvCxnSpPr>
+            <a:cxnSpLocks/>
+          </p:cNvCxnSpPr>
+          <p:nvPr/>
+        </p:nvCxnSpPr>
+        <p:spPr>
+          <a:xfrm>
+            <a:off x="7048502" y="762000"/>
+            <a:ext cx="2670810" cy="1882140"/>
+          </a:xfrm>
+          <a:prstGeom prst="line">
+            <a:avLst/>
+          </a:prstGeom>
+          <a:ln>
+            <a:prstDash val="lgDashDotDot"/>
+          </a:ln>
+        </p:spPr>
+        <p:style>
+          <a:lnRef idx="1">
+            <a:schemeClr val="dk1"/>
+          </a:lnRef>
+          <a:fillRef idx="0">
+            <a:schemeClr val="dk1"/>
+          </a:fillRef>
+          <a:effectRef idx="0">
+            <a:schemeClr val="dk1"/>
+          </a:effectRef>
+          <a:fontRef idx="minor">
+            <a:schemeClr val="tx1"/>
+          </a:fontRef>
+        </p:style>
+      </p:cxnSp>
+      <p:cxnSp>
+        <p:nvCxnSpPr>
+          <p:cNvPr id="31" name="直線單箭頭接點 30">
+            <a:extLst>
+              <a:ext uri="{FF2B5EF4-FFF2-40B4-BE49-F238E27FC236}">
+                <a16:creationId xmlns:a16="http://schemas.microsoft.com/office/drawing/2014/main" id="{13BA3D16-37DD-4583-8CC1-C9483C67F4A8}"/>
+              </a:ext>
+            </a:extLst>
+          </p:cNvPr>
+          <p:cNvCxnSpPr>
+            <a:cxnSpLocks/>
+          </p:cNvCxnSpPr>
+          <p:nvPr/>
+        </p:nvCxnSpPr>
+        <p:spPr>
+          <a:xfrm>
+            <a:off x="2870522" y="1163836"/>
+            <a:ext cx="2409150" cy="0"/>
+          </a:xfrm>
+          <a:prstGeom prst="straightConnector1">
+            <a:avLst/>
+          </a:prstGeom>
+          <a:ln>
+            <a:tailEnd type="triangle"/>
+          </a:ln>
+        </p:spPr>
+        <p:style>
+          <a:lnRef idx="1">
+            <a:schemeClr val="dk1"/>
+          </a:lnRef>
+          <a:fillRef idx="0">
+            <a:schemeClr val="dk1"/>
+          </a:fillRef>
+          <a:effectRef idx="0">
+            <a:schemeClr val="dk1"/>
+          </a:effectRef>
+          <a:fontRef idx="minor">
+            <a:schemeClr val="tx1"/>
+          </a:fontRef>
+        </p:style>
+      </p:cxnSp>
+      <p:sp>
+        <p:nvSpPr>
+          <p:cNvPr id="32" name="文字方塊 31">
+            <a:extLst>
+              <a:ext uri="{FF2B5EF4-FFF2-40B4-BE49-F238E27FC236}">
+                <a16:creationId xmlns:a16="http://schemas.microsoft.com/office/drawing/2014/main" id="{EAFBBAF6-67D1-4D15-B2B1-452DC05707DB}"/>
+              </a:ext>
+            </a:extLst>
+          </p:cNvPr>
+          <p:cNvSpPr txBox="1"/>
+          <p:nvPr/>
+        </p:nvSpPr>
+        <p:spPr>
+          <a:xfrm>
+            <a:off x="3046336" y="762000"/>
+            <a:ext cx="1597308" cy="369332"/>
+          </a:xfrm>
+          <a:prstGeom prst="rect">
+            <a:avLst/>
+          </a:prstGeom>
+          <a:noFill/>
+        </p:spPr>
+        <p:txBody>
+          <a:bodyPr wrap="square" rtlCol="0">
+            <a:spAutoFit/>
+          </a:bodyPr>
+          <a:lstStyle/>
+          <a:p>
+            <a:r>
+              <a:rPr lang="zh-TW" altLang="en-US" dirty="0"/>
+              <a:t>訓練結果數值</a:t>
+            </a:r>
+          </a:p>
+        </p:txBody>
+      </p:sp>
+      <p:sp>
+        <p:nvSpPr>
+          <p:cNvPr id="33" name="文字方塊 32">
+            <a:extLst>
+              <a:ext uri="{FF2B5EF4-FFF2-40B4-BE49-F238E27FC236}">
+                <a16:creationId xmlns:a16="http://schemas.microsoft.com/office/drawing/2014/main" id="{A1F1A761-29B3-4762-BC08-A93C04CA9D77}"/>
+              </a:ext>
+            </a:extLst>
+          </p:cNvPr>
+          <p:cNvSpPr txBox="1"/>
+          <p:nvPr/>
+        </p:nvSpPr>
+        <p:spPr>
+          <a:xfrm>
+            <a:off x="6448353" y="1319343"/>
+            <a:ext cx="457297" cy="369332"/>
+          </a:xfrm>
+          <a:prstGeom prst="rect">
+            <a:avLst/>
+          </a:prstGeom>
+          <a:noFill/>
+        </p:spPr>
+        <p:txBody>
+          <a:bodyPr wrap="square" rtlCol="0">
+            <a:spAutoFit/>
+          </a:bodyPr>
+          <a:lstStyle/>
+          <a:p>
+            <a:r>
+              <a:rPr lang="en-US" altLang="zh-TW" dirty="0"/>
+              <a:t>A2</a:t>
+            </a:r>
+          </a:p>
+        </p:txBody>
+      </p:sp>
+      <p:sp>
+        <p:nvSpPr>
+          <p:cNvPr id="34" name="文字方塊 33">
+            <a:extLst>
+              <a:ext uri="{FF2B5EF4-FFF2-40B4-BE49-F238E27FC236}">
+                <a16:creationId xmlns:a16="http://schemas.microsoft.com/office/drawing/2014/main" id="{418FD7DA-84AD-455E-B845-92399372B4AC}"/>
+              </a:ext>
+            </a:extLst>
+          </p:cNvPr>
+          <p:cNvSpPr txBox="1"/>
+          <p:nvPr/>
+        </p:nvSpPr>
+        <p:spPr>
+          <a:xfrm>
+            <a:off x="4643644" y="3765919"/>
+            <a:ext cx="584678" cy="369332"/>
+          </a:xfrm>
+          <a:prstGeom prst="rect">
+            <a:avLst/>
+          </a:prstGeom>
+          <a:noFill/>
+        </p:spPr>
+        <p:txBody>
+          <a:bodyPr wrap="square" rtlCol="0">
+            <a:spAutoFit/>
+          </a:bodyPr>
+          <a:lstStyle/>
+          <a:p>
+            <a:r>
+              <a:rPr lang="en-US" altLang="zh-TW" dirty="0"/>
+              <a:t>A21</a:t>
+            </a:r>
+          </a:p>
+        </p:txBody>
+      </p:sp>
+      <p:sp>
+        <p:nvSpPr>
+          <p:cNvPr id="35" name="文字方塊 34">
+            <a:extLst>
+              <a:ext uri="{FF2B5EF4-FFF2-40B4-BE49-F238E27FC236}">
+                <a16:creationId xmlns:a16="http://schemas.microsoft.com/office/drawing/2014/main" id="{E25553D7-90E9-42F9-A28E-5E036C3AB5FA}"/>
+              </a:ext>
+            </a:extLst>
+          </p:cNvPr>
+          <p:cNvSpPr txBox="1"/>
+          <p:nvPr/>
+        </p:nvSpPr>
+        <p:spPr>
+          <a:xfrm>
+            <a:off x="7885151" y="4526280"/>
+            <a:ext cx="561687" cy="369332"/>
+          </a:xfrm>
+          <a:prstGeom prst="rect">
+            <a:avLst/>
+          </a:prstGeom>
+          <a:noFill/>
+        </p:spPr>
+        <p:txBody>
+          <a:bodyPr wrap="square" rtlCol="0">
+            <a:spAutoFit/>
+          </a:bodyPr>
+          <a:lstStyle/>
+          <a:p>
+            <a:r>
+              <a:rPr lang="en-US" altLang="zh-TW" dirty="0"/>
+              <a:t>A22</a:t>
+            </a:r>
+          </a:p>
+        </p:txBody>
+      </p:sp>
+      <p:sp>
+        <p:nvSpPr>
+          <p:cNvPr id="29" name="文字方塊 28">
+            <a:extLst>
+              <a:ext uri="{FF2B5EF4-FFF2-40B4-BE49-F238E27FC236}">
+                <a16:creationId xmlns:a16="http://schemas.microsoft.com/office/drawing/2014/main" id="{7D6712A8-49ED-4222-90D5-6588DA3029CF}"/>
+              </a:ext>
+            </a:extLst>
+          </p:cNvPr>
+          <p:cNvSpPr txBox="1"/>
+          <p:nvPr/>
+        </p:nvSpPr>
+        <p:spPr>
+          <a:xfrm>
+            <a:off x="5684343" y="-679728"/>
+            <a:ext cx="1238491" cy="369332"/>
+          </a:xfrm>
+          <a:prstGeom prst="rect">
+            <a:avLst/>
+          </a:prstGeom>
+          <a:noFill/>
+        </p:spPr>
+        <p:txBody>
+          <a:bodyPr wrap="square" rtlCol="0">
+            <a:spAutoFit/>
+          </a:bodyPr>
+          <a:lstStyle/>
+          <a:p>
+            <a:r>
+              <a:rPr lang="zh-TW" altLang="en-US" dirty="0"/>
+              <a:t>訓練數據</a:t>
+            </a:r>
+          </a:p>
+        </p:txBody>
+      </p:sp>
+      <p:sp>
+        <p:nvSpPr>
+          <p:cNvPr id="37" name="文字方塊 36">
+            <a:extLst>
+              <a:ext uri="{FF2B5EF4-FFF2-40B4-BE49-F238E27FC236}">
+                <a16:creationId xmlns:a16="http://schemas.microsoft.com/office/drawing/2014/main" id="{002C0C66-7DD7-4FD3-8522-008C4CC4418D}"/>
+              </a:ext>
+            </a:extLst>
+          </p:cNvPr>
+          <p:cNvSpPr txBox="1"/>
+          <p:nvPr/>
+        </p:nvSpPr>
+        <p:spPr>
+          <a:xfrm>
+            <a:off x="1332100" y="3165678"/>
+            <a:ext cx="1597308" cy="369332"/>
+          </a:xfrm>
+          <a:prstGeom prst="rect">
+            <a:avLst/>
+          </a:prstGeom>
+          <a:noFill/>
+        </p:spPr>
+        <p:txBody>
+          <a:bodyPr wrap="square" rtlCol="0">
+            <a:spAutoFit/>
+          </a:bodyPr>
+          <a:lstStyle/>
+          <a:p>
+            <a:r>
+              <a:rPr lang="zh-TW" altLang="en-US" dirty="0"/>
+              <a:t>訓練結果數值</a:t>
+            </a:r>
+          </a:p>
+        </p:txBody>
+      </p:sp>
+    </p:spTree>
+    <p:extLst>
+      <p:ext uri="{BB962C8B-B14F-4D97-AF65-F5344CB8AC3E}">
+        <p14:creationId xmlns:p14="http://schemas.microsoft.com/office/powerpoint/2010/main" val="2035044551"/>
       </p:ext>
     </p:extLst>
   </p:cSld>
